--- a/ThinkingInEvents-UserGroupTalk.pptx
+++ b/ThinkingInEvents-UserGroupTalk.pptx
@@ -5,7 +5,7 @@
     <p:sldMasterId id="2147483822" r:id="rId1"/>
   </p:sldMasterIdLst>
   <p:notesMasterIdLst>
-    <p:notesMasterId r:id="rId27"/>
+    <p:notesMasterId r:id="rId28"/>
   </p:notesMasterIdLst>
   <p:sldIdLst>
     <p:sldId id="256" r:id="rId2"/>
@@ -28,11 +28,12 @@
     <p:sldId id="570" r:id="rId19"/>
     <p:sldId id="408" r:id="rId20"/>
     <p:sldId id="516" r:id="rId21"/>
-    <p:sldId id="549" r:id="rId22"/>
-    <p:sldId id="574" r:id="rId23"/>
-    <p:sldId id="572" r:id="rId24"/>
-    <p:sldId id="573" r:id="rId25"/>
-    <p:sldId id="548" r:id="rId26"/>
+    <p:sldId id="576" r:id="rId22"/>
+    <p:sldId id="549" r:id="rId23"/>
+    <p:sldId id="574" r:id="rId24"/>
+    <p:sldId id="572" r:id="rId25"/>
+    <p:sldId id="573" r:id="rId26"/>
+    <p:sldId id="548" r:id="rId27"/>
   </p:sldIdLst>
   <p:sldSz cx="12192000" cy="6858000"/>
   <p:notesSz cx="6858000" cy="9144000"/>
@@ -221,7 +222,7 @@
           <a:p>
             <a:fld id="{D8D04E9A-002C-48D9-9B8C-2D672EB0EF8E}" type="datetimeFigureOut">
               <a:rPr lang="en-US" smtClean="0"/>
-              <a:t>8/12/2015</a:t>
+              <a:t>8/25/2015</a:t>
             </a:fld>
             <a:endParaRPr lang="en-US"/>
           </a:p>
@@ -975,7 +976,7 @@
           <a:p>
             <a:fld id="{96DFF08F-DC6B-4601-B491-B0F83F6DD2DA}" type="datetimeFigureOut">
               <a:rPr lang="en-US" smtClean="0"/>
-              <a:t>8/12/2015</a:t>
+              <a:t>8/25/2015</a:t>
             </a:fld>
             <a:endParaRPr lang="en-US" dirty="0"/>
           </a:p>
@@ -1183,7 +1184,7 @@
           <a:p>
             <a:fld id="{96DFF08F-DC6B-4601-B491-B0F83F6DD2DA}" type="datetimeFigureOut">
               <a:rPr lang="en-US" smtClean="0"/>
-              <a:t>8/12/2015</a:t>
+              <a:t>8/25/2015</a:t>
             </a:fld>
             <a:endParaRPr lang="en-US" dirty="0"/>
           </a:p>
@@ -1439,7 +1440,7 @@
           <a:p>
             <a:fld id="{96DFF08F-DC6B-4601-B491-B0F83F6DD2DA}" type="datetimeFigureOut">
               <a:rPr lang="en-US" smtClean="0"/>
-              <a:t>8/12/2015</a:t>
+              <a:t>8/25/2015</a:t>
             </a:fld>
             <a:endParaRPr lang="en-US" dirty="0"/>
           </a:p>
@@ -1798,7 +1799,7 @@
           <a:p>
             <a:fld id="{D62CEF3B-A037-46D0-B02C-1428F07E9383}" type="datetimeFigureOut">
               <a:rPr lang="en-US" smtClean="0"/>
-              <a:t>8/12/2015</a:t>
+              <a:t>8/25/2015</a:t>
             </a:fld>
             <a:endParaRPr lang="en-US" dirty="0"/>
           </a:p>
@@ -2141,7 +2142,7 @@
           <a:p>
             <a:fld id="{96DFF08F-DC6B-4601-B491-B0F83F6DD2DA}" type="datetimeFigureOut">
               <a:rPr lang="en-US" smtClean="0"/>
-              <a:t>8/12/2015</a:t>
+              <a:t>8/25/2015</a:t>
             </a:fld>
             <a:endParaRPr lang="en-US" dirty="0"/>
           </a:p>
@@ -2416,7 +2417,7 @@
           <a:p>
             <a:fld id="{96DFF08F-DC6B-4601-B491-B0F83F6DD2DA}" type="datetimeFigureOut">
               <a:rPr lang="en-US" smtClean="0"/>
-              <a:t>8/12/2015</a:t>
+              <a:t>8/25/2015</a:t>
             </a:fld>
             <a:endParaRPr lang="en-US" dirty="0"/>
           </a:p>
@@ -2795,7 +2796,7 @@
           <a:p>
             <a:fld id="{96DFF08F-DC6B-4601-B491-B0F83F6DD2DA}" type="datetimeFigureOut">
               <a:rPr lang="en-US" smtClean="0"/>
-              <a:t>8/12/2015</a:t>
+              <a:t>8/25/2015</a:t>
             </a:fld>
             <a:endParaRPr lang="en-US" dirty="0"/>
           </a:p>
@@ -2913,7 +2914,7 @@
           <a:p>
             <a:fld id="{96DFF08F-DC6B-4601-B491-B0F83F6DD2DA}" type="datetimeFigureOut">
               <a:rPr lang="en-US" smtClean="0"/>
-              <a:t>8/12/2015</a:t>
+              <a:t>8/25/2015</a:t>
             </a:fld>
             <a:endParaRPr lang="en-US" dirty="0"/>
           </a:p>
@@ -3085,7 +3086,7 @@
             <a:fld id="{96DFF08F-DC6B-4601-B491-B0F83F6DD2DA}" type="datetimeFigureOut">
               <a:rPr lang="en-US" smtClean="0"/>
               <a:pPr/>
-              <a:t>8/12/2015</a:t>
+              <a:t>8/25/2015</a:t>
             </a:fld>
             <a:endParaRPr lang="en-US" dirty="0"/>
           </a:p>
@@ -3441,7 +3442,7 @@
             <a:fld id="{96DFF08F-DC6B-4601-B491-B0F83F6DD2DA}" type="datetimeFigureOut">
               <a:rPr lang="en-US" smtClean="0"/>
               <a:pPr/>
-              <a:t>8/12/2015</a:t>
+              <a:t>8/25/2015</a:t>
             </a:fld>
             <a:endParaRPr lang="en-US" dirty="0"/>
           </a:p>
@@ -3819,7 +3820,7 @@
           <a:p>
             <a:fld id="{96DFF08F-DC6B-4601-B491-B0F83F6DD2DA}" type="datetimeFigureOut">
               <a:rPr lang="en-US" smtClean="0"/>
-              <a:t>8/12/2015</a:t>
+              <a:t>8/25/2015</a:t>
             </a:fld>
             <a:endParaRPr lang="en-US" dirty="0"/>
           </a:p>
@@ -4107,7 +4108,7 @@
             <a:fld id="{96DFF08F-DC6B-4601-B491-B0F83F6DD2DA}" type="datetimeFigureOut">
               <a:rPr lang="en-US" smtClean="0"/>
               <a:pPr/>
-              <a:t>8/12/2015</a:t>
+              <a:t>8/25/2015</a:t>
             </a:fld>
             <a:endParaRPr lang="en-US" dirty="0"/>
           </a:p>
@@ -7030,11 +7031,7 @@
             </a:r>
             <a:r>
               <a:rPr lang="en-US" sz="2400" dirty="0" smtClean="0"/>
-              <a:t> </a:t>
-            </a:r>
-            <a:r>
-              <a:rPr lang="en-US" sz="2400" dirty="0" smtClean="0"/>
-              <a:t>$(...)</a:t>
+              <a:t> $(...)</a:t>
             </a:r>
           </a:p>
           <a:p>
@@ -7641,193 +7638,49 @@
         </p:nvSpPr>
         <p:spPr/>
         <p:txBody>
-          <a:bodyPr/>
-          <a:lstStyle/>
-          <a:p>
-            <a:r>
-              <a:rPr lang="en-US" smtClean="0"/>
-              <a:t>References:  Thinking in Events</a:t>
-            </a:r>
-            <a:endParaRPr lang="en-US"/>
-          </a:p>
-        </p:txBody>
-      </p:sp>
-      <p:sp>
-        <p:nvSpPr>
-          <p:cNvPr id="3" name="Content Placeholder 2"/>
-          <p:cNvSpPr>
-            <a:spLocks noGrp="1"/>
-          </p:cNvSpPr>
+          <a:bodyPr>
+            <a:normAutofit fontScale="90000"/>
+          </a:bodyPr>
+          <a:lstStyle/>
+          <a:p>
+            <a:r>
+              <a:rPr lang="en-US" dirty="0" smtClean="0"/>
+              <a:t>Slides &amp; Code: http://GitHub.com/juneb/ThinkingInEvents</a:t>
+            </a:r>
+            <a:endParaRPr lang="en-US" dirty="0"/>
+          </a:p>
+        </p:txBody>
+      </p:sp>
+      <p:pic>
+        <p:nvPicPr>
+          <p:cNvPr id="4" name="Content Placeholder 3"/>
+          <p:cNvPicPr>
+            <a:picLocks noGrp="1" noChangeAspect="1"/>
+          </p:cNvPicPr>
           <p:nvPr>
             <p:ph idx="1"/>
           </p:nvPr>
-        </p:nvSpPr>
-        <p:spPr/>
-        <p:txBody>
-          <a:bodyPr/>
-          <a:lstStyle/>
-          <a:p>
-            <a:endParaRPr lang="en-US" smtClean="0"/>
-          </a:p>
-          <a:p>
-            <a:endParaRPr lang="en-US"/>
-          </a:p>
-        </p:txBody>
-      </p:sp>
-      <p:sp>
-        <p:nvSpPr>
-          <p:cNvPr id="4" name="TextBox 3"/>
-          <p:cNvSpPr txBox="1"/>
-          <p:nvPr/>
-        </p:nvSpPr>
+        </p:nvPicPr>
+        <p:blipFill>
+          <a:blip r:embed="rId2"/>
+          <a:stretch>
+            <a:fillRect/>
+          </a:stretch>
+        </p:blipFill>
         <p:spPr>
           <a:xfrm>
-            <a:off x="1210236" y="2088776"/>
-            <a:ext cx="9502588" cy="4001095"/>
+            <a:off x="1097280" y="1860330"/>
+            <a:ext cx="7132320" cy="4245927"/>
           </a:xfrm>
           <a:prstGeom prst="rect">
             <a:avLst/>
           </a:prstGeom>
-          <a:noFill/>
         </p:spPr>
-        <p:txBody>
-          <a:bodyPr wrap="square" rtlCol="0">
-            <a:spAutoFit/>
-          </a:bodyPr>
-          <a:lstStyle/>
-          <a:p>
-            <a:r>
-              <a:rPr lang="en-US" sz="2000" smtClean="0">
-                <a:solidFill>
-                  <a:schemeClr val="tx1">
-                    <a:lumMod val="65000"/>
-                    <a:lumOff val="35000"/>
-                  </a:schemeClr>
-                </a:solidFill>
-              </a:rPr>
-              <a:t>GUI Tutorials</a:t>
-            </a:r>
-          </a:p>
-          <a:p>
-            <a:pPr lvl="1"/>
-            <a:r>
-              <a:rPr lang="en-US" smtClean="0">
-                <a:hlinkClick r:id="rId2"/>
-              </a:rPr>
-              <a:t>Creating </a:t>
-            </a:r>
-            <a:r>
-              <a:rPr lang="en-US">
-                <a:hlinkClick r:id="rId2"/>
-              </a:rPr>
-              <a:t>a Basic GUI</a:t>
-            </a:r>
-            <a:endParaRPr lang="en-US"/>
-          </a:p>
-          <a:p>
-            <a:pPr lvl="1"/>
-            <a:r>
-              <a:rPr lang="en-US">
-                <a:hlinkClick r:id="rId3"/>
-              </a:rPr>
-              <a:t>Displaying Output in a GUI Application</a:t>
-            </a:r>
-            <a:endParaRPr lang="en-US"/>
-          </a:p>
-          <a:p>
-            <a:pPr lvl="1"/>
-            <a:r>
-              <a:rPr lang="en-US" smtClean="0">
-                <a:hlinkClick r:id="rId4"/>
-              </a:rPr>
-              <a:t>Managing </a:t>
-            </a:r>
-            <a:r>
-              <a:rPr lang="en-US">
-                <a:hlinkClick r:id="rId4"/>
-              </a:rPr>
-              <a:t>Errors in a GUI Application</a:t>
-            </a:r>
-            <a:endParaRPr lang="en-US"/>
-          </a:p>
-          <a:p>
-            <a:pPr lvl="1"/>
-            <a:r>
-              <a:rPr lang="en-US" smtClean="0">
-                <a:hlinkClick r:id="rId5"/>
-              </a:rPr>
-              <a:t>Understanding Streams, Redirection, and Write-Host</a:t>
-            </a:r>
-            <a:r>
-              <a:rPr lang="en-US" smtClean="0"/>
-              <a:t>  (update July 4, 2015)</a:t>
-            </a:r>
-          </a:p>
-          <a:p>
-            <a:pPr lvl="1"/>
-            <a:r>
-              <a:rPr lang="en-US" smtClean="0">
-                <a:hlinkClick r:id="rId6"/>
-              </a:rPr>
-              <a:t>Passing and Returning Values Using Forms</a:t>
-            </a:r>
-            <a:endParaRPr lang="en-US"/>
-          </a:p>
-          <a:p>
-            <a:pPr lvl="1"/>
-            <a:r>
-              <a:rPr lang="en-US">
-                <a:hlinkClick r:id="rId7" tooltip="Permanent Link: Creating a GUI for CSV Data"/>
-              </a:rPr>
-              <a:t>Creating a GUI for CSV Data</a:t>
-            </a:r>
-            <a:endParaRPr lang="en-US"/>
-          </a:p>
-          <a:p>
-            <a:pPr lvl="1"/>
-            <a:r>
-              <a:rPr lang="en-US" smtClean="0">
-                <a:hlinkClick r:id="rId8" tooltip="Permanent Link to Adding auto-complete to an input textbox"/>
-              </a:rPr>
-              <a:t>Adding Auto-Complete to an Input Textbox</a:t>
-            </a:r>
-            <a:endParaRPr lang="en-US" smtClean="0"/>
-          </a:p>
-          <a:p>
-            <a:pPr lvl="1"/>
-            <a:r>
-              <a:rPr lang="en-US">
-                <a:hlinkClick r:id="rId9" tooltip="Permanent Link to Copy to Clipboard in a GUI Application"/>
-              </a:rPr>
-              <a:t>Copy to Clipboard in a GUI Application</a:t>
-            </a:r>
-            <a:endParaRPr lang="en-US"/>
-          </a:p>
-          <a:p>
-            <a:endParaRPr lang="en-US" smtClean="0"/>
-          </a:p>
-          <a:p>
-            <a:r>
-              <a:rPr lang="en-US" smtClean="0"/>
-              <a:t>About Face:  The Essentials of Interactive Design (Sept. 2014)</a:t>
-            </a:r>
-            <a:endParaRPr lang="en-US"/>
-          </a:p>
-          <a:p>
-            <a:endParaRPr lang="en-US" smtClean="0"/>
-          </a:p>
-          <a:p>
-            <a:endParaRPr lang="en-US"/>
-          </a:p>
-          <a:p>
-            <a:endParaRPr lang="en-US"/>
-          </a:p>
-        </p:txBody>
-      </p:sp>
+      </p:pic>
     </p:spTree>
     <p:extLst>
       <p:ext uri="{BB962C8B-B14F-4D97-AF65-F5344CB8AC3E}">
-        <p14:creationId xmlns:p14="http://schemas.microsoft.com/office/powerpoint/2010/main" val="3029466621"/>
+        <p14:creationId xmlns:p14="http://schemas.microsoft.com/office/powerpoint/2010/main" val="3037600522"/>
       </p:ext>
     </p:extLst>
   </p:cSld>
@@ -7871,6 +7724,238 @@
             <p:ph type="title"/>
           </p:nvPr>
         </p:nvSpPr>
+        <p:spPr/>
+        <p:txBody>
+          <a:bodyPr/>
+          <a:lstStyle/>
+          <a:p>
+            <a:r>
+              <a:rPr lang="en-US" smtClean="0"/>
+              <a:t>References:  Thinking in Events</a:t>
+            </a:r>
+            <a:endParaRPr lang="en-US"/>
+          </a:p>
+        </p:txBody>
+      </p:sp>
+      <p:sp>
+        <p:nvSpPr>
+          <p:cNvPr id="3" name="Content Placeholder 2"/>
+          <p:cNvSpPr>
+            <a:spLocks noGrp="1"/>
+          </p:cNvSpPr>
+          <p:nvPr>
+            <p:ph idx="1"/>
+          </p:nvPr>
+        </p:nvSpPr>
+        <p:spPr/>
+        <p:txBody>
+          <a:bodyPr/>
+          <a:lstStyle/>
+          <a:p>
+            <a:endParaRPr lang="en-US" smtClean="0"/>
+          </a:p>
+          <a:p>
+            <a:endParaRPr lang="en-US"/>
+          </a:p>
+        </p:txBody>
+      </p:sp>
+      <p:sp>
+        <p:nvSpPr>
+          <p:cNvPr id="4" name="TextBox 3"/>
+          <p:cNvSpPr txBox="1"/>
+          <p:nvPr/>
+        </p:nvSpPr>
+        <p:spPr>
+          <a:xfrm>
+            <a:off x="1210236" y="2088776"/>
+            <a:ext cx="9502588" cy="4001095"/>
+          </a:xfrm>
+          <a:prstGeom prst="rect">
+            <a:avLst/>
+          </a:prstGeom>
+          <a:noFill/>
+        </p:spPr>
+        <p:txBody>
+          <a:bodyPr wrap="square" rtlCol="0">
+            <a:spAutoFit/>
+          </a:bodyPr>
+          <a:lstStyle/>
+          <a:p>
+            <a:r>
+              <a:rPr lang="en-US" sz="2000" smtClean="0">
+                <a:solidFill>
+                  <a:schemeClr val="tx1">
+                    <a:lumMod val="65000"/>
+                    <a:lumOff val="35000"/>
+                  </a:schemeClr>
+                </a:solidFill>
+              </a:rPr>
+              <a:t>GUI Tutorials</a:t>
+            </a:r>
+          </a:p>
+          <a:p>
+            <a:pPr lvl="1"/>
+            <a:r>
+              <a:rPr lang="en-US" smtClean="0">
+                <a:hlinkClick r:id="rId2"/>
+              </a:rPr>
+              <a:t>Creating </a:t>
+            </a:r>
+            <a:r>
+              <a:rPr lang="en-US">
+                <a:hlinkClick r:id="rId2"/>
+              </a:rPr>
+              <a:t>a Basic GUI</a:t>
+            </a:r>
+            <a:endParaRPr lang="en-US"/>
+          </a:p>
+          <a:p>
+            <a:pPr lvl="1"/>
+            <a:r>
+              <a:rPr lang="en-US">
+                <a:hlinkClick r:id="rId3"/>
+              </a:rPr>
+              <a:t>Displaying Output in a GUI Application</a:t>
+            </a:r>
+            <a:endParaRPr lang="en-US"/>
+          </a:p>
+          <a:p>
+            <a:pPr lvl="1"/>
+            <a:r>
+              <a:rPr lang="en-US" smtClean="0">
+                <a:hlinkClick r:id="rId4"/>
+              </a:rPr>
+              <a:t>Managing </a:t>
+            </a:r>
+            <a:r>
+              <a:rPr lang="en-US">
+                <a:hlinkClick r:id="rId4"/>
+              </a:rPr>
+              <a:t>Errors in a GUI Application</a:t>
+            </a:r>
+            <a:endParaRPr lang="en-US"/>
+          </a:p>
+          <a:p>
+            <a:pPr lvl="1"/>
+            <a:r>
+              <a:rPr lang="en-US" smtClean="0">
+                <a:hlinkClick r:id="rId5"/>
+              </a:rPr>
+              <a:t>Understanding Streams, Redirection, and Write-Host</a:t>
+            </a:r>
+            <a:r>
+              <a:rPr lang="en-US" smtClean="0"/>
+              <a:t>  (update July 4, 2015)</a:t>
+            </a:r>
+          </a:p>
+          <a:p>
+            <a:pPr lvl="1"/>
+            <a:r>
+              <a:rPr lang="en-US" smtClean="0">
+                <a:hlinkClick r:id="rId6"/>
+              </a:rPr>
+              <a:t>Passing and Returning Values Using Forms</a:t>
+            </a:r>
+            <a:endParaRPr lang="en-US"/>
+          </a:p>
+          <a:p>
+            <a:pPr lvl="1"/>
+            <a:r>
+              <a:rPr lang="en-US">
+                <a:hlinkClick r:id="rId7" tooltip="Permanent Link: Creating a GUI for CSV Data"/>
+              </a:rPr>
+              <a:t>Creating a GUI for CSV Data</a:t>
+            </a:r>
+            <a:endParaRPr lang="en-US"/>
+          </a:p>
+          <a:p>
+            <a:pPr lvl="1"/>
+            <a:r>
+              <a:rPr lang="en-US" smtClean="0">
+                <a:hlinkClick r:id="rId8" tooltip="Permanent Link to Adding auto-complete to an input textbox"/>
+              </a:rPr>
+              <a:t>Adding Auto-Complete to an Input Textbox</a:t>
+            </a:r>
+            <a:endParaRPr lang="en-US" smtClean="0"/>
+          </a:p>
+          <a:p>
+            <a:pPr lvl="1"/>
+            <a:r>
+              <a:rPr lang="en-US">
+                <a:hlinkClick r:id="rId9" tooltip="Permanent Link to Copy to Clipboard in a GUI Application"/>
+              </a:rPr>
+              <a:t>Copy to Clipboard in a GUI Application</a:t>
+            </a:r>
+            <a:endParaRPr lang="en-US"/>
+          </a:p>
+          <a:p>
+            <a:endParaRPr lang="en-US" smtClean="0"/>
+          </a:p>
+          <a:p>
+            <a:r>
+              <a:rPr lang="en-US" smtClean="0"/>
+              <a:t>About Face:  The Essentials of Interactive Design (Sept. 2014)</a:t>
+            </a:r>
+            <a:endParaRPr lang="en-US"/>
+          </a:p>
+          <a:p>
+            <a:endParaRPr lang="en-US" smtClean="0"/>
+          </a:p>
+          <a:p>
+            <a:endParaRPr lang="en-US"/>
+          </a:p>
+          <a:p>
+            <a:endParaRPr lang="en-US"/>
+          </a:p>
+        </p:txBody>
+      </p:sp>
+    </p:spTree>
+    <p:extLst>
+      <p:ext uri="{BB962C8B-B14F-4D97-AF65-F5344CB8AC3E}">
+        <p14:creationId xmlns:p14="http://schemas.microsoft.com/office/powerpoint/2010/main" val="3029466621"/>
+      </p:ext>
+    </p:extLst>
+  </p:cSld>
+  <p:clrMapOvr>
+    <a:masterClrMapping/>
+  </p:clrMapOvr>
+  <p:timing>
+    <p:tnLst>
+      <p:par>
+        <p:cTn id="1" dur="indefinite" restart="never" nodeType="tmRoot"/>
+      </p:par>
+    </p:tnLst>
+  </p:timing>
+</p:sld>
+</file>
+
+<file path=ppt/slides/slide23.xml><?xml version="1.0" encoding="utf-8"?>
+<p:sld xmlns:a="http://schemas.openxmlformats.org/drawingml/2006/main" xmlns:r="http://schemas.openxmlformats.org/officeDocument/2006/relationships" xmlns:p="http://schemas.openxmlformats.org/presentationml/2006/main">
+  <p:cSld>
+    <p:spTree>
+      <p:nvGrpSpPr>
+        <p:cNvPr id="1" name=""/>
+        <p:cNvGrpSpPr/>
+        <p:nvPr/>
+      </p:nvGrpSpPr>
+      <p:grpSpPr>
+        <a:xfrm>
+          <a:off x="0" y="0"/>
+          <a:ext cx="0" cy="0"/>
+          <a:chOff x="0" y="0"/>
+          <a:chExt cx="0" cy="0"/>
+        </a:xfrm>
+      </p:grpSpPr>
+      <p:sp>
+        <p:nvSpPr>
+          <p:cNvPr id="2" name="Title 1"/>
+          <p:cNvSpPr>
+            <a:spLocks noGrp="1"/>
+          </p:cNvSpPr>
+          <p:nvPr>
+            <p:ph type="title"/>
+          </p:nvPr>
+        </p:nvSpPr>
         <p:spPr>
           <a:xfrm>
             <a:off x="114055" y="188280"/>
@@ -7961,7 +8046,7 @@
 </p:sld>
 </file>
 
-<file path=ppt/slides/slide23.xml><?xml version="1.0" encoding="utf-8"?>
+<file path=ppt/slides/slide24.xml><?xml version="1.0" encoding="utf-8"?>
 <p:sld xmlns:a="http://schemas.openxmlformats.org/drawingml/2006/main" xmlns:r="http://schemas.openxmlformats.org/officeDocument/2006/relationships" xmlns:p="http://schemas.openxmlformats.org/presentationml/2006/main">
   <p:cSld>
     <p:spTree>
@@ -8156,7 +8241,7 @@
 </p:sld>
 </file>
 
-<file path=ppt/slides/slide24.xml><?xml version="1.0" encoding="utf-8"?>
+<file path=ppt/slides/slide25.xml><?xml version="1.0" encoding="utf-8"?>
 <p:sld xmlns:a="http://schemas.openxmlformats.org/drawingml/2006/main" xmlns:r="http://schemas.openxmlformats.org/officeDocument/2006/relationships" xmlns:p="http://schemas.openxmlformats.org/presentationml/2006/main">
   <p:cSld>
     <p:spTree>
@@ -8317,7 +8402,7 @@
 </p:sld>
 </file>
 
-<file path=ppt/slides/slide25.xml><?xml version="1.0" encoding="utf-8"?>
+<file path=ppt/slides/slide26.xml><?xml version="1.0" encoding="utf-8"?>
 <p:sld xmlns:a="http://schemas.openxmlformats.org/drawingml/2006/main" xmlns:r="http://schemas.openxmlformats.org/officeDocument/2006/relationships" xmlns:p="http://schemas.openxmlformats.org/presentationml/2006/main">
   <p:cSld>
     <p:spTree>

--- a/ThinkingInEvents-UserGroupTalk.pptx
+++ b/ThinkingInEvents-UserGroupTalk.pptx
@@ -5,7 +5,7 @@
     <p:sldMasterId id="2147483822" r:id="rId1"/>
   </p:sldMasterIdLst>
   <p:notesMasterIdLst>
-    <p:notesMasterId r:id="rId28"/>
+    <p:notesMasterId r:id="rId29"/>
   </p:notesMasterIdLst>
   <p:sldIdLst>
     <p:sldId id="256" r:id="rId2"/>
@@ -13,27 +13,28 @@
     <p:sldId id="563" r:id="rId4"/>
     <p:sldId id="571" r:id="rId5"/>
     <p:sldId id="407" r:id="rId6"/>
-    <p:sldId id="564" r:id="rId7"/>
-    <p:sldId id="534" r:id="rId8"/>
-    <p:sldId id="535" r:id="rId9"/>
-    <p:sldId id="550" r:id="rId10"/>
-    <p:sldId id="551" r:id="rId11"/>
-    <p:sldId id="552" r:id="rId12"/>
-    <p:sldId id="565" r:id="rId13"/>
-    <p:sldId id="566" r:id="rId14"/>
-    <p:sldId id="567" r:id="rId15"/>
-    <p:sldId id="568" r:id="rId16"/>
-    <p:sldId id="575" r:id="rId17"/>
-    <p:sldId id="569" r:id="rId18"/>
-    <p:sldId id="570" r:id="rId19"/>
-    <p:sldId id="408" r:id="rId20"/>
-    <p:sldId id="516" r:id="rId21"/>
-    <p:sldId id="576" r:id="rId22"/>
-    <p:sldId id="549" r:id="rId23"/>
-    <p:sldId id="574" r:id="rId24"/>
-    <p:sldId id="572" r:id="rId25"/>
-    <p:sldId id="573" r:id="rId26"/>
-    <p:sldId id="548" r:id="rId27"/>
+    <p:sldId id="577" r:id="rId7"/>
+    <p:sldId id="564" r:id="rId8"/>
+    <p:sldId id="534" r:id="rId9"/>
+    <p:sldId id="535" r:id="rId10"/>
+    <p:sldId id="550" r:id="rId11"/>
+    <p:sldId id="551" r:id="rId12"/>
+    <p:sldId id="552" r:id="rId13"/>
+    <p:sldId id="565" r:id="rId14"/>
+    <p:sldId id="566" r:id="rId15"/>
+    <p:sldId id="567" r:id="rId16"/>
+    <p:sldId id="568" r:id="rId17"/>
+    <p:sldId id="575" r:id="rId18"/>
+    <p:sldId id="569" r:id="rId19"/>
+    <p:sldId id="570" r:id="rId20"/>
+    <p:sldId id="408" r:id="rId21"/>
+    <p:sldId id="516" r:id="rId22"/>
+    <p:sldId id="576" r:id="rId23"/>
+    <p:sldId id="549" r:id="rId24"/>
+    <p:sldId id="574" r:id="rId25"/>
+    <p:sldId id="572" r:id="rId26"/>
+    <p:sldId id="573" r:id="rId27"/>
+    <p:sldId id="548" r:id="rId28"/>
   </p:sldIdLst>
   <p:sldSz cx="12192000" cy="6858000"/>
   <p:notesSz cx="6858000" cy="9144000"/>
@@ -222,7 +223,7 @@
           <a:p>
             <a:fld id="{D8D04E9A-002C-48D9-9B8C-2D672EB0EF8E}" type="datetimeFigureOut">
               <a:rPr lang="en-US" smtClean="0"/>
-              <a:t>8/25/2015</a:t>
+              <a:t>10/10/2015</a:t>
             </a:fld>
             <a:endParaRPr lang="en-US"/>
           </a:p>
@@ -643,7 +644,7 @@
           <a:p>
             <a:fld id="{1C4B0D22-0794-4A46-9999-BF90B47B1EAE}" type="slidenum">
               <a:rPr lang="en-US" smtClean="0"/>
-              <a:t>19</a:t>
+              <a:t>20</a:t>
             </a:fld>
             <a:endParaRPr lang="en-US"/>
           </a:p>
@@ -731,7 +732,7 @@
           <a:p>
             <a:fld id="{1C4B0D22-0794-4A46-9999-BF90B47B1EAE}" type="slidenum">
               <a:rPr lang="en-US" smtClean="0"/>
-              <a:t>20</a:t>
+              <a:t>21</a:t>
             </a:fld>
             <a:endParaRPr lang="en-US"/>
           </a:p>
@@ -976,7 +977,7 @@
           <a:p>
             <a:fld id="{96DFF08F-DC6B-4601-B491-B0F83F6DD2DA}" type="datetimeFigureOut">
               <a:rPr lang="en-US" smtClean="0"/>
-              <a:t>8/25/2015</a:t>
+              <a:t>10/10/2015</a:t>
             </a:fld>
             <a:endParaRPr lang="en-US" dirty="0"/>
           </a:p>
@@ -1184,7 +1185,7 @@
           <a:p>
             <a:fld id="{96DFF08F-DC6B-4601-B491-B0F83F6DD2DA}" type="datetimeFigureOut">
               <a:rPr lang="en-US" smtClean="0"/>
-              <a:t>8/25/2015</a:t>
+              <a:t>10/10/2015</a:t>
             </a:fld>
             <a:endParaRPr lang="en-US" dirty="0"/>
           </a:p>
@@ -1440,7 +1441,7 @@
           <a:p>
             <a:fld id="{96DFF08F-DC6B-4601-B491-B0F83F6DD2DA}" type="datetimeFigureOut">
               <a:rPr lang="en-US" smtClean="0"/>
-              <a:t>8/25/2015</a:t>
+              <a:t>10/10/2015</a:t>
             </a:fld>
             <a:endParaRPr lang="en-US" dirty="0"/>
           </a:p>
@@ -1799,7 +1800,7 @@
           <a:p>
             <a:fld id="{D62CEF3B-A037-46D0-B02C-1428F07E9383}" type="datetimeFigureOut">
               <a:rPr lang="en-US" smtClean="0"/>
-              <a:t>8/25/2015</a:t>
+              <a:t>10/10/2015</a:t>
             </a:fld>
             <a:endParaRPr lang="en-US" dirty="0"/>
           </a:p>
@@ -2142,7 +2143,7 @@
           <a:p>
             <a:fld id="{96DFF08F-DC6B-4601-B491-B0F83F6DD2DA}" type="datetimeFigureOut">
               <a:rPr lang="en-US" smtClean="0"/>
-              <a:t>8/25/2015</a:t>
+              <a:t>10/10/2015</a:t>
             </a:fld>
             <a:endParaRPr lang="en-US" dirty="0"/>
           </a:p>
@@ -2417,7 +2418,7 @@
           <a:p>
             <a:fld id="{96DFF08F-DC6B-4601-B491-B0F83F6DD2DA}" type="datetimeFigureOut">
               <a:rPr lang="en-US" smtClean="0"/>
-              <a:t>8/25/2015</a:t>
+              <a:t>10/10/2015</a:t>
             </a:fld>
             <a:endParaRPr lang="en-US" dirty="0"/>
           </a:p>
@@ -2796,7 +2797,7 @@
           <a:p>
             <a:fld id="{96DFF08F-DC6B-4601-B491-B0F83F6DD2DA}" type="datetimeFigureOut">
               <a:rPr lang="en-US" smtClean="0"/>
-              <a:t>8/25/2015</a:t>
+              <a:t>10/10/2015</a:t>
             </a:fld>
             <a:endParaRPr lang="en-US" dirty="0"/>
           </a:p>
@@ -2914,7 +2915,7 @@
           <a:p>
             <a:fld id="{96DFF08F-DC6B-4601-B491-B0F83F6DD2DA}" type="datetimeFigureOut">
               <a:rPr lang="en-US" smtClean="0"/>
-              <a:t>8/25/2015</a:t>
+              <a:t>10/10/2015</a:t>
             </a:fld>
             <a:endParaRPr lang="en-US" dirty="0"/>
           </a:p>
@@ -3086,7 +3087,7 @@
             <a:fld id="{96DFF08F-DC6B-4601-B491-B0F83F6DD2DA}" type="datetimeFigureOut">
               <a:rPr lang="en-US" smtClean="0"/>
               <a:pPr/>
-              <a:t>8/25/2015</a:t>
+              <a:t>10/10/2015</a:t>
             </a:fld>
             <a:endParaRPr lang="en-US" dirty="0"/>
           </a:p>
@@ -3442,7 +3443,7 @@
             <a:fld id="{96DFF08F-DC6B-4601-B491-B0F83F6DD2DA}" type="datetimeFigureOut">
               <a:rPr lang="en-US" smtClean="0"/>
               <a:pPr/>
-              <a:t>8/25/2015</a:t>
+              <a:t>10/10/2015</a:t>
             </a:fld>
             <a:endParaRPr lang="en-US" dirty="0"/>
           </a:p>
@@ -3820,7 +3821,7 @@
           <a:p>
             <a:fld id="{96DFF08F-DC6B-4601-B491-B0F83F6DD2DA}" type="datetimeFigureOut">
               <a:rPr lang="en-US" smtClean="0"/>
-              <a:t>8/25/2015</a:t>
+              <a:t>10/10/2015</a:t>
             </a:fld>
             <a:endParaRPr lang="en-US" dirty="0"/>
           </a:p>
@@ -4108,7 +4109,7 @@
             <a:fld id="{96DFF08F-DC6B-4601-B491-B0F83F6DD2DA}" type="datetimeFigureOut">
               <a:rPr lang="en-US" smtClean="0"/>
               <a:pPr/>
-              <a:t>8/25/2015</a:t>
+              <a:t>10/10/2015</a:t>
             </a:fld>
             <a:endParaRPr lang="en-US" dirty="0"/>
           </a:p>
@@ -4772,6 +4773,98 @@
             </a:r>
             <a:r>
               <a:rPr lang="en-US" i="1" smtClean="0"/>
+              <a:t>event</a:t>
+            </a:r>
+            <a:r>
+              <a:rPr lang="en-US" smtClean="0"/>
+              <a:t> is a member</a:t>
+            </a:r>
+            <a:endParaRPr lang="en-US"/>
+          </a:p>
+        </p:txBody>
+      </p:sp>
+      <p:pic>
+        <p:nvPicPr>
+          <p:cNvPr id="6" name="Picture 5"/>
+          <p:cNvPicPr>
+            <a:picLocks noChangeAspect="1"/>
+          </p:cNvPicPr>
+          <p:nvPr/>
+        </p:nvPicPr>
+        <p:blipFill>
+          <a:blip r:embed="rId2"/>
+          <a:stretch>
+            <a:fillRect/>
+          </a:stretch>
+        </p:blipFill>
+        <p:spPr>
+          <a:xfrm>
+            <a:off x="1097279" y="1889871"/>
+            <a:ext cx="8129847" cy="4392429"/>
+          </a:xfrm>
+          <a:prstGeom prst="rect">
+            <a:avLst/>
+          </a:prstGeom>
+        </p:spPr>
+      </p:pic>
+    </p:spTree>
+    <p:extLst>
+      <p:ext uri="{BB962C8B-B14F-4D97-AF65-F5344CB8AC3E}">
+        <p14:creationId xmlns:p14="http://schemas.microsoft.com/office/powerpoint/2010/main" val="3836253029"/>
+      </p:ext>
+    </p:extLst>
+  </p:cSld>
+  <p:clrMapOvr>
+    <a:masterClrMapping/>
+  </p:clrMapOvr>
+  <p:timing>
+    <p:tnLst>
+      <p:par>
+        <p:cTn id="1" dur="indefinite" restart="never" nodeType="tmRoot"/>
+      </p:par>
+    </p:tnLst>
+  </p:timing>
+</p:sld>
+</file>
+
+<file path=ppt/slides/slide11.xml><?xml version="1.0" encoding="utf-8"?>
+<p:sld xmlns:a="http://schemas.openxmlformats.org/drawingml/2006/main" xmlns:r="http://schemas.openxmlformats.org/officeDocument/2006/relationships" xmlns:p="http://schemas.openxmlformats.org/presentationml/2006/main">
+  <p:cSld>
+    <p:spTree>
+      <p:nvGrpSpPr>
+        <p:cNvPr id="1" name=""/>
+        <p:cNvGrpSpPr/>
+        <p:nvPr/>
+      </p:nvGrpSpPr>
+      <p:grpSpPr>
+        <a:xfrm>
+          <a:off x="0" y="0"/>
+          <a:ext cx="0" cy="0"/>
+          <a:chOff x="0" y="0"/>
+          <a:chExt cx="0" cy="0"/>
+        </a:xfrm>
+      </p:grpSpPr>
+      <p:sp>
+        <p:nvSpPr>
+          <p:cNvPr id="2" name="Title 1"/>
+          <p:cNvSpPr>
+            <a:spLocks noGrp="1"/>
+          </p:cNvSpPr>
+          <p:nvPr>
+            <p:ph type="title"/>
+          </p:nvPr>
+        </p:nvSpPr>
+        <p:spPr/>
+        <p:txBody>
+          <a:bodyPr/>
+          <a:lstStyle/>
+          <a:p>
+            <a:r>
+              <a:rPr lang="en-US" smtClean="0"/>
+              <a:t>An </a:t>
+            </a:r>
+            <a:r>
+              <a:rPr lang="en-US" i="1" smtClean="0"/>
               <a:t>event handler...</a:t>
             </a:r>
             <a:endParaRPr lang="en-US"/>
@@ -5031,7 +5124,7 @@
 </p:sld>
 </file>
 
-<file path=ppt/slides/slide11.xml><?xml version="1.0" encoding="utf-8"?>
+<file path=ppt/slides/slide12.xml><?xml version="1.0" encoding="utf-8"?>
 <p:sld xmlns:a="http://schemas.openxmlformats.org/drawingml/2006/main" xmlns:r="http://schemas.openxmlformats.org/officeDocument/2006/relationships" xmlns:p="http://schemas.openxmlformats.org/presentationml/2006/main">
   <p:cSld>
     <p:spTree>
@@ -5437,7 +5530,7 @@
 </p:sld>
 </file>
 
-<file path=ppt/slides/slide12.xml><?xml version="1.0" encoding="utf-8"?>
+<file path=ppt/slides/slide13.xml><?xml version="1.0" encoding="utf-8"?>
 <p:sld xmlns:a="http://schemas.openxmlformats.org/drawingml/2006/main" xmlns:r="http://schemas.openxmlformats.org/officeDocument/2006/relationships" xmlns:p="http://schemas.openxmlformats.org/presentationml/2006/main">
   <p:cSld>
     <p:spTree>
@@ -5828,140 +5921,6 @@
 </p:sld>
 </file>
 
-<file path=ppt/slides/slide13.xml><?xml version="1.0" encoding="utf-8"?>
-<p:sld xmlns:a="http://schemas.openxmlformats.org/drawingml/2006/main" xmlns:r="http://schemas.openxmlformats.org/officeDocument/2006/relationships" xmlns:p="http://schemas.openxmlformats.org/presentationml/2006/main">
-  <p:cSld>
-    <p:spTree>
-      <p:nvGrpSpPr>
-        <p:cNvPr id="1" name=""/>
-        <p:cNvGrpSpPr/>
-        <p:nvPr/>
-      </p:nvGrpSpPr>
-      <p:grpSpPr>
-        <a:xfrm>
-          <a:off x="0" y="0"/>
-          <a:ext cx="0" cy="0"/>
-          <a:chOff x="0" y="0"/>
-          <a:chExt cx="0" cy="0"/>
-        </a:xfrm>
-      </p:grpSpPr>
-      <p:sp>
-        <p:nvSpPr>
-          <p:cNvPr id="2" name="Title 1"/>
-          <p:cNvSpPr>
-            <a:spLocks noGrp="1"/>
-          </p:cNvSpPr>
-          <p:nvPr>
-            <p:ph type="title"/>
-          </p:nvPr>
-        </p:nvSpPr>
-        <p:spPr/>
-        <p:txBody>
-          <a:bodyPr/>
-          <a:lstStyle/>
-          <a:p>
-            <a:r>
-              <a:rPr lang="en-US" smtClean="0"/>
-              <a:t>Terminating / Non-Terminating Errors</a:t>
-            </a:r>
-            <a:endParaRPr lang="en-US"/>
-          </a:p>
-        </p:txBody>
-      </p:sp>
-      <p:sp>
-        <p:nvSpPr>
-          <p:cNvPr id="4" name="Content Placeholder 2"/>
-          <p:cNvSpPr>
-            <a:spLocks noGrp="1"/>
-          </p:cNvSpPr>
-          <p:nvPr>
-            <p:ph idx="1"/>
-          </p:nvPr>
-        </p:nvSpPr>
-        <p:spPr/>
-        <p:txBody>
-          <a:bodyPr>
-            <a:normAutofit/>
-          </a:bodyPr>
-          <a:lstStyle/>
-          <a:p>
-            <a:pPr lvl="1">
-              <a:buFont typeface="Arial" panose="020B0604020202020204" pitchFamily="34" charset="0"/>
-              <a:buChar char="•"/>
-            </a:pPr>
-            <a:r>
-              <a:rPr lang="en-US" sz="3200" smtClean="0">
-                <a:solidFill>
-                  <a:srgbClr val="0070C0"/>
-                </a:solidFill>
-              </a:rPr>
-              <a:t>Non-Terminating Errors </a:t>
-            </a:r>
-            <a:r>
-              <a:rPr lang="en-US" sz="3200" smtClean="0">
-                <a:solidFill>
-                  <a:schemeClr val="tx1"/>
-                </a:solidFill>
-              </a:rPr>
-              <a:t>:  Less serious errors. By default, write an error and continue.</a:t>
-            </a:r>
-          </a:p>
-          <a:p>
-            <a:endParaRPr lang="en-US" sz="3200" smtClean="0">
-              <a:solidFill>
-                <a:srgbClr val="0070C0"/>
-              </a:solidFill>
-            </a:endParaRPr>
-          </a:p>
-          <a:p>
-            <a:pPr lvl="1">
-              <a:buFont typeface="Arial" panose="020B0604020202020204" pitchFamily="34" charset="0"/>
-              <a:buChar char="•"/>
-            </a:pPr>
-            <a:r>
-              <a:rPr lang="en-US" sz="3200" smtClean="0">
-                <a:solidFill>
-                  <a:srgbClr val="0070C0"/>
-                </a:solidFill>
-              </a:rPr>
-              <a:t>Terminating Errors : </a:t>
-            </a:r>
-            <a:r>
-              <a:rPr lang="en-US" sz="3200" smtClean="0">
-                <a:solidFill>
-                  <a:schemeClr val="tx1"/>
-                </a:solidFill>
-              </a:rPr>
-              <a:t>Serious errors. By default, write and error and stop the pipeline.</a:t>
-            </a:r>
-            <a:endParaRPr lang="en-US" sz="3200">
-              <a:solidFill>
-                <a:schemeClr val="tx1"/>
-              </a:solidFill>
-            </a:endParaRPr>
-          </a:p>
-        </p:txBody>
-      </p:sp>
-    </p:spTree>
-    <p:extLst>
-      <p:ext uri="{BB962C8B-B14F-4D97-AF65-F5344CB8AC3E}">
-        <p14:creationId xmlns:p14="http://schemas.microsoft.com/office/powerpoint/2010/main" val="2175067507"/>
-      </p:ext>
-    </p:extLst>
-  </p:cSld>
-  <p:clrMapOvr>
-    <a:masterClrMapping/>
-  </p:clrMapOvr>
-  <p:timing>
-    <p:tnLst>
-      <p:par>
-        <p:cTn id="1" dur="indefinite" restart="never" nodeType="tmRoot"/>
-      </p:par>
-    </p:tnLst>
-  </p:timing>
-</p:sld>
-</file>
-
 <file path=ppt/slides/slide14.xml><?xml version="1.0" encoding="utf-8"?>
 <p:sld xmlns:a="http://schemas.openxmlformats.org/drawingml/2006/main" xmlns:r="http://schemas.openxmlformats.org/officeDocument/2006/relationships" xmlns:p="http://schemas.openxmlformats.org/presentationml/2006/main">
   <p:cSld>
@@ -6012,12 +5971,7 @@
             <p:ph idx="1"/>
           </p:nvPr>
         </p:nvSpPr>
-        <p:spPr>
-          <a:xfrm>
-            <a:off x="379525" y="1872995"/>
-            <a:ext cx="11183210" cy="4023360"/>
-          </a:xfrm>
-        </p:spPr>
+        <p:spPr/>
         <p:txBody>
           <a:bodyPr>
             <a:normAutofit/>
@@ -6029,7 +5983,7 @@
               <a:buChar char="•"/>
             </a:pPr>
             <a:r>
-              <a:rPr lang="en-US" sz="3200" dirty="0" smtClean="0">
+              <a:rPr lang="en-US" sz="3200" smtClean="0">
                 <a:solidFill>
                   <a:srgbClr val="0070C0"/>
                 </a:solidFill>
@@ -6037,110 +5991,16 @@
               <a:t>Non-Terminating Errors </a:t>
             </a:r>
             <a:r>
-              <a:rPr lang="en-US" sz="3200" dirty="0" smtClean="0">
+              <a:rPr lang="en-US" sz="3200" smtClean="0">
                 <a:solidFill>
                   <a:schemeClr val="tx1"/>
                 </a:solidFill>
               </a:rPr>
-              <a:t>:  </a:t>
-            </a:r>
-          </a:p>
-          <a:p>
-            <a:pPr marL="201168" lvl="1" indent="0">
-              <a:buNone/>
-            </a:pPr>
-            <a:r>
-              <a:rPr lang="en-US" sz="2800" dirty="0">
-                <a:solidFill>
-                  <a:schemeClr val="tx1"/>
-                </a:solidFill>
-              </a:rPr>
-              <a:t>	</a:t>
-            </a:r>
-            <a:r>
-              <a:rPr lang="en-US" sz="3200" dirty="0" smtClean="0">
-                <a:solidFill>
-                  <a:schemeClr val="tx1"/>
-                </a:solidFill>
-              </a:rPr>
-              <a:t>if (-not (Get-Service -</a:t>
-            </a:r>
-            <a:r>
-              <a:rPr lang="en-US" sz="3200" dirty="0" smtClean="0">
-                <a:solidFill>
-                  <a:schemeClr val="accent2"/>
-                </a:solidFill>
-              </a:rPr>
-              <a:t>ServiceName</a:t>
-            </a:r>
-            <a:r>
-              <a:rPr lang="en-US" sz="3200" dirty="0" smtClean="0">
-                <a:solidFill>
-                  <a:schemeClr val="tx1"/>
-                </a:solidFill>
-              </a:rPr>
-              <a:t> foo `</a:t>
-            </a:r>
-          </a:p>
-          <a:p>
-            <a:pPr marL="201168" lvl="1" indent="0">
-              <a:buNone/>
-            </a:pPr>
-            <a:r>
-              <a:rPr lang="en-US" sz="3200" dirty="0">
-                <a:solidFill>
-                  <a:schemeClr val="tx1"/>
-                </a:solidFill>
-              </a:rPr>
-              <a:t>	</a:t>
-            </a:r>
-            <a:r>
-              <a:rPr lang="en-US" sz="3200" dirty="0" smtClean="0">
-                <a:solidFill>
-                  <a:schemeClr val="tx1"/>
-                </a:solidFill>
-              </a:rPr>
-              <a:t>	</a:t>
-            </a:r>
-            <a:r>
-              <a:rPr lang="en-US" sz="3200" dirty="0" smtClean="0">
-                <a:solidFill>
-                  <a:srgbClr val="FF0000"/>
-                </a:solidFill>
-              </a:rPr>
-              <a:t>–ErrorAction SilentlyContinue</a:t>
-            </a:r>
-            <a:r>
-              <a:rPr lang="en-US" sz="3200" dirty="0" smtClean="0">
-                <a:solidFill>
-                  <a:schemeClr val="tx1"/>
-                </a:solidFill>
-              </a:rPr>
-              <a:t>))</a:t>
-            </a:r>
-            <a:br>
-              <a:rPr lang="en-US" sz="3200" dirty="0" smtClean="0">
-                <a:solidFill>
-                  <a:schemeClr val="tx1"/>
-                </a:solidFill>
-              </a:rPr>
-            </a:br>
-            <a:r>
-              <a:rPr lang="en-US" sz="3200" dirty="0" smtClean="0">
-                <a:solidFill>
-                  <a:schemeClr val="tx1"/>
-                </a:solidFill>
-              </a:rPr>
-              <a:t>         { &lt;Handle the error }</a:t>
-            </a:r>
-            <a:br>
-              <a:rPr lang="en-US" sz="3200" dirty="0" smtClean="0">
-                <a:solidFill>
-                  <a:schemeClr val="tx1"/>
-                </a:solidFill>
-              </a:rPr>
-            </a:br>
-            <a:endParaRPr lang="en-US" sz="3200" dirty="0">
+              <a:t>:  Less serious errors. By default, write an error and continue.</a:t>
+            </a:r>
+          </a:p>
+          <a:p>
+            <a:endParaRPr lang="en-US" sz="3200" smtClean="0">
               <a:solidFill>
                 <a:srgbClr val="0070C0"/>
               </a:solidFill>
@@ -6152,66 +6012,22 @@
               <a:buChar char="•"/>
             </a:pPr>
             <a:r>
-              <a:rPr lang="en-US" sz="3200" dirty="0" smtClean="0">
+              <a:rPr lang="en-US" sz="3200" smtClean="0">
                 <a:solidFill>
                   <a:srgbClr val="0070C0"/>
                 </a:solidFill>
               </a:rPr>
               <a:t>Terminating Errors : </a:t>
             </a:r>
-            <a:br>
-              <a:rPr lang="en-US" sz="3200" dirty="0" smtClean="0">
-                <a:solidFill>
-                  <a:srgbClr val="0070C0"/>
-                </a:solidFill>
-              </a:rPr>
-            </a:br>
-            <a:r>
-              <a:rPr lang="en-US" sz="3200" dirty="0">
+            <a:r>
+              <a:rPr lang="en-US" sz="3200" smtClean="0">
                 <a:solidFill>
                   <a:schemeClr val="tx1"/>
                 </a:solidFill>
               </a:rPr>
-              <a:t>	try { Get-Service -</a:t>
-            </a:r>
-            <a:r>
-              <a:rPr lang="en-US" sz="3200" dirty="0">
-                <a:solidFill>
-                  <a:schemeClr val="accent2"/>
-                </a:solidFill>
-              </a:rPr>
-              <a:t>ComputerName</a:t>
-            </a:r>
-            <a:r>
-              <a:rPr lang="en-US" sz="3200" dirty="0">
-                <a:solidFill>
-                  <a:schemeClr val="tx1"/>
-                </a:solidFill>
-              </a:rPr>
-              <a:t> foo }</a:t>
-            </a:r>
-            <a:br>
-              <a:rPr lang="en-US" sz="3200" dirty="0">
-                <a:solidFill>
-                  <a:schemeClr val="tx1"/>
-                </a:solidFill>
-              </a:rPr>
-            </a:br>
-            <a:r>
-              <a:rPr lang="en-US" sz="3200" dirty="0">
-                <a:solidFill>
-                  <a:schemeClr val="tx1"/>
-                </a:solidFill>
-              </a:rPr>
-              <a:t>	catch { &lt;Handle the error&gt;}</a:t>
-            </a:r>
-          </a:p>
-          <a:p>
-            <a:pPr lvl="1">
-              <a:buFont typeface="Arial" panose="020B0604020202020204" pitchFamily="34" charset="0"/>
-              <a:buChar char="•"/>
-            </a:pPr>
-            <a:endParaRPr lang="en-US" sz="3200" dirty="0">
+              <a:t>Serious errors. By default, write and error and stop the pipeline.</a:t>
+            </a:r>
+            <a:endParaRPr lang="en-US" sz="3200">
               <a:solidFill>
                 <a:schemeClr val="tx1"/>
               </a:solidFill>
@@ -6222,7 +6038,7 @@
     </p:spTree>
     <p:extLst>
       <p:ext uri="{BB962C8B-B14F-4D97-AF65-F5344CB8AC3E}">
-        <p14:creationId xmlns:p14="http://schemas.microsoft.com/office/powerpoint/2010/main" val="3385123494"/>
+        <p14:creationId xmlns:p14="http://schemas.microsoft.com/office/powerpoint/2010/main" val="2175067507"/>
       </p:ext>
     </p:extLst>
   </p:cSld>
@@ -6273,7 +6089,7 @@
           <a:p>
             <a:r>
               <a:rPr lang="en-US" smtClean="0"/>
-              <a:t>Make a non-terminating error terminate</a:t>
+              <a:t>Terminating / Non-Terminating Errors</a:t>
             </a:r>
             <a:endParaRPr lang="en-US"/>
           </a:p>
@@ -6291,8 +6107,8 @@
         </p:nvSpPr>
         <p:spPr>
           <a:xfrm>
-            <a:off x="1097280" y="1804169"/>
-            <a:ext cx="10058400" cy="4023360"/>
+            <a:off x="379525" y="1872995"/>
+            <a:ext cx="11183210" cy="4023360"/>
           </a:xfrm>
         </p:spPr>
         <p:txBody>
@@ -6327,12 +6143,73 @@
               <a:buNone/>
             </a:pPr>
             <a:r>
+              <a:rPr lang="en-US" sz="2800" dirty="0">
+                <a:solidFill>
+                  <a:schemeClr val="tx1"/>
+                </a:solidFill>
+              </a:rPr>
+              <a:t>	</a:t>
+            </a:r>
+            <a:r>
               <a:rPr lang="en-US" sz="3200" dirty="0" smtClean="0">
                 <a:solidFill>
                   <a:schemeClr val="tx1"/>
                 </a:solidFill>
               </a:rPr>
-              <a:t>	try {  Get-Service -ServiceName foo `</a:t>
+              <a:t>if (-not (Get-Service -</a:t>
+            </a:r>
+            <a:r>
+              <a:rPr lang="en-US" sz="3200" dirty="0" smtClean="0">
+                <a:solidFill>
+                  <a:schemeClr val="accent2"/>
+                </a:solidFill>
+              </a:rPr>
+              <a:t>ServiceName</a:t>
+            </a:r>
+            <a:r>
+              <a:rPr lang="en-US" sz="3200" dirty="0" smtClean="0">
+                <a:solidFill>
+                  <a:schemeClr val="tx1"/>
+                </a:solidFill>
+              </a:rPr>
+              <a:t> foo `</a:t>
+            </a:r>
+          </a:p>
+          <a:p>
+            <a:pPr marL="201168" lvl="1" indent="0">
+              <a:buNone/>
+            </a:pPr>
+            <a:r>
+              <a:rPr lang="en-US" sz="3200" dirty="0">
+                <a:solidFill>
+                  <a:schemeClr val="tx1"/>
+                </a:solidFill>
+              </a:rPr>
+              <a:t>	</a:t>
+            </a:r>
+            <a:r>
+              <a:rPr lang="en-US" sz="3200" dirty="0" smtClean="0">
+                <a:solidFill>
+                  <a:schemeClr val="tx1"/>
+                </a:solidFill>
+              </a:rPr>
+              <a:t>	</a:t>
+            </a:r>
+            <a:r>
+              <a:rPr lang="en-US" sz="3200" dirty="0" smtClean="0">
+                <a:solidFill>
+                  <a:srgbClr val="FF0000"/>
+                </a:solidFill>
+              </a:rPr>
+              <a:t>–ErrorAction SilentlyContinue</a:t>
+            </a:r>
+            <a:r>
+              <a:rPr lang="en-US" sz="3200" dirty="0" smtClean="0">
+                <a:solidFill>
+                  <a:schemeClr val="tx1"/>
+                </a:solidFill>
+              </a:rPr>
+              <a:t>))</a:t>
             </a:r>
             <a:br>
               <a:rPr lang="en-US" sz="3200" dirty="0" smtClean="0">
@@ -6347,23 +6224,7 @@
                   <a:schemeClr val="tx1"/>
                 </a:solidFill>
               </a:rPr>
-              <a:t>                  </a:t>
-            </a:r>
-            <a:r>
-              <a:rPr lang="en-US" sz="3200" dirty="0" smtClean="0">
-                <a:solidFill>
-                  <a:srgbClr val="FF0000"/>
-                </a:solidFill>
-              </a:rPr>
-              <a:t> -ErrorAction Stop</a:t>
-            </a:r>
-            <a:r>
-              <a:rPr lang="en-US" sz="3200" dirty="0" smtClean="0">
-                <a:solidFill>
-                  <a:schemeClr val="tx1"/>
-                </a:solidFill>
-              </a:rPr>
-              <a:t> }</a:t>
+              <a:t>         { &lt;Handle the error }</a:t>
             </a:r>
             <a:br>
               <a:rPr lang="en-US" sz="3200" dirty="0" smtClean="0">
@@ -6372,14 +6233,77 @@
                 </a:solidFill>
               </a:rPr>
             </a:br>
+            <a:endParaRPr lang="en-US" sz="3200" dirty="0">
+              <a:solidFill>
+                <a:srgbClr val="0070C0"/>
+              </a:solidFill>
+            </a:endParaRPr>
+          </a:p>
+          <a:p>
+            <a:pPr lvl="1">
+              <a:buFont typeface="Arial" panose="020B0604020202020204" pitchFamily="34" charset="0"/>
+              <a:buChar char="•"/>
+            </a:pPr>
             <a:r>
               <a:rPr lang="en-US" sz="3200" dirty="0" smtClean="0">
                 <a:solidFill>
+                  <a:srgbClr val="0070C0"/>
+                </a:solidFill>
+              </a:rPr>
+              <a:t>Terminating Errors : </a:t>
+            </a:r>
+            <a:br>
+              <a:rPr lang="en-US" sz="3200" dirty="0" smtClean="0">
+                <a:solidFill>
+                  <a:srgbClr val="0070C0"/>
+                </a:solidFill>
+              </a:rPr>
+            </a:br>
+            <a:r>
+              <a:rPr lang="en-US" sz="3200" dirty="0">
+                <a:solidFill>
                   <a:schemeClr val="tx1"/>
                 </a:solidFill>
               </a:rPr>
-              <a:t>        catch { &lt;Handle the error }</a:t>
-            </a:r>
+              <a:t>	try { Get-Service -</a:t>
+            </a:r>
+            <a:r>
+              <a:rPr lang="en-US" sz="3200" dirty="0">
+                <a:solidFill>
+                  <a:schemeClr val="accent2"/>
+                </a:solidFill>
+              </a:rPr>
+              <a:t>ComputerName</a:t>
+            </a:r>
+            <a:r>
+              <a:rPr lang="en-US" sz="3200" dirty="0">
+                <a:solidFill>
+                  <a:schemeClr val="tx1"/>
+                </a:solidFill>
+              </a:rPr>
+              <a:t> foo }</a:t>
+            </a:r>
+            <a:br>
+              <a:rPr lang="en-US" sz="3200" dirty="0">
+                <a:solidFill>
+                  <a:schemeClr val="tx1"/>
+                </a:solidFill>
+              </a:rPr>
+            </a:br>
+            <a:r>
+              <a:rPr lang="en-US" sz="3200" dirty="0">
+                <a:solidFill>
+                  <a:schemeClr val="tx1"/>
+                </a:solidFill>
+              </a:rPr>
+              <a:t>	catch { &lt;Handle the error&gt;}</a:t>
+            </a:r>
+          </a:p>
+          <a:p>
+            <a:pPr lvl="1">
+              <a:buFont typeface="Arial" panose="020B0604020202020204" pitchFamily="34" charset="0"/>
+              <a:buChar char="•"/>
+            </a:pPr>
             <a:endParaRPr lang="en-US" sz="3200" dirty="0">
               <a:solidFill>
                 <a:schemeClr val="tx1"/>
@@ -6391,7 +6315,7 @@
     </p:spTree>
     <p:extLst>
       <p:ext uri="{BB962C8B-B14F-4D97-AF65-F5344CB8AC3E}">
-        <p14:creationId xmlns:p14="http://schemas.microsoft.com/office/powerpoint/2010/main" val="992473636"/>
+        <p14:creationId xmlns:p14="http://schemas.microsoft.com/office/powerpoint/2010/main" val="3385123494"/>
       </p:ext>
     </p:extLst>
   </p:cSld>
@@ -6441,16 +6365,16 @@
           <a:lstStyle/>
           <a:p>
             <a:r>
-              <a:rPr lang="en-US" dirty="0" smtClean="0"/>
-              <a:t>Subexpression  $(…)</a:t>
-            </a:r>
-            <a:endParaRPr lang="en-US" dirty="0"/>
-          </a:p>
-        </p:txBody>
-      </p:sp>
-      <p:sp>
-        <p:nvSpPr>
-          <p:cNvPr id="3" name="Content Placeholder 2"/>
+              <a:rPr lang="en-US" smtClean="0"/>
+              <a:t>Make a non-terminating error terminate</a:t>
+            </a:r>
+            <a:endParaRPr lang="en-US"/>
+          </a:p>
+        </p:txBody>
+      </p:sp>
+      <p:sp>
+        <p:nvSpPr>
+          <p:cNvPr id="4" name="Content Placeholder 2"/>
           <p:cNvSpPr>
             <a:spLocks noGrp="1"/>
           </p:cNvSpPr>
@@ -6460,139 +6384,120 @@
         </p:nvSpPr>
         <p:spPr>
           <a:xfrm>
-            <a:off x="1097280" y="1845733"/>
-            <a:ext cx="10058400" cy="4427247"/>
+            <a:off x="1097280" y="1804169"/>
+            <a:ext cx="10058400" cy="4023360"/>
           </a:xfrm>
         </p:spPr>
         <p:txBody>
           <a:bodyPr>
-            <a:noAutofit/>
+            <a:normAutofit/>
           </a:bodyPr>
           <a:lstStyle/>
           <a:p>
-            <a:pPr>
+            <a:pPr lvl="1">
               <a:buFont typeface="Arial" panose="020B0604020202020204" pitchFamily="34" charset="0"/>
               <a:buChar char="•"/>
             </a:pPr>
             <a:r>
-              <a:rPr lang="en-US" sz="2800" dirty="0" smtClean="0"/>
-              <a:t> Evaluates the statements in parentheses</a:t>
-            </a:r>
-          </a:p>
-          <a:p>
-            <a:pPr>
-              <a:buFont typeface="Arial" panose="020B0604020202020204" pitchFamily="34" charset="0"/>
-              <a:buChar char="•"/>
-            </a:pPr>
-            <a:r>
-              <a:rPr lang="en-US" sz="2800" dirty="0" smtClean="0"/>
-              <a:t> Includes the output in the result.</a:t>
-            </a:r>
-          </a:p>
-          <a:p>
-            <a:pPr>
-              <a:buFont typeface="Arial" panose="020B0604020202020204" pitchFamily="34" charset="0"/>
-              <a:buChar char="•"/>
-            </a:pPr>
-            <a:r>
-              <a:rPr lang="en-US" sz="2800" dirty="0"/>
-              <a:t> </a:t>
-            </a:r>
-            <a:r>
-              <a:rPr lang="en-US" sz="2800" dirty="0" smtClean="0"/>
-              <a:t>Required for multiple statements and properties of an object.</a:t>
-            </a:r>
-          </a:p>
-          <a:p>
-            <a:pPr>
-              <a:buFont typeface="Arial" panose="020B0604020202020204" pitchFamily="34" charset="0"/>
-              <a:buChar char="•"/>
-            </a:pPr>
-            <a:r>
-              <a:rPr lang="en-US" sz="2800" dirty="0"/>
-              <a:t> </a:t>
-            </a:r>
-            <a:r>
-              <a:rPr lang="en-US" sz="2800" dirty="0" smtClean="0"/>
-              <a:t>Avoids intermediate variable</a:t>
-            </a:r>
-            <a:br>
-              <a:rPr lang="en-US" sz="2800" dirty="0" smtClean="0"/>
-            </a:br>
-            <a:endParaRPr lang="en-US" sz="2800" dirty="0" smtClean="0"/>
-          </a:p>
-          <a:p>
-            <a:pPr>
-              <a:buFont typeface="Arial" panose="020B0604020202020204" pitchFamily="34" charset="0"/>
-              <a:buChar char="•"/>
-            </a:pPr>
-            <a:r>
-              <a:rPr lang="en-US" sz="2800" dirty="0" smtClean="0">
-                <a:solidFill>
-                  <a:schemeClr val="accent2"/>
-                </a:solidFill>
-              </a:rPr>
-              <a:t>Try It!</a:t>
-            </a:r>
-            <a:r>
-              <a:rPr lang="en-US" sz="2800" dirty="0" smtClean="0"/>
-              <a:t> </a:t>
-            </a:r>
-          </a:p>
-          <a:p>
-            <a:pPr marL="0" indent="0">
+              <a:rPr lang="en-US" sz="3200" dirty="0" smtClean="0">
+                <a:solidFill>
+                  <a:srgbClr val="0070C0"/>
+                </a:solidFill>
+              </a:rPr>
+              <a:t>Non-Terminating Errors </a:t>
+            </a:r>
+            <a:r>
+              <a:rPr lang="en-US" sz="3200" dirty="0" smtClean="0">
+                <a:solidFill>
+                  <a:schemeClr val="tx1"/>
+                </a:solidFill>
+              </a:rPr>
+              <a:t>:  </a:t>
+            </a:r>
+          </a:p>
+          <a:p>
+            <a:pPr marL="201168" lvl="1" indent="0">
               <a:buNone/>
             </a:pPr>
             <a:r>
-              <a:rPr lang="en-US" sz="2800" dirty="0"/>
-              <a:t>"Hello from </a:t>
-            </a:r>
-            <a:r>
-              <a:rPr lang="en-US" sz="2800" dirty="0" smtClean="0"/>
-              <a:t>(</a:t>
-            </a:r>
-            <a:r>
-              <a:rPr lang="en-US" sz="2800" dirty="0"/>
-              <a:t>Get-Service </a:t>
-            </a:r>
-            <a:r>
-              <a:rPr lang="en-US" sz="2800" dirty="0" err="1" smtClean="0"/>
-              <a:t>WinRM</a:t>
-            </a:r>
-            <a:r>
-              <a:rPr lang="en-US" sz="2800" dirty="0" smtClean="0"/>
-              <a:t>).</a:t>
-            </a:r>
-            <a:r>
-              <a:rPr lang="en-US" sz="2800" dirty="0" err="1" smtClean="0"/>
-              <a:t>DisplayName</a:t>
-            </a:r>
-            <a:r>
-              <a:rPr lang="en-US" sz="2800" dirty="0" smtClean="0"/>
-              <a:t>"</a:t>
-            </a:r>
-          </a:p>
-          <a:p>
-            <a:pPr marL="0" indent="0">
-              <a:buNone/>
-            </a:pPr>
-            <a:r>
-              <a:rPr lang="en-US" sz="2800" dirty="0" smtClean="0"/>
-              <a:t>"Today's date is Get-Date."</a:t>
-            </a:r>
+              <a:rPr lang="en-US" sz="3200" dirty="0" smtClean="0">
+                <a:solidFill>
+                  <a:schemeClr val="tx1"/>
+                </a:solidFill>
+              </a:rPr>
+              <a:t>	try {  Get-Service -ServiceName foo `</a:t>
+            </a:r>
+            <a:br>
+              <a:rPr lang="en-US" sz="3200" dirty="0" smtClean="0">
+                <a:solidFill>
+                  <a:schemeClr val="tx1"/>
+                </a:solidFill>
+              </a:rPr>
+            </a:br>
+            <a:r>
+              <a:rPr lang="en-US" sz="3200" dirty="0" smtClean="0">
+                <a:solidFill>
+                  <a:schemeClr val="tx1"/>
+                </a:solidFill>
+              </a:rPr>
+              <a:t>                  </a:t>
+            </a:r>
+            <a:r>
+              <a:rPr lang="en-US" sz="3200" dirty="0" smtClean="0">
+                <a:solidFill>
+                  <a:srgbClr val="FF0000"/>
+                </a:solidFill>
+              </a:rPr>
+              <a:t> -ErrorAction Stop</a:t>
+            </a:r>
+            <a:r>
+              <a:rPr lang="en-US" sz="3200" dirty="0" smtClean="0">
+                <a:solidFill>
+                  <a:schemeClr val="tx1"/>
+                </a:solidFill>
+              </a:rPr>
+              <a:t> }</a:t>
+            </a:r>
+            <a:br>
+              <a:rPr lang="en-US" sz="3200" dirty="0" smtClean="0">
+                <a:solidFill>
+                  <a:schemeClr val="tx1"/>
+                </a:solidFill>
+              </a:rPr>
+            </a:br>
+            <a:r>
+              <a:rPr lang="en-US" sz="3200" dirty="0" smtClean="0">
+                <a:solidFill>
+                  <a:schemeClr val="tx1"/>
+                </a:solidFill>
+              </a:rPr>
+              <a:t>        catch { &lt;Handle the error }</a:t>
+            </a:r>
+            <a:endParaRPr lang="en-US" sz="3200" dirty="0">
+              <a:solidFill>
+                <a:schemeClr val="tx1"/>
+              </a:solidFill>
+            </a:endParaRPr>
           </a:p>
         </p:txBody>
       </p:sp>
     </p:spTree>
     <p:extLst>
       <p:ext uri="{BB962C8B-B14F-4D97-AF65-F5344CB8AC3E}">
-        <p14:creationId xmlns:p14="http://schemas.microsoft.com/office/powerpoint/2010/main" val="2562263826"/>
+        <p14:creationId xmlns:p14="http://schemas.microsoft.com/office/powerpoint/2010/main" val="992473636"/>
       </p:ext>
     </p:extLst>
   </p:cSld>
   <p:clrMapOvr>
     <a:masterClrMapping/>
   </p:clrMapOvr>
+  <p:timing>
+    <p:tnLst>
+      <p:par>
+        <p:cTn id="1" dur="indefinite" restart="never" nodeType="tmRoot"/>
+      </p:par>
+    </p:tnLst>
+  </p:timing>
 </p:sld>
 </file>
 
@@ -6629,10 +6534,10 @@
           <a:lstStyle/>
           <a:p>
             <a:r>
-              <a:rPr lang="en-US" smtClean="0"/>
-              <a:t>Important properties and methods</a:t>
-            </a:r>
-            <a:endParaRPr lang="en-US"/>
+              <a:rPr lang="en-US" dirty="0" smtClean="0"/>
+              <a:t>Subexpression  $(…)</a:t>
+            </a:r>
+            <a:endParaRPr lang="en-US" dirty="0"/>
           </a:p>
         </p:txBody>
       </p:sp>
@@ -6646,111 +6551,25 @@
             <p:ph idx="1"/>
           </p:nvPr>
         </p:nvSpPr>
-        <p:spPr/>
-        <p:txBody>
-          <a:bodyPr/>
-          <a:lstStyle/>
-          <a:p>
-            <a:r>
-              <a:rPr lang="en-US" sz="2400" b="1" smtClean="0">
-                <a:solidFill>
-                  <a:schemeClr val="accent2"/>
-                </a:solidFill>
-              </a:rPr>
-              <a:t>Text</a:t>
-            </a:r>
-            <a:r>
-              <a:rPr lang="en-US" sz="2400" smtClean="0"/>
-              <a:t>:  display</a:t>
-            </a:r>
-          </a:p>
-          <a:p>
-            <a:r>
-              <a:rPr lang="en-US" sz="2400" b="1" smtClean="0">
-                <a:solidFill>
-                  <a:schemeClr val="accent2"/>
-                </a:solidFill>
-              </a:rPr>
-              <a:t>Name</a:t>
-            </a:r>
-            <a:r>
-              <a:rPr lang="en-US" sz="2400" smtClean="0"/>
-              <a:t>: internal name, typically (type&lt;Name&gt;)</a:t>
-            </a:r>
-          </a:p>
-          <a:p>
-            <a:r>
-              <a:rPr lang="en-US" smtClean="0"/>
-              <a:t>-------------------</a:t>
-            </a:r>
-          </a:p>
-          <a:p>
-            <a:r>
-              <a:rPr lang="en-US" sz="2400" smtClean="0">
-                <a:solidFill>
-                  <a:schemeClr val="accent2"/>
-                </a:solidFill>
-              </a:rPr>
-              <a:t>Button</a:t>
-            </a:r>
-            <a:r>
-              <a:rPr lang="en-US" smtClean="0"/>
-              <a:t>:  </a:t>
-            </a:r>
-          </a:p>
+        <p:spPr>
+          <a:xfrm>
+            <a:off x="1097280" y="1845733"/>
+            <a:ext cx="10058400" cy="4427247"/>
+          </a:xfrm>
+        </p:spPr>
+        <p:txBody>
+          <a:bodyPr>
+            <a:noAutofit/>
+          </a:bodyPr>
+          <a:lstStyle/>
           <a:p>
             <a:pPr>
               <a:buFont typeface="Arial" panose="020B0604020202020204" pitchFamily="34" charset="0"/>
               <a:buChar char="•"/>
             </a:pPr>
             <a:r>
-              <a:rPr lang="en-US"/>
-              <a:t> </a:t>
-            </a:r>
-            <a:r>
-              <a:rPr lang="en-US" b="1" smtClean="0"/>
-              <a:t>DialogResult</a:t>
-            </a:r>
-            <a:r>
-              <a:rPr lang="en-US" smtClean="0"/>
-              <a:t>: Predetermines behavior. To control, set to </a:t>
-            </a:r>
-            <a:r>
-              <a:rPr lang="en-US" b="1" smtClean="0"/>
-              <a:t>None</a:t>
-            </a:r>
-            <a:r>
-              <a:rPr lang="en-US" smtClean="0"/>
-              <a:t>.</a:t>
-            </a:r>
-          </a:p>
-          <a:p>
-            <a:pPr marL="0" indent="0">
-              <a:buNone/>
-            </a:pPr>
-            <a:r>
-              <a:rPr lang="en-US" sz="2400" smtClean="0">
-                <a:solidFill>
-                  <a:schemeClr val="accent2"/>
-                </a:solidFill>
-              </a:rPr>
-              <a:t> Textbox</a:t>
-            </a:r>
-            <a:r>
-              <a:rPr lang="en-US" sz="2400">
-                <a:solidFill>
-                  <a:schemeClr val="accent2"/>
-                </a:solidFill>
-              </a:rPr>
-              <a:t>, </a:t>
-            </a:r>
-            <a:r>
-              <a:rPr lang="en-US" sz="2400" smtClean="0">
-                <a:solidFill>
-                  <a:schemeClr val="accent2"/>
-                </a:solidFill>
-              </a:rPr>
-              <a:t>RichTextBox: </a:t>
+              <a:rPr lang="en-US" sz="2800" dirty="0" smtClean="0"/>
+              <a:t> Evaluates the statements in parentheses</a:t>
             </a:r>
           </a:p>
           <a:p>
@@ -6759,8 +6578,8 @@
               <a:buChar char="•"/>
             </a:pPr>
             <a:r>
-              <a:rPr lang="en-US" b="1" smtClean="0"/>
-              <a:t> Multiline</a:t>
+              <a:rPr lang="en-US" sz="2800" dirty="0" smtClean="0"/>
+              <a:t> Includes the output in the result.</a:t>
             </a:r>
           </a:p>
           <a:p>
@@ -6769,33 +6588,104 @@
               <a:buChar char="•"/>
             </a:pPr>
             <a:r>
-              <a:rPr lang="en-US" b="1" smtClean="0"/>
-              <a:t>ReadOnly</a:t>
-            </a:r>
-            <a:endParaRPr lang="en-US" b="1"/>
-          </a:p>
-          <a:p>
-            <a:endParaRPr lang="en-US"/>
+              <a:rPr lang="en-US" sz="2800" dirty="0"/>
+              <a:t> </a:t>
+            </a:r>
+            <a:r>
+              <a:rPr lang="en-US" sz="2800" dirty="0" smtClean="0"/>
+              <a:t>Required for multiple statements and properties of an object.</a:t>
+            </a:r>
+          </a:p>
+          <a:p>
+            <a:pPr>
+              <a:buFont typeface="Arial" panose="020B0604020202020204" pitchFamily="34" charset="0"/>
+              <a:buChar char="•"/>
+            </a:pPr>
+            <a:r>
+              <a:rPr lang="en-US" sz="2800" dirty="0"/>
+              <a:t> </a:t>
+            </a:r>
+            <a:r>
+              <a:rPr lang="en-US" sz="2800" dirty="0" smtClean="0"/>
+              <a:t>Avoids intermediate variable</a:t>
+            </a:r>
+            <a:br>
+              <a:rPr lang="en-US" sz="2800" dirty="0" smtClean="0"/>
+            </a:br>
+            <a:endParaRPr lang="en-US" sz="2800" dirty="0" smtClean="0"/>
+          </a:p>
+          <a:p>
+            <a:pPr>
+              <a:buFont typeface="Arial" panose="020B0604020202020204" pitchFamily="34" charset="0"/>
+              <a:buChar char="•"/>
+            </a:pPr>
+            <a:r>
+              <a:rPr lang="en-US" sz="2800" dirty="0" smtClean="0">
+                <a:solidFill>
+                  <a:schemeClr val="accent2"/>
+                </a:solidFill>
+              </a:rPr>
+              <a:t>Try It!</a:t>
+            </a:r>
+            <a:r>
+              <a:rPr lang="en-US" sz="2800" dirty="0" smtClean="0"/>
+              <a:t> </a:t>
+            </a:r>
+          </a:p>
+          <a:p>
+            <a:pPr marL="0" indent="0">
+              <a:buNone/>
+            </a:pPr>
+            <a:r>
+              <a:rPr lang="en-US" sz="2800" dirty="0"/>
+              <a:t>"Hello from </a:t>
+            </a:r>
+            <a:r>
+              <a:rPr lang="en-US" sz="2800" dirty="0" smtClean="0"/>
+              <a:t>(</a:t>
+            </a:r>
+            <a:r>
+              <a:rPr lang="en-US" sz="2800" dirty="0"/>
+              <a:t>Get-Service </a:t>
+            </a:r>
+            <a:r>
+              <a:rPr lang="en-US" sz="2800" dirty="0" err="1" smtClean="0"/>
+              <a:t>WinRM</a:t>
+            </a:r>
+            <a:r>
+              <a:rPr lang="en-US" sz="2800" dirty="0" smtClean="0"/>
+              <a:t>).</a:t>
+            </a:r>
+            <a:r>
+              <a:rPr lang="en-US" sz="2800" dirty="0" err="1" smtClean="0"/>
+              <a:t>DisplayName</a:t>
+            </a:r>
+            <a:r>
+              <a:rPr lang="en-US" sz="2800" dirty="0" smtClean="0"/>
+              <a:t>"</a:t>
+            </a:r>
+          </a:p>
+          <a:p>
+            <a:pPr marL="0" indent="0">
+              <a:buNone/>
+            </a:pPr>
+            <a:r>
+              <a:rPr lang="en-US" sz="2800" dirty="0" smtClean="0"/>
+              <a:t>"Today's date is Get-Date."</a:t>
+            </a:r>
           </a:p>
         </p:txBody>
       </p:sp>
     </p:spTree>
     <p:extLst>
       <p:ext uri="{BB962C8B-B14F-4D97-AF65-F5344CB8AC3E}">
-        <p14:creationId xmlns:p14="http://schemas.microsoft.com/office/powerpoint/2010/main" val="2654660063"/>
+        <p14:creationId xmlns:p14="http://schemas.microsoft.com/office/powerpoint/2010/main" val="2562263826"/>
       </p:ext>
     </p:extLst>
   </p:cSld>
   <p:clrMapOvr>
     <a:masterClrMapping/>
   </p:clrMapOvr>
-  <p:timing>
-    <p:tnLst>
-      <p:par>
-        <p:cTn id="1" dur="indefinite" restart="never" nodeType="tmRoot"/>
-      </p:par>
-    </p:tnLst>
-  </p:timing>
 </p:sld>
 </file>
 
@@ -6832,18 +6722,10 @@
           <a:lstStyle/>
           <a:p>
             <a:r>
-              <a:rPr lang="en-US" dirty="0" smtClean="0"/>
-              <a:t>GUI </a:t>
-            </a:r>
-            <a:r>
-              <a:rPr lang="en-US" dirty="0" err="1" smtClean="0"/>
-              <a:t>CheatSheet</a:t>
-            </a:r>
-            <a:r>
-              <a:rPr lang="en-US" dirty="0" smtClean="0"/>
-              <a:t>:</a:t>
-            </a:r>
-            <a:endParaRPr lang="en-US" dirty="0"/>
+              <a:rPr lang="en-US" smtClean="0"/>
+              <a:t>Important properties and methods</a:t>
+            </a:r>
+            <a:endParaRPr lang="en-US"/>
           </a:p>
         </p:txBody>
       </p:sp>
@@ -6857,35 +6739,111 @@
             <p:ph idx="1"/>
           </p:nvPr>
         </p:nvSpPr>
-        <p:spPr>
-          <a:xfrm>
-            <a:off x="1083425" y="1845733"/>
-            <a:ext cx="10058400" cy="4319539"/>
-          </a:xfrm>
-        </p:spPr>
+        <p:spPr/>
         <p:txBody>
           <a:bodyPr/>
           <a:lstStyle/>
+          <a:p>
+            <a:r>
+              <a:rPr lang="en-US" sz="2400" b="1" smtClean="0">
+                <a:solidFill>
+                  <a:schemeClr val="accent2"/>
+                </a:solidFill>
+              </a:rPr>
+              <a:t>Text</a:t>
+            </a:r>
+            <a:r>
+              <a:rPr lang="en-US" sz="2400" smtClean="0"/>
+              <a:t>:  display</a:t>
+            </a:r>
+          </a:p>
+          <a:p>
+            <a:r>
+              <a:rPr lang="en-US" sz="2400" b="1" smtClean="0">
+                <a:solidFill>
+                  <a:schemeClr val="accent2"/>
+                </a:solidFill>
+              </a:rPr>
+              <a:t>Name</a:t>
+            </a:r>
+            <a:r>
+              <a:rPr lang="en-US" sz="2400" smtClean="0"/>
+              <a:t>: internal name, typically (type&lt;Name&gt;)</a:t>
+            </a:r>
+          </a:p>
+          <a:p>
+            <a:r>
+              <a:rPr lang="en-US" smtClean="0"/>
+              <a:t>-------------------</a:t>
+            </a:r>
+          </a:p>
+          <a:p>
+            <a:r>
+              <a:rPr lang="en-US" sz="2400" smtClean="0">
+                <a:solidFill>
+                  <a:schemeClr val="accent2"/>
+                </a:solidFill>
+              </a:rPr>
+              <a:t>Button</a:t>
+            </a:r>
+            <a:r>
+              <a:rPr lang="en-US" smtClean="0"/>
+              <a:t>:  </a:t>
+            </a:r>
+          </a:p>
           <a:p>
             <a:pPr>
               <a:buFont typeface="Arial" panose="020B0604020202020204" pitchFamily="34" charset="0"/>
               <a:buChar char="•"/>
             </a:pPr>
             <a:r>
-              <a:rPr lang="en-US" dirty="0" smtClean="0"/>
-              <a:t>  </a:t>
-            </a:r>
-            <a:r>
-              <a:rPr lang="en-US" sz="2400" dirty="0" smtClean="0">
+              <a:rPr lang="en-US"/>
+              <a:t> </a:t>
+            </a:r>
+            <a:r>
+              <a:rPr lang="en-US" b="1" smtClean="0"/>
+              <a:t>DialogResult</a:t>
+            </a:r>
+            <a:r>
+              <a:rPr lang="en-US" smtClean="0"/>
+              <a:t>: Predetermines behavior. To control, set to </a:t>
+            </a:r>
+            <a:r>
+              <a:rPr lang="en-US" b="1" smtClean="0"/>
+              <a:t>None</a:t>
+            </a:r>
+            <a:r>
+              <a:rPr lang="en-US" smtClean="0"/>
+              <a:t>.</a:t>
+            </a:r>
+          </a:p>
+          <a:p>
+            <a:pPr marL="0" indent="0">
+              <a:buNone/>
+            </a:pPr>
+            <a:r>
+              <a:rPr lang="en-US" sz="2400" smtClean="0">
                 <a:solidFill>
                   <a:schemeClr val="accent2"/>
                 </a:solidFill>
               </a:rPr>
-              <a:t>Think in events</a:t>
-            </a:r>
-            <a:r>
-              <a:rPr lang="en-US" sz="2400" dirty="0" smtClean="0"/>
-              <a:t>: Place the code in the event that should trigger it.</a:t>
+              <a:t> Textbox</a:t>
+            </a:r>
+            <a:r>
+              <a:rPr lang="en-US" sz="2400">
+                <a:solidFill>
+                  <a:schemeClr val="accent2"/>
+                </a:solidFill>
+              </a:rPr>
+              <a:t>, </a:t>
+            </a:r>
+            <a:r>
+              <a:rPr lang="en-US" sz="2400" smtClean="0">
+                <a:solidFill>
+                  <a:schemeClr val="accent2"/>
+                </a:solidFill>
+              </a:rPr>
+              <a:t>RichTextBox: </a:t>
             </a:r>
           </a:p>
           <a:p>
@@ -6894,20 +6852,8 @@
               <a:buChar char="•"/>
             </a:pPr>
             <a:r>
-              <a:rPr lang="en-US" sz="2400" dirty="0"/>
-              <a:t> </a:t>
-            </a:r>
-            <a:r>
-              <a:rPr lang="en-US" sz="2400" dirty="0" smtClean="0">
-                <a:solidFill>
-                  <a:schemeClr val="accent2"/>
-                </a:solidFill>
-              </a:rPr>
-              <a:t>Control the output</a:t>
-            </a:r>
-            <a:r>
-              <a:rPr lang="en-US" sz="2400" dirty="0" smtClean="0"/>
-              <a:t>:  You manage the display</a:t>
+              <a:rPr lang="en-US" b="1" smtClean="0"/>
+              <a:t> Multiline</a:t>
             </a:r>
           </a:p>
           <a:p>
@@ -6916,172 +6862,20 @@
               <a:buChar char="•"/>
             </a:pPr>
             <a:r>
-              <a:rPr lang="en-US" sz="2400" dirty="0"/>
-              <a:t> </a:t>
-            </a:r>
-            <a:r>
-              <a:rPr lang="en-US" sz="2400" dirty="0" smtClean="0">
-                <a:solidFill>
-                  <a:schemeClr val="accent2"/>
-                </a:solidFill>
-              </a:rPr>
-              <a:t>Control errors</a:t>
-            </a:r>
-            <a:r>
-              <a:rPr lang="en-US" sz="2400" dirty="0" smtClean="0"/>
-              <a:t>: You manage the display :  </a:t>
-            </a:r>
-            <a:br>
-              <a:rPr lang="en-US" sz="2400" dirty="0" smtClean="0"/>
-            </a:br>
-            <a:r>
-              <a:rPr lang="en-US" sz="2400" dirty="0" smtClean="0"/>
-              <a:t>	Use </a:t>
-            </a:r>
-            <a:r>
-              <a:rPr lang="en-US" sz="2400" dirty="0" smtClean="0">
-                <a:solidFill>
-                  <a:schemeClr val="accent2"/>
-                </a:solidFill>
-              </a:rPr>
-              <a:t>msgbox, $error[0].</a:t>
-            </a:r>
-            <a:r>
-              <a:rPr lang="en-US" sz="2400" dirty="0" err="1" smtClean="0">
-                <a:solidFill>
-                  <a:schemeClr val="accent2"/>
-                </a:solidFill>
-              </a:rPr>
-              <a:t>Exception.Message</a:t>
-            </a:r>
-            <a:endParaRPr lang="en-US" sz="2400" dirty="0" smtClean="0">
-              <a:solidFill>
-                <a:schemeClr val="accent2"/>
-              </a:solidFill>
-            </a:endParaRPr>
-          </a:p>
-          <a:p>
-            <a:pPr>
-              <a:buFont typeface="Arial" panose="020B0604020202020204" pitchFamily="34" charset="0"/>
-              <a:buChar char="•"/>
-            </a:pPr>
-            <a:r>
-              <a:rPr lang="en-US" sz="2400" dirty="0"/>
-              <a:t> </a:t>
-            </a:r>
-            <a:r>
-              <a:rPr lang="en-US" sz="2400" dirty="0" smtClean="0">
-                <a:solidFill>
-                  <a:schemeClr val="accent2"/>
-                </a:solidFill>
-              </a:rPr>
-              <a:t>Dialog result</a:t>
-            </a:r>
-            <a:r>
-              <a:rPr lang="en-US" sz="2400" dirty="0" smtClean="0"/>
-              <a:t> button property:  To control the button, set it to </a:t>
-            </a:r>
-            <a:r>
-              <a:rPr lang="en-US" sz="2400" b="1" dirty="0" smtClean="0"/>
-              <a:t>None</a:t>
-            </a:r>
-            <a:r>
-              <a:rPr lang="en-US" sz="2400" dirty="0" smtClean="0"/>
-              <a:t>.</a:t>
-            </a:r>
-          </a:p>
-          <a:p>
-            <a:pPr>
-              <a:buFont typeface="Arial" panose="020B0604020202020204" pitchFamily="34" charset="0"/>
-              <a:buChar char="•"/>
-            </a:pPr>
-            <a:r>
-              <a:rPr lang="en-US" sz="2400" dirty="0" smtClean="0"/>
-              <a:t>To format strings, use </a:t>
-            </a:r>
-            <a:r>
-              <a:rPr lang="en-US" sz="2400" dirty="0" smtClean="0">
-                <a:solidFill>
-                  <a:schemeClr val="accent2"/>
-                </a:solidFill>
-              </a:rPr>
-              <a:t>Out-String</a:t>
-            </a:r>
-            <a:r>
-              <a:rPr lang="en-US" sz="2400" dirty="0" smtClean="0"/>
-              <a:t> (converts objects into a single string)</a:t>
-            </a:r>
-          </a:p>
-          <a:p>
-            <a:pPr>
-              <a:buFont typeface="Arial" panose="020B0604020202020204" pitchFamily="34" charset="0"/>
-              <a:buChar char="•"/>
-            </a:pPr>
-            <a:r>
-              <a:rPr lang="en-US" sz="2400" dirty="0" smtClean="0"/>
-              <a:t>To display properties as strings, use </a:t>
-            </a:r>
-            <a:r>
-              <a:rPr lang="en-US" sz="2400" dirty="0" smtClean="0">
-                <a:solidFill>
-                  <a:schemeClr val="accent2"/>
-                </a:solidFill>
-              </a:rPr>
-              <a:t>subexpression</a:t>
-            </a:r>
-            <a:r>
-              <a:rPr lang="en-US" sz="2400" dirty="0" smtClean="0"/>
-              <a:t> $(...)</a:t>
-            </a:r>
-          </a:p>
-          <a:p>
-            <a:pPr>
-              <a:buFont typeface="Arial" panose="020B0604020202020204" pitchFamily="34" charset="0"/>
-              <a:buChar char="•"/>
-            </a:pPr>
-            <a:r>
-              <a:rPr lang="en-US" sz="2400" dirty="0" smtClean="0"/>
-              <a:t>To display </a:t>
-            </a:r>
-            <a:r>
-              <a:rPr lang="en-US" sz="2400" dirty="0" smtClean="0">
-                <a:solidFill>
-                  <a:schemeClr val="accent2"/>
-                </a:solidFill>
-              </a:rPr>
-              <a:t>monospace font</a:t>
-            </a:r>
-            <a:r>
-              <a:rPr lang="en-US" sz="2400" dirty="0" smtClean="0"/>
-              <a:t> in a textbox:</a:t>
-            </a:r>
-            <a:br>
-              <a:rPr lang="en-US" sz="2400" dirty="0" smtClean="0"/>
-            </a:br>
-            <a:r>
-              <a:rPr lang="en-US" sz="2400" dirty="0" smtClean="0"/>
-              <a:t>            Right-Click </a:t>
-            </a:r>
-            <a:r>
-              <a:rPr lang="en-US" sz="2400" dirty="0" smtClean="0">
-                <a:sym typeface="Wingdings" panose="05000000000000000000" pitchFamily="2" charset="2"/>
-              </a:rPr>
-              <a:t> Apply Property Set / Apply Console Font</a:t>
-            </a:r>
-            <a:r>
-              <a:rPr lang="en-US" sz="2400" dirty="0" smtClean="0"/>
-              <a:t>  </a:t>
-            </a:r>
-          </a:p>
-          <a:p>
-            <a:endParaRPr lang="en-US" dirty="0"/>
+              <a:rPr lang="en-US" b="1" smtClean="0"/>
+              <a:t>ReadOnly</a:t>
+            </a:r>
+            <a:endParaRPr lang="en-US" b="1"/>
+          </a:p>
+          <a:p>
+            <a:endParaRPr lang="en-US"/>
           </a:p>
         </p:txBody>
       </p:sp>
     </p:spTree>
     <p:extLst>
       <p:ext uri="{BB962C8B-B14F-4D97-AF65-F5344CB8AC3E}">
-        <p14:creationId xmlns:p14="http://schemas.microsoft.com/office/powerpoint/2010/main" val="3827705658"/>
+        <p14:creationId xmlns:p14="http://schemas.microsoft.com/office/powerpoint/2010/main" val="2654660063"/>
       </p:ext>
     </p:extLst>
   </p:cSld>
@@ -7131,10 +6925,18 @@
           <a:lstStyle/>
           <a:p>
             <a:r>
-              <a:rPr lang="en-US" smtClean="0"/>
-              <a:t>Part 1:  Simple GUI -&gt; Out-GridView</a:t>
-            </a:r>
-            <a:endParaRPr lang="en-US"/>
+              <a:rPr lang="en-US" dirty="0" smtClean="0"/>
+              <a:t>GUI </a:t>
+            </a:r>
+            <a:r>
+              <a:rPr lang="en-US" dirty="0" err="1" smtClean="0"/>
+              <a:t>CheatSheet</a:t>
+            </a:r>
+            <a:r>
+              <a:rPr lang="en-US" dirty="0" smtClean="0"/>
+              <a:t>:</a:t>
+            </a:r>
+            <a:endParaRPr lang="en-US" dirty="0"/>
           </a:p>
         </p:txBody>
       </p:sp>
@@ -7148,86 +6950,231 @@
             <p:ph idx="1"/>
           </p:nvPr>
         </p:nvSpPr>
-        <p:spPr/>
+        <p:spPr>
+          <a:xfrm>
+            <a:off x="1083425" y="1845733"/>
+            <a:ext cx="10058400" cy="4319539"/>
+          </a:xfrm>
+        </p:spPr>
         <p:txBody>
           <a:bodyPr/>
           <a:lstStyle/>
           <a:p>
-            <a:endParaRPr lang="en-US" smtClean="0"/>
-          </a:p>
-          <a:p>
-            <a:r>
-              <a:rPr lang="en-US" sz="3200" smtClean="0">
-                <a:solidFill>
-                  <a:schemeClr val="tx2"/>
-                </a:solidFill>
-              </a:rPr>
-              <a:t>Input :		</a:t>
-            </a:r>
-            <a:r>
-              <a:rPr lang="en-US" sz="3200" smtClean="0">
-                <a:solidFill>
-                  <a:srgbClr val="0070C0"/>
-                </a:solidFill>
-              </a:rPr>
-              <a:t>Textbox, Buttons</a:t>
-            </a:r>
-          </a:p>
-          <a:p>
-            <a:r>
-              <a:rPr lang="en-US" sz="3200" smtClean="0">
-                <a:solidFill>
-                  <a:schemeClr val="tx2"/>
-                </a:solidFill>
-              </a:rPr>
-              <a:t>Processing: 	</a:t>
-            </a:r>
-            <a:r>
-              <a:rPr lang="en-US" sz="3200" smtClean="0">
-                <a:solidFill>
-                  <a:srgbClr val="0070C0"/>
-                </a:solidFill>
-              </a:rPr>
-              <a:t>Script</a:t>
-            </a:r>
-          </a:p>
-          <a:p>
-            <a:r>
-              <a:rPr lang="en-US" sz="3200" smtClean="0">
-                <a:solidFill>
-                  <a:schemeClr val="tx2"/>
-                </a:solidFill>
-              </a:rPr>
-              <a:t>Output: </a:t>
-            </a:r>
-            <a:r>
-              <a:rPr lang="en-US" sz="3200" smtClean="0"/>
-              <a:t>		</a:t>
-            </a:r>
-            <a:r>
-              <a:rPr lang="en-US" sz="3200" smtClean="0">
-                <a:solidFill>
-                  <a:srgbClr val="0070C0"/>
-                </a:solidFill>
-              </a:rPr>
-              <a:t>Out-GridView</a:t>
-            </a:r>
-          </a:p>
-          <a:p>
-            <a:endParaRPr lang="en-US"/>
-          </a:p>
-          <a:p>
-            <a:pPr marL="0" indent="0">
-              <a:buNone/>
+            <a:pPr>
+              <a:buFont typeface="Arial" panose="020B0604020202020204" pitchFamily="34" charset="0"/>
+              <a:buChar char="•"/>
             </a:pPr>
-            <a:endParaRPr lang="en-US"/>
+            <a:r>
+              <a:rPr lang="en-US" dirty="0" smtClean="0"/>
+              <a:t>  </a:t>
+            </a:r>
+            <a:r>
+              <a:rPr lang="en-US" sz="2400" dirty="0" smtClean="0">
+                <a:solidFill>
+                  <a:schemeClr val="accent2"/>
+                </a:solidFill>
+              </a:rPr>
+              <a:t>Think in events</a:t>
+            </a:r>
+            <a:r>
+              <a:rPr lang="en-US" sz="2400" dirty="0" smtClean="0"/>
+              <a:t>: Place the code in the event that should trigger it.</a:t>
+            </a:r>
+          </a:p>
+          <a:p>
+            <a:pPr>
+              <a:buFont typeface="Arial" panose="020B0604020202020204" pitchFamily="34" charset="0"/>
+              <a:buChar char="•"/>
+            </a:pPr>
+            <a:r>
+              <a:rPr lang="en-US" sz="2400" dirty="0"/>
+              <a:t> </a:t>
+            </a:r>
+            <a:r>
+              <a:rPr lang="en-US" sz="2400" dirty="0" smtClean="0">
+                <a:solidFill>
+                  <a:schemeClr val="accent2"/>
+                </a:solidFill>
+              </a:rPr>
+              <a:t>Control the output</a:t>
+            </a:r>
+            <a:r>
+              <a:rPr lang="en-US" sz="2400" dirty="0" smtClean="0"/>
+              <a:t>:  You manage the display</a:t>
+            </a:r>
+          </a:p>
+          <a:p>
+            <a:pPr>
+              <a:buFont typeface="Arial" panose="020B0604020202020204" pitchFamily="34" charset="0"/>
+              <a:buChar char="•"/>
+            </a:pPr>
+            <a:r>
+              <a:rPr lang="en-US" sz="2400" dirty="0"/>
+              <a:t> </a:t>
+            </a:r>
+            <a:r>
+              <a:rPr lang="en-US" sz="2400" dirty="0" smtClean="0">
+                <a:solidFill>
+                  <a:schemeClr val="accent2"/>
+                </a:solidFill>
+              </a:rPr>
+              <a:t>Control errors</a:t>
+            </a:r>
+            <a:r>
+              <a:rPr lang="en-US" sz="2400" dirty="0" smtClean="0"/>
+              <a:t>: You manage the display :  </a:t>
+            </a:r>
+            <a:br>
+              <a:rPr lang="en-US" sz="2400" dirty="0" smtClean="0"/>
+            </a:br>
+            <a:r>
+              <a:rPr lang="en-US" sz="2400" dirty="0" smtClean="0"/>
+              <a:t>	Use </a:t>
+            </a:r>
+            <a:r>
+              <a:rPr lang="en-US" sz="2400" dirty="0" smtClean="0">
+                <a:solidFill>
+                  <a:schemeClr val="accent2"/>
+                </a:solidFill>
+              </a:rPr>
+              <a:t>msgbox, $error[0].</a:t>
+            </a:r>
+            <a:r>
+              <a:rPr lang="en-US" sz="2400" dirty="0" err="1" smtClean="0">
+                <a:solidFill>
+                  <a:schemeClr val="accent2"/>
+                </a:solidFill>
+              </a:rPr>
+              <a:t>Exception.Message</a:t>
+            </a:r>
+            <a:endParaRPr lang="en-US" sz="2400" dirty="0" smtClean="0">
+              <a:solidFill>
+                <a:schemeClr val="accent2"/>
+              </a:solidFill>
+            </a:endParaRPr>
+          </a:p>
+          <a:p>
+            <a:pPr>
+              <a:buFont typeface="Arial" panose="020B0604020202020204" pitchFamily="34" charset="0"/>
+              <a:buChar char="•"/>
+            </a:pPr>
+            <a:r>
+              <a:rPr lang="en-US" sz="2400" dirty="0"/>
+              <a:t> </a:t>
+            </a:r>
+            <a:r>
+              <a:rPr lang="en-US" sz="2400" dirty="0" smtClean="0">
+                <a:solidFill>
+                  <a:schemeClr val="accent2"/>
+                </a:solidFill>
+              </a:rPr>
+              <a:t>Dialog result</a:t>
+            </a:r>
+            <a:r>
+              <a:rPr lang="en-US" sz="2400" dirty="0" smtClean="0"/>
+              <a:t> button property:  To control the button, set it to </a:t>
+            </a:r>
+            <a:r>
+              <a:rPr lang="en-US" sz="2400" b="1" dirty="0" smtClean="0"/>
+              <a:t>None</a:t>
+            </a:r>
+            <a:r>
+              <a:rPr lang="en-US" sz="2400" dirty="0" smtClean="0"/>
+              <a:t>.</a:t>
+            </a:r>
+          </a:p>
+          <a:p>
+            <a:pPr>
+              <a:buFont typeface="Arial" panose="020B0604020202020204" pitchFamily="34" charset="0"/>
+              <a:buChar char="•"/>
+            </a:pPr>
+            <a:r>
+              <a:rPr lang="en-US" sz="2400" dirty="0" smtClean="0"/>
+              <a:t>To format strings, use </a:t>
+            </a:r>
+            <a:r>
+              <a:rPr lang="en-US" sz="2400" dirty="0" smtClean="0">
+                <a:solidFill>
+                  <a:schemeClr val="accent2"/>
+                </a:solidFill>
+              </a:rPr>
+              <a:t>Out-String</a:t>
+            </a:r>
+            <a:r>
+              <a:rPr lang="en-US" sz="2400" dirty="0" smtClean="0"/>
+              <a:t> (converts objects into a single string)</a:t>
+            </a:r>
+          </a:p>
+          <a:p>
+            <a:pPr>
+              <a:buFont typeface="Arial" panose="020B0604020202020204" pitchFamily="34" charset="0"/>
+              <a:buChar char="•"/>
+            </a:pPr>
+            <a:r>
+              <a:rPr lang="en-US" sz="2400" dirty="0" smtClean="0"/>
+              <a:t>To display properties as strings, use </a:t>
+            </a:r>
+            <a:r>
+              <a:rPr lang="en-US" sz="2400" dirty="0" smtClean="0">
+                <a:solidFill>
+                  <a:schemeClr val="accent2"/>
+                </a:solidFill>
+              </a:rPr>
+              <a:t>subexpression</a:t>
+            </a:r>
+            <a:r>
+              <a:rPr lang="en-US" sz="2400" dirty="0" smtClean="0"/>
+              <a:t> $(...)</a:t>
+            </a:r>
+          </a:p>
+          <a:p>
+            <a:pPr>
+              <a:buFont typeface="Arial" panose="020B0604020202020204" pitchFamily="34" charset="0"/>
+              <a:buChar char="•"/>
+            </a:pPr>
+            <a:r>
+              <a:rPr lang="en-US" sz="2400" dirty="0" smtClean="0"/>
+              <a:t>To display </a:t>
+            </a:r>
+            <a:r>
+              <a:rPr lang="en-US" sz="2400" dirty="0" smtClean="0">
+                <a:solidFill>
+                  <a:schemeClr val="accent2"/>
+                </a:solidFill>
+              </a:rPr>
+              <a:t>monospace font</a:t>
+            </a:r>
+            <a:r>
+              <a:rPr lang="en-US" sz="2400" dirty="0" smtClean="0"/>
+              <a:t> in a textbox:</a:t>
+            </a:r>
+            <a:br>
+              <a:rPr lang="en-US" sz="2400" dirty="0" smtClean="0"/>
+            </a:br>
+            <a:r>
+              <a:rPr lang="en-US" sz="2400" dirty="0" smtClean="0"/>
+              <a:t>            Right-Click </a:t>
+            </a:r>
+            <a:r>
+              <a:rPr lang="en-US" sz="2400" dirty="0" smtClean="0">
+                <a:sym typeface="Wingdings" panose="05000000000000000000" pitchFamily="2" charset="2"/>
+              </a:rPr>
+              <a:t> Apply Property Set / Apply Console Font</a:t>
+            </a:r>
+            <a:r>
+              <a:rPr lang="en-US" sz="2400" dirty="0" smtClean="0"/>
+              <a:t>  </a:t>
+            </a:r>
+          </a:p>
+          <a:p>
+            <a:endParaRPr lang="en-US" dirty="0"/>
           </a:p>
         </p:txBody>
       </p:sp>
     </p:spTree>
     <p:extLst>
       <p:ext uri="{BB962C8B-B14F-4D97-AF65-F5344CB8AC3E}">
-        <p14:creationId xmlns:p14="http://schemas.microsoft.com/office/powerpoint/2010/main" val="3058146967"/>
+        <p14:creationId xmlns:p14="http://schemas.microsoft.com/office/powerpoint/2010/main" val="3827705658"/>
       </p:ext>
     </p:extLst>
   </p:cSld>
@@ -7544,6 +7491,152 @@
       </p:grpSpPr>
       <p:sp>
         <p:nvSpPr>
+          <p:cNvPr id="2" name="Title 1"/>
+          <p:cNvSpPr>
+            <a:spLocks noGrp="1"/>
+          </p:cNvSpPr>
+          <p:nvPr>
+            <p:ph type="title"/>
+          </p:nvPr>
+        </p:nvSpPr>
+        <p:spPr/>
+        <p:txBody>
+          <a:bodyPr/>
+          <a:lstStyle/>
+          <a:p>
+            <a:r>
+              <a:rPr lang="en-US" smtClean="0"/>
+              <a:t>Part 1:  Simple GUI -&gt; Out-GridView</a:t>
+            </a:r>
+            <a:endParaRPr lang="en-US"/>
+          </a:p>
+        </p:txBody>
+      </p:sp>
+      <p:sp>
+        <p:nvSpPr>
+          <p:cNvPr id="3" name="Content Placeholder 2"/>
+          <p:cNvSpPr>
+            <a:spLocks noGrp="1"/>
+          </p:cNvSpPr>
+          <p:nvPr>
+            <p:ph idx="1"/>
+          </p:nvPr>
+        </p:nvSpPr>
+        <p:spPr/>
+        <p:txBody>
+          <a:bodyPr/>
+          <a:lstStyle/>
+          <a:p>
+            <a:endParaRPr lang="en-US" smtClean="0"/>
+          </a:p>
+          <a:p>
+            <a:r>
+              <a:rPr lang="en-US" sz="3200" smtClean="0">
+                <a:solidFill>
+                  <a:schemeClr val="tx2"/>
+                </a:solidFill>
+              </a:rPr>
+              <a:t>Input :		</a:t>
+            </a:r>
+            <a:r>
+              <a:rPr lang="en-US" sz="3200" smtClean="0">
+                <a:solidFill>
+                  <a:srgbClr val="0070C0"/>
+                </a:solidFill>
+              </a:rPr>
+              <a:t>Textbox, Buttons</a:t>
+            </a:r>
+          </a:p>
+          <a:p>
+            <a:r>
+              <a:rPr lang="en-US" sz="3200" smtClean="0">
+                <a:solidFill>
+                  <a:schemeClr val="tx2"/>
+                </a:solidFill>
+              </a:rPr>
+              <a:t>Processing: 	</a:t>
+            </a:r>
+            <a:r>
+              <a:rPr lang="en-US" sz="3200" smtClean="0">
+                <a:solidFill>
+                  <a:srgbClr val="0070C0"/>
+                </a:solidFill>
+              </a:rPr>
+              <a:t>Script</a:t>
+            </a:r>
+          </a:p>
+          <a:p>
+            <a:r>
+              <a:rPr lang="en-US" sz="3200" smtClean="0">
+                <a:solidFill>
+                  <a:schemeClr val="tx2"/>
+                </a:solidFill>
+              </a:rPr>
+              <a:t>Output: </a:t>
+            </a:r>
+            <a:r>
+              <a:rPr lang="en-US" sz="3200" smtClean="0"/>
+              <a:t>		</a:t>
+            </a:r>
+            <a:r>
+              <a:rPr lang="en-US" sz="3200" smtClean="0">
+                <a:solidFill>
+                  <a:srgbClr val="0070C0"/>
+                </a:solidFill>
+              </a:rPr>
+              <a:t>Out-GridView</a:t>
+            </a:r>
+          </a:p>
+          <a:p>
+            <a:endParaRPr lang="en-US"/>
+          </a:p>
+          <a:p>
+            <a:pPr marL="0" indent="0">
+              <a:buNone/>
+            </a:pPr>
+            <a:endParaRPr lang="en-US"/>
+          </a:p>
+        </p:txBody>
+      </p:sp>
+    </p:spTree>
+    <p:extLst>
+      <p:ext uri="{BB962C8B-B14F-4D97-AF65-F5344CB8AC3E}">
+        <p14:creationId xmlns:p14="http://schemas.microsoft.com/office/powerpoint/2010/main" val="3058146967"/>
+      </p:ext>
+    </p:extLst>
+  </p:cSld>
+  <p:clrMapOvr>
+    <a:masterClrMapping/>
+  </p:clrMapOvr>
+  <p:timing>
+    <p:tnLst>
+      <p:par>
+        <p:cTn id="1" dur="indefinite" restart="never" nodeType="tmRoot"/>
+      </p:par>
+    </p:tnLst>
+  </p:timing>
+</p:sld>
+</file>
+
+<file path=ppt/slides/slide21.xml><?xml version="1.0" encoding="utf-8"?>
+<p:sld xmlns:a="http://schemas.openxmlformats.org/drawingml/2006/main" xmlns:r="http://schemas.openxmlformats.org/officeDocument/2006/relationships" xmlns:p="http://schemas.openxmlformats.org/presentationml/2006/main">
+  <p:cSld>
+    <p:spTree>
+      <p:nvGrpSpPr>
+        <p:cNvPr id="1" name=""/>
+        <p:cNvGrpSpPr/>
+        <p:nvPr/>
+      </p:nvGrpSpPr>
+      <p:grpSpPr>
+        <a:xfrm>
+          <a:off x="0" y="0"/>
+          <a:ext cx="0" cy="0"/>
+          <a:chOff x="0" y="0"/>
+          <a:chExt cx="0" cy="0"/>
+        </a:xfrm>
+      </p:grpSpPr>
+      <p:sp>
+        <p:nvSpPr>
           <p:cNvPr id="5" name="Title 1"/>
           <p:cNvSpPr>
             <a:spLocks noGrp="1"/>
@@ -7609,7 +7702,7 @@
 </p:sld>
 </file>
 
-<file path=ppt/slides/slide21.xml><?xml version="1.0" encoding="utf-8"?>
+<file path=ppt/slides/slide22.xml><?xml version="1.0" encoding="utf-8"?>
 <p:sld xmlns:a="http://schemas.openxmlformats.org/drawingml/2006/main" xmlns:r="http://schemas.openxmlformats.org/officeDocument/2006/relationships" xmlns:p="http://schemas.openxmlformats.org/presentationml/2006/main">
   <p:cSld>
     <p:spTree>
@@ -7697,7 +7790,7 @@
 </p:sld>
 </file>
 
-<file path=ppt/slides/slide22.xml><?xml version="1.0" encoding="utf-8"?>
+<file path=ppt/slides/slide23.xml><?xml version="1.0" encoding="utf-8"?>
 <p:sld xmlns:a="http://schemas.openxmlformats.org/drawingml/2006/main" xmlns:r="http://schemas.openxmlformats.org/officeDocument/2006/relationships" xmlns:p="http://schemas.openxmlformats.org/presentationml/2006/main">
   <p:cSld>
     <p:spTree>
@@ -7929,7 +8022,7 @@
 </p:sld>
 </file>
 
-<file path=ppt/slides/slide23.xml><?xml version="1.0" encoding="utf-8"?>
+<file path=ppt/slides/slide24.xml><?xml version="1.0" encoding="utf-8"?>
 <p:sld xmlns:a="http://schemas.openxmlformats.org/drawingml/2006/main" xmlns:r="http://schemas.openxmlformats.org/officeDocument/2006/relationships" xmlns:p="http://schemas.openxmlformats.org/presentationml/2006/main">
   <p:cSld>
     <p:spTree>
@@ -8046,7 +8139,7 @@
 </p:sld>
 </file>
 
-<file path=ppt/slides/slide24.xml><?xml version="1.0" encoding="utf-8"?>
+<file path=ppt/slides/slide25.xml><?xml version="1.0" encoding="utf-8"?>
 <p:sld xmlns:a="http://schemas.openxmlformats.org/drawingml/2006/main" xmlns:r="http://schemas.openxmlformats.org/officeDocument/2006/relationships" xmlns:p="http://schemas.openxmlformats.org/presentationml/2006/main">
   <p:cSld>
     <p:spTree>
@@ -8241,7 +8334,7 @@
 </p:sld>
 </file>
 
-<file path=ppt/slides/slide25.xml><?xml version="1.0" encoding="utf-8"?>
+<file path=ppt/slides/slide26.xml><?xml version="1.0" encoding="utf-8"?>
 <p:sld xmlns:a="http://schemas.openxmlformats.org/drawingml/2006/main" xmlns:r="http://schemas.openxmlformats.org/officeDocument/2006/relationships" xmlns:p="http://schemas.openxmlformats.org/presentationml/2006/main">
   <p:cSld>
     <p:spTree>
@@ -8402,7 +8495,7 @@
 </p:sld>
 </file>
 
-<file path=ppt/slides/slide26.xml><?xml version="1.0" encoding="utf-8"?>
+<file path=ppt/slides/slide27.xml><?xml version="1.0" encoding="utf-8"?>
 <p:sld xmlns:a="http://schemas.openxmlformats.org/drawingml/2006/main" xmlns:r="http://schemas.openxmlformats.org/officeDocument/2006/relationships" xmlns:p="http://schemas.openxmlformats.org/presentationml/2006/main">
   <p:cSld>
     <p:spTree>
@@ -9095,6 +9188,141 @@
         </p:nvSpPr>
         <p:spPr/>
         <p:txBody>
+          <a:bodyPr/>
+          <a:lstStyle/>
+          <a:p>
+            <a:r>
+              <a:rPr lang="en-US" smtClean="0"/>
+              <a:t>GUI Application</a:t>
+            </a:r>
+            <a:endParaRPr lang="en-US"/>
+          </a:p>
+        </p:txBody>
+      </p:sp>
+      <p:sp>
+        <p:nvSpPr>
+          <p:cNvPr id="3" name="Content Placeholder 2"/>
+          <p:cNvSpPr>
+            <a:spLocks noGrp="1"/>
+          </p:cNvSpPr>
+          <p:nvPr>
+            <p:ph idx="1"/>
+          </p:nvPr>
+        </p:nvSpPr>
+        <p:spPr/>
+        <p:txBody>
+          <a:bodyPr>
+            <a:normAutofit/>
+          </a:bodyPr>
+          <a:lstStyle/>
+          <a:p>
+            <a:pPr>
+              <a:buFont typeface="Arial" panose="020B0604020202020204" pitchFamily="34" charset="0"/>
+              <a:buChar char="•"/>
+            </a:pPr>
+            <a:r>
+              <a:rPr lang="en-US" sz="3600" smtClean="0"/>
+              <a:t> A </a:t>
+            </a:r>
+            <a:r>
+              <a:rPr lang="en-US" sz="3600" smtClean="0">
+                <a:solidFill>
+                  <a:srgbClr val="0070C0"/>
+                </a:solidFill>
+              </a:rPr>
+              <a:t>GUI application</a:t>
+            </a:r>
+            <a:r>
+              <a:rPr lang="en-US" sz="3600" smtClean="0"/>
+              <a:t> consists of an unordered collection of event handlers.</a:t>
+            </a:r>
+          </a:p>
+          <a:p>
+            <a:pPr>
+              <a:buFont typeface="Arial" panose="020B0604020202020204" pitchFamily="34" charset="0"/>
+              <a:buChar char="•"/>
+            </a:pPr>
+            <a:endParaRPr lang="en-US" sz="3600"/>
+          </a:p>
+          <a:p>
+            <a:pPr>
+              <a:buFont typeface="Arial" panose="020B0604020202020204" pitchFamily="34" charset="0"/>
+              <a:buChar char="•"/>
+            </a:pPr>
+            <a:r>
+              <a:rPr lang="en-US" sz="3600" smtClean="0"/>
+              <a:t> The </a:t>
+            </a:r>
+            <a:r>
+              <a:rPr lang="en-US" sz="3600" smtClean="0">
+                <a:solidFill>
+                  <a:srgbClr val="0070C0"/>
+                </a:solidFill>
+              </a:rPr>
+              <a:t>order</a:t>
+            </a:r>
+            <a:r>
+              <a:rPr lang="en-US" sz="3600" smtClean="0"/>
+              <a:t> in which the code in the event handlers runs is </a:t>
+            </a:r>
+            <a:r>
+              <a:rPr lang="en-US" sz="3600" smtClean="0">
+                <a:solidFill>
+                  <a:srgbClr val="0070C0"/>
+                </a:solidFill>
+              </a:rPr>
+              <a:t>determined by the end-user</a:t>
+            </a:r>
+            <a:r>
+              <a:rPr lang="en-US" sz="3600" smtClean="0"/>
+              <a:t>.</a:t>
+            </a:r>
+            <a:endParaRPr lang="en-US" sz="3600"/>
+          </a:p>
+        </p:txBody>
+      </p:sp>
+    </p:spTree>
+    <p:extLst>
+      <p:ext uri="{BB962C8B-B14F-4D97-AF65-F5344CB8AC3E}">
+        <p14:creationId xmlns:p14="http://schemas.microsoft.com/office/powerpoint/2010/main" val="723009780"/>
+      </p:ext>
+    </p:extLst>
+  </p:cSld>
+  <p:clrMapOvr>
+    <a:masterClrMapping/>
+  </p:clrMapOvr>
+</p:sld>
+</file>
+
+<file path=ppt/slides/slide7.xml><?xml version="1.0" encoding="utf-8"?>
+<p:sld xmlns:a="http://schemas.openxmlformats.org/drawingml/2006/main" xmlns:r="http://schemas.openxmlformats.org/officeDocument/2006/relationships" xmlns:p="http://schemas.openxmlformats.org/presentationml/2006/main">
+  <p:cSld>
+    <p:spTree>
+      <p:nvGrpSpPr>
+        <p:cNvPr id="1" name=""/>
+        <p:cNvGrpSpPr/>
+        <p:nvPr/>
+      </p:nvGrpSpPr>
+      <p:grpSpPr>
+        <a:xfrm>
+          <a:off x="0" y="0"/>
+          <a:ext cx="0" cy="0"/>
+          <a:chOff x="0" y="0"/>
+          <a:chExt cx="0" cy="0"/>
+        </a:xfrm>
+      </p:grpSpPr>
+      <p:sp>
+        <p:nvSpPr>
+          <p:cNvPr id="2" name="Title 1"/>
+          <p:cNvSpPr>
+            <a:spLocks noGrp="1"/>
+          </p:cNvSpPr>
+          <p:nvPr>
+            <p:ph type="title"/>
+          </p:nvPr>
+        </p:nvSpPr>
+        <p:spPr/>
+        <p:txBody>
           <a:bodyPr>
             <a:normAutofit/>
           </a:bodyPr>
@@ -9267,7 +9495,7 @@
 </p:sld>
 </file>
 
-<file path=ppt/slides/slide7.xml><?xml version="1.0" encoding="utf-8"?>
+<file path=ppt/slides/slide8.xml><?xml version="1.0" encoding="utf-8"?>
 <p:sld xmlns:a="http://schemas.openxmlformats.org/drawingml/2006/main" xmlns:r="http://schemas.openxmlformats.org/officeDocument/2006/relationships" xmlns:p="http://schemas.openxmlformats.org/presentationml/2006/main">
   <p:cSld>
     <p:spTree>
@@ -9489,7 +9717,7 @@
 </p:sld>
 </file>
 
-<file path=ppt/slides/slide8.xml><?xml version="1.0" encoding="utf-8"?>
+<file path=ppt/slides/slide9.xml><?xml version="1.0" encoding="utf-8"?>
 <p:sld xmlns:a="http://schemas.openxmlformats.org/drawingml/2006/main" xmlns:r="http://schemas.openxmlformats.org/officeDocument/2006/relationships" xmlns:p="http://schemas.openxmlformats.org/presentationml/2006/main">
   <p:cSld>
     <p:spTree>
@@ -9724,98 +9952,6 @@
     <p:extLst>
       <p:ext uri="{BB962C8B-B14F-4D97-AF65-F5344CB8AC3E}">
         <p14:creationId xmlns:p14="http://schemas.microsoft.com/office/powerpoint/2010/main" val="301842996"/>
-      </p:ext>
-    </p:extLst>
-  </p:cSld>
-  <p:clrMapOvr>
-    <a:masterClrMapping/>
-  </p:clrMapOvr>
-  <p:timing>
-    <p:tnLst>
-      <p:par>
-        <p:cTn id="1" dur="indefinite" restart="never" nodeType="tmRoot"/>
-      </p:par>
-    </p:tnLst>
-  </p:timing>
-</p:sld>
-</file>
-
-<file path=ppt/slides/slide9.xml><?xml version="1.0" encoding="utf-8"?>
-<p:sld xmlns:a="http://schemas.openxmlformats.org/drawingml/2006/main" xmlns:r="http://schemas.openxmlformats.org/officeDocument/2006/relationships" xmlns:p="http://schemas.openxmlformats.org/presentationml/2006/main">
-  <p:cSld>
-    <p:spTree>
-      <p:nvGrpSpPr>
-        <p:cNvPr id="1" name=""/>
-        <p:cNvGrpSpPr/>
-        <p:nvPr/>
-      </p:nvGrpSpPr>
-      <p:grpSpPr>
-        <a:xfrm>
-          <a:off x="0" y="0"/>
-          <a:ext cx="0" cy="0"/>
-          <a:chOff x="0" y="0"/>
-          <a:chExt cx="0" cy="0"/>
-        </a:xfrm>
-      </p:grpSpPr>
-      <p:sp>
-        <p:nvSpPr>
-          <p:cNvPr id="2" name="Title 1"/>
-          <p:cNvSpPr>
-            <a:spLocks noGrp="1"/>
-          </p:cNvSpPr>
-          <p:nvPr>
-            <p:ph type="title"/>
-          </p:nvPr>
-        </p:nvSpPr>
-        <p:spPr/>
-        <p:txBody>
-          <a:bodyPr/>
-          <a:lstStyle/>
-          <a:p>
-            <a:r>
-              <a:rPr lang="en-US" smtClean="0"/>
-              <a:t>An </a:t>
-            </a:r>
-            <a:r>
-              <a:rPr lang="en-US" i="1" smtClean="0"/>
-              <a:t>event</a:t>
-            </a:r>
-            <a:r>
-              <a:rPr lang="en-US" smtClean="0"/>
-              <a:t> is a member</a:t>
-            </a:r>
-            <a:endParaRPr lang="en-US"/>
-          </a:p>
-        </p:txBody>
-      </p:sp>
-      <p:pic>
-        <p:nvPicPr>
-          <p:cNvPr id="6" name="Picture 5"/>
-          <p:cNvPicPr>
-            <a:picLocks noChangeAspect="1"/>
-          </p:cNvPicPr>
-          <p:nvPr/>
-        </p:nvPicPr>
-        <p:blipFill>
-          <a:blip r:embed="rId2"/>
-          <a:stretch>
-            <a:fillRect/>
-          </a:stretch>
-        </p:blipFill>
-        <p:spPr>
-          <a:xfrm>
-            <a:off x="1097279" y="1889871"/>
-            <a:ext cx="8129847" cy="4392429"/>
-          </a:xfrm>
-          <a:prstGeom prst="rect">
-            <a:avLst/>
-          </a:prstGeom>
-        </p:spPr>
-      </p:pic>
-    </p:spTree>
-    <p:extLst>
-      <p:ext uri="{BB962C8B-B14F-4D97-AF65-F5344CB8AC3E}">
-        <p14:creationId xmlns:p14="http://schemas.microsoft.com/office/powerpoint/2010/main" val="3836253029"/>
       </p:ext>
     </p:extLst>
   </p:cSld>

--- a/ThinkingInEvents-UserGroupTalk.pptx
+++ b/ThinkingInEvents-UserGroupTalk.pptx
@@ -30,7 +30,7 @@
     <p:sldId id="408" r:id="rId21"/>
     <p:sldId id="516" r:id="rId22"/>
     <p:sldId id="576" r:id="rId23"/>
-    <p:sldId id="549" r:id="rId24"/>
+    <p:sldId id="579" r:id="rId24"/>
     <p:sldId id="574" r:id="rId25"/>
     <p:sldId id="572" r:id="rId26"/>
     <p:sldId id="573" r:id="rId27"/>
@@ -223,7 +223,7 @@
           <a:p>
             <a:fld id="{D8D04E9A-002C-48D9-9B8C-2D672EB0EF8E}" type="datetimeFigureOut">
               <a:rPr lang="en-US" smtClean="0"/>
-              <a:t>10/10/2015</a:t>
+              <a:t>10/13/2015</a:t>
             </a:fld>
             <a:endParaRPr lang="en-US"/>
           </a:p>
@@ -751,6 +751,90 @@
 </p:notes>
 </file>
 
+<file path=ppt/notesSlides/notesSlide4.xml><?xml version="1.0" encoding="utf-8"?>
+<p:notes xmlns:a="http://schemas.openxmlformats.org/drawingml/2006/main" xmlns:r="http://schemas.openxmlformats.org/officeDocument/2006/relationships" xmlns:p="http://schemas.openxmlformats.org/presentationml/2006/main">
+  <p:cSld>
+    <p:spTree>
+      <p:nvGrpSpPr>
+        <p:cNvPr id="1" name=""/>
+        <p:cNvGrpSpPr/>
+        <p:nvPr/>
+      </p:nvGrpSpPr>
+      <p:grpSpPr>
+        <a:xfrm>
+          <a:off x="0" y="0"/>
+          <a:ext cx="0" cy="0"/>
+          <a:chOff x="0" y="0"/>
+          <a:chExt cx="0" cy="0"/>
+        </a:xfrm>
+      </p:grpSpPr>
+      <p:sp>
+        <p:nvSpPr>
+          <p:cNvPr id="2" name="Slide Image Placeholder 1"/>
+          <p:cNvSpPr>
+            <a:spLocks noGrp="1" noRot="1" noChangeAspect="1"/>
+          </p:cNvSpPr>
+          <p:nvPr>
+            <p:ph type="sldImg"/>
+          </p:nvPr>
+        </p:nvSpPr>
+        <p:spPr/>
+      </p:sp>
+      <p:sp>
+        <p:nvSpPr>
+          <p:cNvPr id="3" name="Notes Placeholder 2"/>
+          <p:cNvSpPr>
+            <a:spLocks noGrp="1"/>
+          </p:cNvSpPr>
+          <p:nvPr>
+            <p:ph type="body" idx="1"/>
+          </p:nvPr>
+        </p:nvSpPr>
+        <p:spPr/>
+        <p:txBody>
+          <a:bodyPr/>
+          <a:lstStyle/>
+          <a:p>
+            <a:endParaRPr lang="en-US"/>
+          </a:p>
+        </p:txBody>
+      </p:sp>
+      <p:sp>
+        <p:nvSpPr>
+          <p:cNvPr id="4" name="Slide Number Placeholder 3"/>
+          <p:cNvSpPr>
+            <a:spLocks noGrp="1"/>
+          </p:cNvSpPr>
+          <p:nvPr>
+            <p:ph type="sldNum" sz="quarter" idx="10"/>
+          </p:nvPr>
+        </p:nvSpPr>
+        <p:spPr/>
+        <p:txBody>
+          <a:bodyPr/>
+          <a:lstStyle/>
+          <a:p>
+            <a:fld id="{1C4B0D22-0794-4A46-9999-BF90B47B1EAE}" type="slidenum">
+              <a:rPr lang="en-US" smtClean="0"/>
+              <a:t>23</a:t>
+            </a:fld>
+            <a:endParaRPr lang="en-US"/>
+          </a:p>
+        </p:txBody>
+      </p:sp>
+    </p:spTree>
+    <p:extLst>
+      <p:ext uri="{BB962C8B-B14F-4D97-AF65-F5344CB8AC3E}">
+        <p14:creationId xmlns:p14="http://schemas.microsoft.com/office/powerpoint/2010/main" val="2552538279"/>
+      </p:ext>
+    </p:extLst>
+  </p:cSld>
+  <p:clrMapOvr>
+    <a:masterClrMapping/>
+  </p:clrMapOvr>
+</p:notes>
+</file>
+
 <file path=ppt/slideLayouts/slideLayout1.xml><?xml version="1.0" encoding="utf-8"?>
 <p:sldLayout xmlns:a="http://schemas.openxmlformats.org/drawingml/2006/main" xmlns:r="http://schemas.openxmlformats.org/officeDocument/2006/relationships" xmlns:p="http://schemas.openxmlformats.org/presentationml/2006/main" showMasterSp="0" type="title" preserve="1">
   <p:cSld name="Title Slide">
@@ -977,7 +1061,7 @@
           <a:p>
             <a:fld id="{96DFF08F-DC6B-4601-B491-B0F83F6DD2DA}" type="datetimeFigureOut">
               <a:rPr lang="en-US" smtClean="0"/>
-              <a:t>10/10/2015</a:t>
+              <a:t>10/13/2015</a:t>
             </a:fld>
             <a:endParaRPr lang="en-US" dirty="0"/>
           </a:p>
@@ -1185,7 +1269,7 @@
           <a:p>
             <a:fld id="{96DFF08F-DC6B-4601-B491-B0F83F6DD2DA}" type="datetimeFigureOut">
               <a:rPr lang="en-US" smtClean="0"/>
-              <a:t>10/10/2015</a:t>
+              <a:t>10/13/2015</a:t>
             </a:fld>
             <a:endParaRPr lang="en-US" dirty="0"/>
           </a:p>
@@ -1441,7 +1525,7 @@
           <a:p>
             <a:fld id="{96DFF08F-DC6B-4601-B491-B0F83F6DD2DA}" type="datetimeFigureOut">
               <a:rPr lang="en-US" smtClean="0"/>
-              <a:t>10/10/2015</a:t>
+              <a:t>10/13/2015</a:t>
             </a:fld>
             <a:endParaRPr lang="en-US" dirty="0"/>
           </a:p>
@@ -1800,7 +1884,7 @@
           <a:p>
             <a:fld id="{D62CEF3B-A037-46D0-B02C-1428F07E9383}" type="datetimeFigureOut">
               <a:rPr lang="en-US" smtClean="0"/>
-              <a:t>10/10/2015</a:t>
+              <a:t>10/13/2015</a:t>
             </a:fld>
             <a:endParaRPr lang="en-US" dirty="0"/>
           </a:p>
@@ -2143,7 +2227,7 @@
           <a:p>
             <a:fld id="{96DFF08F-DC6B-4601-B491-B0F83F6DD2DA}" type="datetimeFigureOut">
               <a:rPr lang="en-US" smtClean="0"/>
-              <a:t>10/10/2015</a:t>
+              <a:t>10/13/2015</a:t>
             </a:fld>
             <a:endParaRPr lang="en-US" dirty="0"/>
           </a:p>
@@ -2418,7 +2502,7 @@
           <a:p>
             <a:fld id="{96DFF08F-DC6B-4601-B491-B0F83F6DD2DA}" type="datetimeFigureOut">
               <a:rPr lang="en-US" smtClean="0"/>
-              <a:t>10/10/2015</a:t>
+              <a:t>10/13/2015</a:t>
             </a:fld>
             <a:endParaRPr lang="en-US" dirty="0"/>
           </a:p>
@@ -2797,7 +2881,7 @@
           <a:p>
             <a:fld id="{96DFF08F-DC6B-4601-B491-B0F83F6DD2DA}" type="datetimeFigureOut">
               <a:rPr lang="en-US" smtClean="0"/>
-              <a:t>10/10/2015</a:t>
+              <a:t>10/13/2015</a:t>
             </a:fld>
             <a:endParaRPr lang="en-US" dirty="0"/>
           </a:p>
@@ -2915,7 +2999,7 @@
           <a:p>
             <a:fld id="{96DFF08F-DC6B-4601-B491-B0F83F6DD2DA}" type="datetimeFigureOut">
               <a:rPr lang="en-US" smtClean="0"/>
-              <a:t>10/10/2015</a:t>
+              <a:t>10/13/2015</a:t>
             </a:fld>
             <a:endParaRPr lang="en-US" dirty="0"/>
           </a:p>
@@ -3087,7 +3171,7 @@
             <a:fld id="{96DFF08F-DC6B-4601-B491-B0F83F6DD2DA}" type="datetimeFigureOut">
               <a:rPr lang="en-US" smtClean="0"/>
               <a:pPr/>
-              <a:t>10/10/2015</a:t>
+              <a:t>10/13/2015</a:t>
             </a:fld>
             <a:endParaRPr lang="en-US" dirty="0"/>
           </a:p>
@@ -3443,7 +3527,7 @@
             <a:fld id="{96DFF08F-DC6B-4601-B491-B0F83F6DD2DA}" type="datetimeFigureOut">
               <a:rPr lang="en-US" smtClean="0"/>
               <a:pPr/>
-              <a:t>10/10/2015</a:t>
+              <a:t>10/13/2015</a:t>
             </a:fld>
             <a:endParaRPr lang="en-US" dirty="0"/>
           </a:p>
@@ -3821,7 +3905,7 @@
           <a:p>
             <a:fld id="{96DFF08F-DC6B-4601-B491-B0F83F6DD2DA}" type="datetimeFigureOut">
               <a:rPr lang="en-US" smtClean="0"/>
-              <a:t>10/10/2015</a:t>
+              <a:t>10/13/2015</a:t>
             </a:fld>
             <a:endParaRPr lang="en-US" dirty="0"/>
           </a:p>
@@ -4109,7 +4193,7 @@
             <a:fld id="{96DFF08F-DC6B-4601-B491-B0F83F6DD2DA}" type="datetimeFigureOut">
               <a:rPr lang="en-US" smtClean="0"/>
               <a:pPr/>
-              <a:t>10/10/2015</a:t>
+              <a:t>10/13/2015</a:t>
             </a:fld>
             <a:endParaRPr lang="en-US" dirty="0"/>
           </a:p>
@@ -7861,7 +7945,7 @@
         <p:spPr>
           <a:xfrm>
             <a:off x="1210236" y="2088776"/>
-            <a:ext cx="9502588" cy="4001095"/>
+            <a:ext cx="9502588" cy="5109091"/>
           </a:xfrm>
           <a:prstGeom prst="rect">
             <a:avLst/>
@@ -7877,54 +7961,35 @@
             <a:r>
               <a:rPr lang="en-US" sz="2000" smtClean="0">
                 <a:solidFill>
-                  <a:schemeClr val="tx1">
-                    <a:lumMod val="65000"/>
-                    <a:lumOff val="35000"/>
-                  </a:schemeClr>
-                </a:solidFill>
-              </a:rPr>
-              <a:t>GUI Tutorials</a:t>
+                  <a:srgbClr val="002060"/>
+                </a:solidFill>
+              </a:rPr>
+              <a:t>GUI App Tutorials and Basics</a:t>
             </a:r>
           </a:p>
           <a:p>
             <a:pPr lvl="1"/>
             <a:r>
               <a:rPr lang="en-US" smtClean="0">
-                <a:hlinkClick r:id="rId2"/>
+                <a:hlinkClick r:id="rId3"/>
               </a:rPr>
               <a:t>Creating </a:t>
             </a:r>
-            <a:r>
-              <a:rPr lang="en-US">
-                <a:hlinkClick r:id="rId2"/>
-              </a:rPr>
-              <a:t>a Basic GUI</a:t>
-            </a:r>
-            <a:endParaRPr lang="en-US"/>
-          </a:p>
-          <a:p>
-            <a:pPr lvl="1"/>
             <a:r>
               <a:rPr lang="en-US">
                 <a:hlinkClick r:id="rId3"/>
               </a:rPr>
-              <a:t>Displaying Output in a GUI Application</a:t>
+              <a:t>a Basic GUI</a:t>
             </a:r>
             <a:endParaRPr lang="en-US"/>
           </a:p>
           <a:p>
             <a:pPr lvl="1"/>
-            <a:r>
-              <a:rPr lang="en-US" smtClean="0">
-                <a:hlinkClick r:id="rId4"/>
-              </a:rPr>
-              <a:t>Managing </a:t>
-            </a:r>
             <a:r>
               <a:rPr lang="en-US">
                 <a:hlinkClick r:id="rId4"/>
               </a:rPr>
-              <a:t>Errors in a GUI Application</a:t>
+              <a:t>Displaying Output in a GUI Application</a:t>
             </a:r>
             <a:endParaRPr lang="en-US"/>
           </a:p>
@@ -7934,12 +7999,15 @@
               <a:rPr lang="en-US" smtClean="0">
                 <a:hlinkClick r:id="rId5"/>
               </a:rPr>
-              <a:t>Understanding Streams, Redirection, and Write-Host</a:t>
-            </a:r>
-            <a:r>
-              <a:rPr lang="en-US" smtClean="0"/>
-              <a:t>  (update July 4, 2015)</a:t>
-            </a:r>
+              <a:t>Managing </a:t>
+            </a:r>
+            <a:r>
+              <a:rPr lang="en-US">
+                <a:hlinkClick r:id="rId5"/>
+              </a:rPr>
+              <a:t>Errors in a GUI Application</a:t>
+            </a:r>
+            <a:endParaRPr lang="en-US"/>
           </a:p>
           <a:p>
             <a:pPr lvl="1"/>
@@ -7947,6 +8015,19 @@
               <a:rPr lang="en-US" smtClean="0">
                 <a:hlinkClick r:id="rId6"/>
               </a:rPr>
+              <a:t>Understanding Streams, Redirection, and Write-Host</a:t>
+            </a:r>
+            <a:r>
+              <a:rPr lang="en-US" smtClean="0"/>
+              <a:t>  (update July 4, 2015)</a:t>
+            </a:r>
+          </a:p>
+          <a:p>
+            <a:pPr lvl="1"/>
+            <a:r>
+              <a:rPr lang="en-US" smtClean="0">
+                <a:hlinkClick r:id="rId7"/>
+              </a:rPr>
               <a:t>Passing and Returning Values Using Forms</a:t>
             </a:r>
             <a:endParaRPr lang="en-US"/>
@@ -7955,7 +8036,7 @@
             <a:pPr lvl="1"/>
             <a:r>
               <a:rPr lang="en-US">
-                <a:hlinkClick r:id="rId7" tooltip="Permanent Link: Creating a GUI for CSV Data"/>
+                <a:hlinkClick r:id="rId8" tooltip="Permanent Link: Creating a GUI for CSV Data"/>
               </a:rPr>
               <a:t>Creating a GUI for CSV Data</a:t>
             </a:r>
@@ -7965,7 +8046,7 @@
             <a:pPr lvl="1"/>
             <a:r>
               <a:rPr lang="en-US" smtClean="0">
-                <a:hlinkClick r:id="rId8" tooltip="Permanent Link to Adding auto-complete to an input textbox"/>
+                <a:hlinkClick r:id="rId9" tooltip="Permanent Link to Adding auto-complete to an input textbox"/>
               </a:rPr>
               <a:t>Adding Auto-Complete to an Input Textbox</a:t>
             </a:r>
@@ -7975,21 +8056,82 @@
             <a:pPr lvl="1"/>
             <a:r>
               <a:rPr lang="en-US">
-                <a:hlinkClick r:id="rId9" tooltip="Permanent Link to Copy to Clipboard in a GUI Application"/>
-              </a:rPr>
-              <a:t>Copy to Clipboard in a GUI Application</a:t>
+                <a:hlinkClick r:id="rId10" tooltip="Permanent Link to Copy to Clipboard in a GUI Application"/>
+              </a:rPr>
+              <a:t>Copy to Clipboard in a GUI </a:t>
+            </a:r>
+            <a:r>
+              <a:rPr lang="en-US" smtClean="0">
+                <a:hlinkClick r:id="rId10" tooltip="Permanent Link to Copy to Clipboard in a GUI Application"/>
+              </a:rPr>
+              <a:t>Application</a:t>
+            </a:r>
+            <a:r>
+              <a:rPr lang="en-US" smtClean="0"/>
+              <a:t/>
+            </a:r>
+            <a:br>
+              <a:rPr lang="en-US" smtClean="0"/>
+            </a:br>
+            <a:r>
+              <a:rPr lang="en-US" smtClean="0">
+                <a:hlinkClick r:id="rId11"/>
+              </a:rPr>
+              <a:t>Typing Enter Pushes a Button</a:t>
+            </a:r>
+            <a:r>
+              <a:rPr lang="en-US" smtClean="0"/>
+              <a:t/>
+            </a:r>
+            <a:br>
+              <a:rPr lang="en-US" smtClean="0"/>
+            </a:br>
+            <a:r>
+              <a:rPr lang="en-US" smtClean="0">
+                <a:hlinkClick r:id="rId12"/>
+              </a:rPr>
+              <a:t>Scope in a PowerShell GUI App</a:t>
+            </a:r>
+            <a:endParaRPr lang="en-US" smtClean="0"/>
+          </a:p>
+          <a:p>
+            <a:pPr lvl="1"/>
+            <a:r>
+              <a:rPr lang="en-US" smtClean="0">
+                <a:hlinkClick r:id="rId13"/>
+              </a:rPr>
+              <a:t>The Methods That Register Events</a:t>
+            </a:r>
+            <a:endParaRPr lang="en-US" smtClean="0"/>
+          </a:p>
+          <a:p>
+            <a:pPr lvl="1"/>
+            <a:r>
+              <a:rPr lang="en-US">
+                <a:hlinkClick r:id="rId14" tooltip="Permanent Link: PowerShell GUI Debugging Tip: Duplicate Event Handlers"/>
+              </a:rPr>
+              <a:t>PowerShell GUI Debugging Tip: Duplicate Event Handlers</a:t>
             </a:r>
             <a:endParaRPr lang="en-US"/>
           </a:p>
           <a:p>
+            <a:pPr lvl="1"/>
             <a:endParaRPr lang="en-US" smtClean="0"/>
           </a:p>
           <a:p>
             <a:r>
-              <a:rPr lang="en-US" smtClean="0"/>
+              <a:rPr lang="en-US" smtClean="0">
+                <a:solidFill>
+                  <a:srgbClr val="002060"/>
+                </a:solidFill>
+              </a:rPr>
               <a:t>About Face:  The Essentials of Interactive Design (Sept. 2014)</a:t>
             </a:r>
-            <a:endParaRPr lang="en-US"/>
+            <a:endParaRPr lang="en-US">
+              <a:solidFill>
+                <a:srgbClr val="002060"/>
+              </a:solidFill>
+            </a:endParaRPr>
           </a:p>
           <a:p>
             <a:endParaRPr lang="en-US" smtClean="0"/>
@@ -8005,7 +8147,7 @@
     </p:spTree>
     <p:extLst>
       <p:ext uri="{BB962C8B-B14F-4D97-AF65-F5344CB8AC3E}">
-        <p14:creationId xmlns:p14="http://schemas.microsoft.com/office/powerpoint/2010/main" val="3029466621"/>
+        <p14:creationId xmlns:p14="http://schemas.microsoft.com/office/powerpoint/2010/main" val="1154826808"/>
       </p:ext>
     </p:extLst>
   </p:cSld>

--- a/ThinkingInEvents-UserGroupTalk.pptx
+++ b/ThinkingInEvents-UserGroupTalk.pptx
@@ -5,36 +5,31 @@
     <p:sldMasterId id="2147483822" r:id="rId1"/>
   </p:sldMasterIdLst>
   <p:notesMasterIdLst>
-    <p:notesMasterId r:id="rId29"/>
+    <p:notesMasterId r:id="rId24"/>
   </p:notesMasterIdLst>
   <p:sldIdLst>
     <p:sldId id="256" r:id="rId2"/>
-    <p:sldId id="562" r:id="rId3"/>
-    <p:sldId id="563" r:id="rId4"/>
-    <p:sldId id="571" r:id="rId5"/>
+    <p:sldId id="571" r:id="rId3"/>
+    <p:sldId id="562" r:id="rId4"/>
+    <p:sldId id="563" r:id="rId5"/>
     <p:sldId id="407" r:id="rId6"/>
-    <p:sldId id="577" r:id="rId7"/>
+    <p:sldId id="601" r:id="rId7"/>
     <p:sldId id="564" r:id="rId8"/>
     <p:sldId id="534" r:id="rId9"/>
     <p:sldId id="535" r:id="rId10"/>
     <p:sldId id="550" r:id="rId11"/>
     <p:sldId id="551" r:id="rId12"/>
     <p:sldId id="552" r:id="rId13"/>
-    <p:sldId id="565" r:id="rId14"/>
-    <p:sldId id="566" r:id="rId15"/>
-    <p:sldId id="567" r:id="rId16"/>
-    <p:sldId id="568" r:id="rId17"/>
-    <p:sldId id="575" r:id="rId18"/>
-    <p:sldId id="569" r:id="rId19"/>
-    <p:sldId id="570" r:id="rId20"/>
-    <p:sldId id="408" r:id="rId21"/>
-    <p:sldId id="516" r:id="rId22"/>
-    <p:sldId id="576" r:id="rId23"/>
-    <p:sldId id="579" r:id="rId24"/>
-    <p:sldId id="574" r:id="rId25"/>
-    <p:sldId id="572" r:id="rId26"/>
-    <p:sldId id="573" r:id="rId27"/>
-    <p:sldId id="548" r:id="rId28"/>
+    <p:sldId id="566" r:id="rId14"/>
+    <p:sldId id="567" r:id="rId15"/>
+    <p:sldId id="568" r:id="rId16"/>
+    <p:sldId id="575" r:id="rId17"/>
+    <p:sldId id="569" r:id="rId18"/>
+    <p:sldId id="570" r:id="rId19"/>
+    <p:sldId id="549" r:id="rId20"/>
+    <p:sldId id="574" r:id="rId21"/>
+    <p:sldId id="600" r:id="rId22"/>
+    <p:sldId id="548" r:id="rId23"/>
   </p:sldIdLst>
   <p:sldSz cx="12192000" cy="6858000"/>
   <p:notesSz cx="6858000" cy="9144000"/>
@@ -223,7 +218,7 @@
           <a:p>
             <a:fld id="{D8D04E9A-002C-48D9-9B8C-2D672EB0EF8E}" type="datetimeFigureOut">
               <a:rPr lang="en-US" smtClean="0"/>
-              <a:t>10/13/2015</a:t>
+              <a:t>12/8/2015</a:t>
             </a:fld>
             <a:endParaRPr lang="en-US"/>
           </a:p>
@@ -556,7 +551,7 @@
           <a:p>
             <a:fld id="{1C4B0D22-0794-4A46-9999-BF90B47B1EAE}" type="slidenum">
               <a:rPr lang="en-US" smtClean="0"/>
-              <a:t>2</a:t>
+              <a:t>3</a:t>
             </a:fld>
             <a:endParaRPr lang="en-US"/>
           </a:p>
@@ -619,10 +614,6 @@
           <a:bodyPr/>
           <a:lstStyle/>
           <a:p>
-            <a:r>
-              <a:rPr lang="en-US" smtClean="0"/>
-              <a:t>Show </a:t>
-            </a:r>
             <a:endParaRPr lang="en-US"/>
           </a:p>
         </p:txBody>
@@ -644,7 +635,7 @@
           <a:p>
             <a:fld id="{1C4B0D22-0794-4A46-9999-BF90B47B1EAE}" type="slidenum">
               <a:rPr lang="en-US" smtClean="0"/>
-              <a:t>20</a:t>
+              <a:t>19</a:t>
             </a:fld>
             <a:endParaRPr lang="en-US"/>
           </a:p>
@@ -653,179 +644,7 @@
     </p:spTree>
     <p:extLst>
       <p:ext uri="{BB962C8B-B14F-4D97-AF65-F5344CB8AC3E}">
-        <p14:creationId xmlns:p14="http://schemas.microsoft.com/office/powerpoint/2010/main" val="3616728841"/>
-      </p:ext>
-    </p:extLst>
-  </p:cSld>
-  <p:clrMapOvr>
-    <a:masterClrMapping/>
-  </p:clrMapOvr>
-</p:notes>
-</file>
-
-<file path=ppt/notesSlides/notesSlide3.xml><?xml version="1.0" encoding="utf-8"?>
-<p:notes xmlns:a="http://schemas.openxmlformats.org/drawingml/2006/main" xmlns:r="http://schemas.openxmlformats.org/officeDocument/2006/relationships" xmlns:p="http://schemas.openxmlformats.org/presentationml/2006/main">
-  <p:cSld>
-    <p:spTree>
-      <p:nvGrpSpPr>
-        <p:cNvPr id="1" name=""/>
-        <p:cNvGrpSpPr/>
-        <p:nvPr/>
-      </p:nvGrpSpPr>
-      <p:grpSpPr>
-        <a:xfrm>
-          <a:off x="0" y="0"/>
-          <a:ext cx="0" cy="0"/>
-          <a:chOff x="0" y="0"/>
-          <a:chExt cx="0" cy="0"/>
-        </a:xfrm>
-      </p:grpSpPr>
-      <p:sp>
-        <p:nvSpPr>
-          <p:cNvPr id="2" name="Slide Image Placeholder 1"/>
-          <p:cNvSpPr>
-            <a:spLocks noGrp="1" noRot="1" noChangeAspect="1"/>
-          </p:cNvSpPr>
-          <p:nvPr>
-            <p:ph type="sldImg"/>
-          </p:nvPr>
-        </p:nvSpPr>
-        <p:spPr/>
-      </p:sp>
-      <p:sp>
-        <p:nvSpPr>
-          <p:cNvPr id="3" name="Notes Placeholder 2"/>
-          <p:cNvSpPr>
-            <a:spLocks noGrp="1"/>
-          </p:cNvSpPr>
-          <p:nvPr>
-            <p:ph type="body" idx="1"/>
-          </p:nvPr>
-        </p:nvSpPr>
-        <p:spPr/>
-        <p:txBody>
-          <a:bodyPr/>
-          <a:lstStyle/>
-          <a:p>
-            <a:r>
-              <a:rPr lang="en-US" smtClean="0"/>
-              <a:t>Get-Service.psf</a:t>
-            </a:r>
-            <a:endParaRPr lang="en-US"/>
-          </a:p>
-        </p:txBody>
-      </p:sp>
-      <p:sp>
-        <p:nvSpPr>
-          <p:cNvPr id="4" name="Slide Number Placeholder 3"/>
-          <p:cNvSpPr>
-            <a:spLocks noGrp="1"/>
-          </p:cNvSpPr>
-          <p:nvPr>
-            <p:ph type="sldNum" sz="quarter" idx="10"/>
-          </p:nvPr>
-        </p:nvSpPr>
-        <p:spPr/>
-        <p:txBody>
-          <a:bodyPr/>
-          <a:lstStyle/>
-          <a:p>
-            <a:fld id="{1C4B0D22-0794-4A46-9999-BF90B47B1EAE}" type="slidenum">
-              <a:rPr lang="en-US" smtClean="0"/>
-              <a:t>21</a:t>
-            </a:fld>
-            <a:endParaRPr lang="en-US"/>
-          </a:p>
-        </p:txBody>
-      </p:sp>
-    </p:spTree>
-    <p:extLst>
-      <p:ext uri="{BB962C8B-B14F-4D97-AF65-F5344CB8AC3E}">
-        <p14:creationId xmlns:p14="http://schemas.microsoft.com/office/powerpoint/2010/main" val="1428924361"/>
-      </p:ext>
-    </p:extLst>
-  </p:cSld>
-  <p:clrMapOvr>
-    <a:masterClrMapping/>
-  </p:clrMapOvr>
-</p:notes>
-</file>
-
-<file path=ppt/notesSlides/notesSlide4.xml><?xml version="1.0" encoding="utf-8"?>
-<p:notes xmlns:a="http://schemas.openxmlformats.org/drawingml/2006/main" xmlns:r="http://schemas.openxmlformats.org/officeDocument/2006/relationships" xmlns:p="http://schemas.openxmlformats.org/presentationml/2006/main">
-  <p:cSld>
-    <p:spTree>
-      <p:nvGrpSpPr>
-        <p:cNvPr id="1" name=""/>
-        <p:cNvGrpSpPr/>
-        <p:nvPr/>
-      </p:nvGrpSpPr>
-      <p:grpSpPr>
-        <a:xfrm>
-          <a:off x="0" y="0"/>
-          <a:ext cx="0" cy="0"/>
-          <a:chOff x="0" y="0"/>
-          <a:chExt cx="0" cy="0"/>
-        </a:xfrm>
-      </p:grpSpPr>
-      <p:sp>
-        <p:nvSpPr>
-          <p:cNvPr id="2" name="Slide Image Placeholder 1"/>
-          <p:cNvSpPr>
-            <a:spLocks noGrp="1" noRot="1" noChangeAspect="1"/>
-          </p:cNvSpPr>
-          <p:nvPr>
-            <p:ph type="sldImg"/>
-          </p:nvPr>
-        </p:nvSpPr>
-        <p:spPr/>
-      </p:sp>
-      <p:sp>
-        <p:nvSpPr>
-          <p:cNvPr id="3" name="Notes Placeholder 2"/>
-          <p:cNvSpPr>
-            <a:spLocks noGrp="1"/>
-          </p:cNvSpPr>
-          <p:nvPr>
-            <p:ph type="body" idx="1"/>
-          </p:nvPr>
-        </p:nvSpPr>
-        <p:spPr/>
-        <p:txBody>
-          <a:bodyPr/>
-          <a:lstStyle/>
-          <a:p>
-            <a:endParaRPr lang="en-US"/>
-          </a:p>
-        </p:txBody>
-      </p:sp>
-      <p:sp>
-        <p:nvSpPr>
-          <p:cNvPr id="4" name="Slide Number Placeholder 3"/>
-          <p:cNvSpPr>
-            <a:spLocks noGrp="1"/>
-          </p:cNvSpPr>
-          <p:nvPr>
-            <p:ph type="sldNum" sz="quarter" idx="10"/>
-          </p:nvPr>
-        </p:nvSpPr>
-        <p:spPr/>
-        <p:txBody>
-          <a:bodyPr/>
-          <a:lstStyle/>
-          <a:p>
-            <a:fld id="{1C4B0D22-0794-4A46-9999-BF90B47B1EAE}" type="slidenum">
-              <a:rPr lang="en-US" smtClean="0"/>
-              <a:t>23</a:t>
-            </a:fld>
-            <a:endParaRPr lang="en-US"/>
-          </a:p>
-        </p:txBody>
-      </p:sp>
-    </p:spTree>
-    <p:extLst>
-      <p:ext uri="{BB962C8B-B14F-4D97-AF65-F5344CB8AC3E}">
-        <p14:creationId xmlns:p14="http://schemas.microsoft.com/office/powerpoint/2010/main" val="2552538279"/>
+        <p14:creationId xmlns:p14="http://schemas.microsoft.com/office/powerpoint/2010/main" val="1141429015"/>
       </p:ext>
     </p:extLst>
   </p:cSld>
@@ -1061,7 +880,7 @@
           <a:p>
             <a:fld id="{96DFF08F-DC6B-4601-B491-B0F83F6DD2DA}" type="datetimeFigureOut">
               <a:rPr lang="en-US" smtClean="0"/>
-              <a:t>10/13/2015</a:t>
+              <a:t>12/8/2015</a:t>
             </a:fld>
             <a:endParaRPr lang="en-US" dirty="0"/>
           </a:p>
@@ -1269,7 +1088,7 @@
           <a:p>
             <a:fld id="{96DFF08F-DC6B-4601-B491-B0F83F6DD2DA}" type="datetimeFigureOut">
               <a:rPr lang="en-US" smtClean="0"/>
-              <a:t>10/13/2015</a:t>
+              <a:t>12/8/2015</a:t>
             </a:fld>
             <a:endParaRPr lang="en-US" dirty="0"/>
           </a:p>
@@ -1525,7 +1344,7 @@
           <a:p>
             <a:fld id="{96DFF08F-DC6B-4601-B491-B0F83F6DD2DA}" type="datetimeFigureOut">
               <a:rPr lang="en-US" smtClean="0"/>
-              <a:t>10/13/2015</a:t>
+              <a:t>12/8/2015</a:t>
             </a:fld>
             <a:endParaRPr lang="en-US" dirty="0"/>
           </a:p>
@@ -1583,195 +1402,6 @@
   <p:clrMapOvr>
     <a:masterClrMapping/>
   </p:clrMapOvr>
-</p:sldLayout>
-</file>
-
-<file path=ppt/slideLayouts/slideLayout12.xml><?xml version="1.0" encoding="utf-8"?>
-<p:sldLayout xmlns:a="http://schemas.openxmlformats.org/drawingml/2006/main" xmlns:r="http://schemas.openxmlformats.org/officeDocument/2006/relationships" xmlns:p="http://schemas.openxmlformats.org/presentationml/2006/main" type="tx">
-  <p:cSld name="Title and Text">
-    <p:spTree>
-      <p:nvGrpSpPr>
-        <p:cNvPr id="1" name=""/>
-        <p:cNvGrpSpPr/>
-        <p:nvPr/>
-      </p:nvGrpSpPr>
-      <p:grpSpPr>
-        <a:xfrm>
-          <a:off x="0" y="0"/>
-          <a:ext cx="0" cy="0"/>
-          <a:chOff x="0" y="0"/>
-          <a:chExt cx="0" cy="0"/>
-        </a:xfrm>
-      </p:grpSpPr>
-      <p:sp>
-        <p:nvSpPr>
-          <p:cNvPr id="2" name="Title 1"/>
-          <p:cNvSpPr>
-            <a:spLocks noGrp="1"/>
-          </p:cNvSpPr>
-          <p:nvPr>
-            <p:ph type="title"/>
-          </p:nvPr>
-        </p:nvSpPr>
-        <p:spPr>
-          <a:xfrm>
-            <a:off x="519248" y="228601"/>
-            <a:ext cx="11151917" cy="747897"/>
-          </a:xfrm>
-        </p:spPr>
-        <p:txBody>
-          <a:bodyPr/>
-          <a:lstStyle>
-            <a:lvl1pPr algn="l" rtl="0" fontAlgn="base">
-              <a:lnSpc>
-                <a:spcPct val="90000"/>
-              </a:lnSpc>
-              <a:spcBef>
-                <a:spcPct val="0"/>
-              </a:spcBef>
-              <a:spcAft>
-                <a:spcPct val="0"/>
-              </a:spcAft>
-              <a:defRPr lang="en-US" sz="5400" spc="-300" dirty="0">
-                <a:ln w="3175">
-                  <a:noFill/>
-                </a:ln>
-                <a:gradFill flip="none" rotWithShape="1">
-                  <a:gsLst>
-                    <a:gs pos="28000">
-                      <a:srgbClr val="FEF9DA"/>
-                    </a:gs>
-                    <a:gs pos="52000">
-                      <a:srgbClr val="FCE974"/>
-                    </a:gs>
-                    <a:gs pos="68000">
-                      <a:srgbClr val="F79A1D"/>
-                    </a:gs>
-                  </a:gsLst>
-                  <a:lin ang="5400000" scaled="1"/>
-                  <a:tileRect/>
-                </a:gradFill>
-                <a:effectLst>
-                  <a:outerShdw blurRad="88900" dist="12700" dir="2700000" algn="tl" rotWithShape="0">
-                    <a:prstClr val="black"/>
-                  </a:outerShdw>
-                </a:effectLst>
-                <a:latin typeface="Segoe" pitchFamily="34" charset="0"/>
-                <a:ea typeface="+mn-ea"/>
-                <a:cs typeface="Arial" charset="0"/>
-              </a:defRPr>
-            </a:lvl1pPr>
-          </a:lstStyle>
-          <a:p>
-            <a:r>
-              <a:rPr lang="en-US" dirty="0" smtClean="0"/>
-              <a:t>Click to edit Master title style</a:t>
-            </a:r>
-            <a:endParaRPr lang="en-US" dirty="0"/>
-          </a:p>
-        </p:txBody>
-      </p:sp>
-      <p:sp>
-        <p:nvSpPr>
-          <p:cNvPr id="3" name="Text Placeholder 2"/>
-          <p:cNvSpPr>
-            <a:spLocks noGrp="1"/>
-          </p:cNvSpPr>
-          <p:nvPr>
-            <p:ph type="body" idx="1"/>
-          </p:nvPr>
-        </p:nvSpPr>
-        <p:spPr/>
-        <p:txBody>
-          <a:bodyPr/>
-          <a:lstStyle>
-            <a:lvl1pPr>
-              <a:buFontTx/>
-              <a:buBlip>
-                <a:blip r:embed="rId2"/>
-              </a:buBlip>
-              <a:defRPr/>
-            </a:lvl1pPr>
-            <a:lvl2pPr>
-              <a:buFontTx/>
-              <a:buBlip>
-                <a:blip r:embed="rId3"/>
-              </a:buBlip>
-              <a:defRPr/>
-            </a:lvl2pPr>
-            <a:lvl3pPr>
-              <a:buFontTx/>
-              <a:buBlip>
-                <a:blip r:embed="rId3"/>
-              </a:buBlip>
-              <a:defRPr/>
-            </a:lvl3pPr>
-            <a:lvl4pPr>
-              <a:buFontTx/>
-              <a:buBlip>
-                <a:blip r:embed="rId3"/>
-              </a:buBlip>
-              <a:defRPr/>
-            </a:lvl4pPr>
-            <a:lvl5pPr>
-              <a:buFontTx/>
-              <a:buBlip>
-                <a:blip r:embed="rId3"/>
-              </a:buBlip>
-              <a:defRPr/>
-            </a:lvl5pPr>
-          </a:lstStyle>
-          <a:p>
-            <a:pPr lvl="0"/>
-            <a:r>
-              <a:rPr lang="en-US" dirty="0" smtClean="0"/>
-              <a:t>Click to edit Master text styles</a:t>
-            </a:r>
-          </a:p>
-          <a:p>
-            <a:pPr lvl="1"/>
-            <a:r>
-              <a:rPr lang="en-US" dirty="0" smtClean="0"/>
-              <a:t>Second level</a:t>
-            </a:r>
-          </a:p>
-          <a:p>
-            <a:pPr lvl="2"/>
-            <a:r>
-              <a:rPr lang="en-US" dirty="0" smtClean="0"/>
-              <a:t>Third level</a:t>
-            </a:r>
-          </a:p>
-          <a:p>
-            <a:pPr lvl="3"/>
-            <a:r>
-              <a:rPr lang="en-US" dirty="0" smtClean="0"/>
-              <a:t>Fourth level</a:t>
-            </a:r>
-          </a:p>
-          <a:p>
-            <a:pPr lvl="4"/>
-            <a:r>
-              <a:rPr lang="en-US" dirty="0" smtClean="0"/>
-              <a:t>Fifth level</a:t>
-            </a:r>
-            <a:endParaRPr lang="en-US" dirty="0"/>
-          </a:p>
-        </p:txBody>
-      </p:sp>
-    </p:spTree>
-    <p:extLst>
-      <p:ext uri="{BB962C8B-B14F-4D97-AF65-F5344CB8AC3E}">
-        <p14:creationId xmlns:p14="http://schemas.microsoft.com/office/powerpoint/2010/main" val="2664186203"/>
-      </p:ext>
-    </p:extLst>
-  </p:cSld>
-  <p:clrMapOvr>
-    <a:masterClrMapping/>
-  </p:clrMapOvr>
-  <p:transition>
-    <p:fade/>
-  </p:transition>
 </p:sldLayout>
 </file>
 
@@ -1884,7 +1514,7 @@
           <a:p>
             <a:fld id="{D62CEF3B-A037-46D0-B02C-1428F07E9383}" type="datetimeFigureOut">
               <a:rPr lang="en-US" smtClean="0"/>
-              <a:t>10/13/2015</a:t>
+              <a:t>12/8/2015</a:t>
             </a:fld>
             <a:endParaRPr lang="en-US" dirty="0"/>
           </a:p>
@@ -2227,7 +1857,7 @@
           <a:p>
             <a:fld id="{96DFF08F-DC6B-4601-B491-B0F83F6DD2DA}" type="datetimeFigureOut">
               <a:rPr lang="en-US" smtClean="0"/>
-              <a:t>10/13/2015</a:t>
+              <a:t>12/8/2015</a:t>
             </a:fld>
             <a:endParaRPr lang="en-US" dirty="0"/>
           </a:p>
@@ -2502,7 +2132,7 @@
           <a:p>
             <a:fld id="{96DFF08F-DC6B-4601-B491-B0F83F6DD2DA}" type="datetimeFigureOut">
               <a:rPr lang="en-US" smtClean="0"/>
-              <a:t>10/13/2015</a:t>
+              <a:t>12/8/2015</a:t>
             </a:fld>
             <a:endParaRPr lang="en-US" dirty="0"/>
           </a:p>
@@ -2881,7 +2511,7 @@
           <a:p>
             <a:fld id="{96DFF08F-DC6B-4601-B491-B0F83F6DD2DA}" type="datetimeFigureOut">
               <a:rPr lang="en-US" smtClean="0"/>
-              <a:t>10/13/2015</a:t>
+              <a:t>12/8/2015</a:t>
             </a:fld>
             <a:endParaRPr lang="en-US" dirty="0"/>
           </a:p>
@@ -2999,7 +2629,7 @@
           <a:p>
             <a:fld id="{96DFF08F-DC6B-4601-B491-B0F83F6DD2DA}" type="datetimeFigureOut">
               <a:rPr lang="en-US" smtClean="0"/>
-              <a:t>10/13/2015</a:t>
+              <a:t>12/8/2015</a:t>
             </a:fld>
             <a:endParaRPr lang="en-US" dirty="0"/>
           </a:p>
@@ -3171,7 +2801,7 @@
             <a:fld id="{96DFF08F-DC6B-4601-B491-B0F83F6DD2DA}" type="datetimeFigureOut">
               <a:rPr lang="en-US" smtClean="0"/>
               <a:pPr/>
-              <a:t>10/13/2015</a:t>
+              <a:t>12/8/2015</a:t>
             </a:fld>
             <a:endParaRPr lang="en-US" dirty="0"/>
           </a:p>
@@ -3527,7 +3157,7 @@
             <a:fld id="{96DFF08F-DC6B-4601-B491-B0F83F6DD2DA}" type="datetimeFigureOut">
               <a:rPr lang="en-US" smtClean="0"/>
               <a:pPr/>
-              <a:t>10/13/2015</a:t>
+              <a:t>12/8/2015</a:t>
             </a:fld>
             <a:endParaRPr lang="en-US" dirty="0"/>
           </a:p>
@@ -3905,7 +3535,7 @@
           <a:p>
             <a:fld id="{96DFF08F-DC6B-4601-B491-B0F83F6DD2DA}" type="datetimeFigureOut">
               <a:rPr lang="en-US" smtClean="0"/>
-              <a:t>10/13/2015</a:t>
+              <a:t>12/8/2015</a:t>
             </a:fld>
             <a:endParaRPr lang="en-US" dirty="0"/>
           </a:p>
@@ -4193,7 +3823,7 @@
             <a:fld id="{96DFF08F-DC6B-4601-B491-B0F83F6DD2DA}" type="datetimeFigureOut">
               <a:rPr lang="en-US" smtClean="0"/>
               <a:pPr/>
-              <a:t>10/13/2015</a:t>
+              <a:t>12/8/2015</a:t>
             </a:fld>
             <a:endParaRPr lang="en-US" dirty="0"/>
           </a:p>
@@ -4332,7 +3962,6 @@
     <p:sldLayoutId id="2147483831" r:id="rId9"/>
     <p:sldLayoutId id="2147483832" r:id="rId10"/>
     <p:sldLayoutId id="2147483833" r:id="rId11"/>
-    <p:sldLayoutId id="2147483834" r:id="rId12"/>
   </p:sldLayoutIdLst>
   <p:txStyles>
     <p:titleStyle>
@@ -4795,7 +4424,6 @@
               <a:rPr lang="en-US" cap="none" smtClean="0"/>
               <a:t>juneb_get_help</a:t>
             </a:r>
-            <a:endParaRPr lang="en-US" smtClean="0"/>
           </a:p>
         </p:txBody>
       </p:sp>
@@ -5570,30 +5198,6 @@
           </a:p>
         </p:txBody>
       </p:sp>
-      <p:pic>
-        <p:nvPicPr>
-          <p:cNvPr id="6" name="Picture 5"/>
-          <p:cNvPicPr>
-            <a:picLocks noChangeAspect="1"/>
-          </p:cNvPicPr>
-          <p:nvPr/>
-        </p:nvPicPr>
-        <p:blipFill>
-          <a:blip r:embed="rId3"/>
-          <a:stretch>
-            <a:fillRect/>
-          </a:stretch>
-        </p:blipFill>
-        <p:spPr>
-          <a:xfrm>
-            <a:off x="8805283" y="4169922"/>
-            <a:ext cx="2034048" cy="1792195"/>
-          </a:xfrm>
-          <a:prstGeom prst="rect">
-            <a:avLst/>
-          </a:prstGeom>
-        </p:spPr>
-      </p:pic>
     </p:spTree>
     <p:extLst>
       <p:ext uri="{BB962C8B-B14F-4D97-AF65-F5344CB8AC3E}">
@@ -5648,11 +5252,7 @@
           <a:p>
             <a:r>
               <a:rPr lang="en-US" smtClean="0"/>
-              <a:t>An </a:t>
-            </a:r>
-            <a:r>
-              <a:rPr lang="en-US" i="1" smtClean="0"/>
-              <a:t>event handler...</a:t>
+              <a:t>Terminating / Non-Terminating Errors</a:t>
             </a:r>
             <a:endParaRPr lang="en-US"/>
           </a:p>
@@ -5660,7 +5260,7 @@
       </p:sp>
       <p:sp>
         <p:nvSpPr>
-          <p:cNvPr id="3" name="Content Placeholder 2"/>
+          <p:cNvPr id="4" name="Content Placeholder 2"/>
           <p:cNvSpPr>
             <a:spLocks noGrp="1"/>
           </p:cNvSpPr>
@@ -5675,320 +5275,67 @@
           </a:bodyPr>
           <a:lstStyle/>
           <a:p>
-            <a:r>
-              <a:rPr lang="en-US" sz="3200" smtClean="0"/>
-              <a:t>... is code that runs when an event happens ("is raised")</a:t>
-            </a:r>
-            <a:endParaRPr lang="en-US" sz="3200"/>
-          </a:p>
-        </p:txBody>
-      </p:sp>
-      <p:sp>
-        <p:nvSpPr>
-          <p:cNvPr id="5" name="TextBox 4"/>
-          <p:cNvSpPr txBox="1"/>
-          <p:nvPr/>
-        </p:nvSpPr>
-        <p:spPr>
-          <a:xfrm>
-            <a:off x="3516571" y="2994212"/>
-            <a:ext cx="1308179" cy="369332"/>
-          </a:xfrm>
-          <a:prstGeom prst="rect">
-            <a:avLst/>
-          </a:prstGeom>
-          <a:noFill/>
-        </p:spPr>
-        <p:txBody>
-          <a:bodyPr wrap="none" rtlCol="0">
-            <a:spAutoFit/>
-          </a:bodyPr>
-          <a:lstStyle/>
-          <a:p>
-            <a:r>
-              <a:rPr lang="en-US" smtClean="0"/>
-              <a:t>Button.Click</a:t>
-            </a:r>
-            <a:endParaRPr lang="en-US"/>
-          </a:p>
-        </p:txBody>
-      </p:sp>
-      <p:sp>
-        <p:nvSpPr>
-          <p:cNvPr id="8" name="TextBox 7"/>
-          <p:cNvSpPr txBox="1"/>
-          <p:nvPr/>
-        </p:nvSpPr>
-        <p:spPr>
-          <a:xfrm>
-            <a:off x="3887898" y="5081298"/>
-            <a:ext cx="4343048" cy="923330"/>
-          </a:xfrm>
-          <a:prstGeom prst="rect">
-            <a:avLst/>
-          </a:prstGeom>
-          <a:noFill/>
-        </p:spPr>
-        <p:txBody>
-          <a:bodyPr wrap="none" rtlCol="0">
-            <a:spAutoFit/>
-          </a:bodyPr>
-          <a:lstStyle/>
-          <a:p>
-            <a:r>
-              <a:rPr lang="en-US"/>
-              <a:t>$buttonClose.add_Click($buttonClose_Click</a:t>
-            </a:r>
-            <a:r>
-              <a:rPr lang="en-US" smtClean="0"/>
-              <a:t>)</a:t>
-            </a:r>
-            <a:br>
-              <a:rPr lang="en-US" smtClean="0"/>
-            </a:br>
-            <a:r>
-              <a:rPr lang="en-US" smtClean="0"/>
-              <a:t/>
-            </a:r>
-            <a:br>
-              <a:rPr lang="en-US" smtClean="0"/>
-            </a:br>
-            <a:endParaRPr lang="en-US"/>
-          </a:p>
-        </p:txBody>
-      </p:sp>
-      <p:cxnSp>
-        <p:nvCxnSpPr>
-          <p:cNvPr id="10" name="Straight Arrow Connector 9"/>
-          <p:cNvCxnSpPr/>
-          <p:nvPr/>
-        </p:nvCxnSpPr>
-        <p:spPr>
-          <a:xfrm>
-            <a:off x="5059487" y="4025153"/>
-            <a:ext cx="1932984" cy="35859"/>
-          </a:xfrm>
-          <a:prstGeom prst="straightConnector1">
-            <a:avLst/>
-          </a:prstGeom>
-          <a:ln>
-            <a:tailEnd type="triangle"/>
-          </a:ln>
-        </p:spPr>
-        <p:style>
-          <a:lnRef idx="3">
-            <a:schemeClr val="accent1"/>
-          </a:lnRef>
-          <a:fillRef idx="0">
-            <a:schemeClr val="accent1"/>
-          </a:fillRef>
-          <a:effectRef idx="2">
-            <a:schemeClr val="accent1"/>
-          </a:effectRef>
-          <a:fontRef idx="minor">
-            <a:schemeClr val="tx1"/>
-          </a:fontRef>
-        </p:style>
-      </p:cxnSp>
-      <p:sp>
-        <p:nvSpPr>
-          <p:cNvPr id="12" name="TextBox 11"/>
-          <p:cNvSpPr txBox="1"/>
-          <p:nvPr/>
-        </p:nvSpPr>
-        <p:spPr>
-          <a:xfrm>
-            <a:off x="5010770" y="4264552"/>
-            <a:ext cx="2097305" cy="646331"/>
-          </a:xfrm>
-          <a:prstGeom prst="rect">
-            <a:avLst/>
-          </a:prstGeom>
-          <a:noFill/>
-        </p:spPr>
-        <p:txBody>
-          <a:bodyPr wrap="none" rtlCol="0">
-            <a:spAutoFit/>
-          </a:bodyPr>
-          <a:lstStyle/>
-          <a:p>
-            <a:r>
-              <a:rPr lang="en-US" smtClean="0">
-                <a:solidFill>
-                  <a:schemeClr val="tx1">
-                    <a:lumMod val="75000"/>
-                    <a:lumOff val="25000"/>
-                  </a:schemeClr>
-                </a:solidFill>
-              </a:rPr>
-              <a:t>Map the event to an</a:t>
-            </a:r>
-            <a:br>
-              <a:rPr lang="en-US" smtClean="0">
-                <a:solidFill>
-                  <a:schemeClr val="tx1">
-                    <a:lumMod val="75000"/>
-                    <a:lumOff val="25000"/>
-                  </a:schemeClr>
-                </a:solidFill>
-              </a:rPr>
-            </a:br>
-            <a:r>
-              <a:rPr lang="en-US" smtClean="0">
-                <a:solidFill>
-                  <a:schemeClr val="tx1">
-                    <a:lumMod val="75000"/>
-                    <a:lumOff val="25000"/>
-                  </a:schemeClr>
-                </a:solidFill>
-              </a:rPr>
-              <a:t>event handler</a:t>
-            </a:r>
-            <a:endParaRPr lang="en-US">
+            <a:pPr lvl="1">
+              <a:buFont typeface="Arial" panose="020B0604020202020204" pitchFamily="34" charset="0"/>
+              <a:buChar char="•"/>
+            </a:pPr>
+            <a:r>
+              <a:rPr lang="en-US" sz="3200" smtClean="0">
+                <a:solidFill>
+                  <a:srgbClr val="0070C0"/>
+                </a:solidFill>
+              </a:rPr>
+              <a:t>Non-Terminating Errors </a:t>
+            </a:r>
+            <a:r>
+              <a:rPr lang="en-US" sz="3200" smtClean="0">
+                <a:solidFill>
+                  <a:schemeClr val="tx1"/>
+                </a:solidFill>
+              </a:rPr>
+              <a:t>:  Less serious errors. By default, write an error and continue.</a:t>
+            </a:r>
+          </a:p>
+          <a:p>
+            <a:endParaRPr lang="en-US" sz="3200" smtClean="0">
               <a:solidFill>
-                <a:schemeClr val="tx1">
-                  <a:lumMod val="75000"/>
-                  <a:lumOff val="25000"/>
-                </a:schemeClr>
+                <a:srgbClr val="0070C0"/>
               </a:solidFill>
             </a:endParaRPr>
           </a:p>
-        </p:txBody>
-      </p:sp>
-      <p:sp>
-        <p:nvSpPr>
-          <p:cNvPr id="13" name="TextBox 12"/>
-          <p:cNvSpPr txBox="1"/>
-          <p:nvPr/>
-        </p:nvSpPr>
-        <p:spPr>
-          <a:xfrm>
-            <a:off x="8530814" y="2994212"/>
-            <a:ext cx="2308517" cy="923330"/>
-          </a:xfrm>
-          <a:prstGeom prst="rect">
-            <a:avLst/>
-          </a:prstGeom>
-          <a:noFill/>
-        </p:spPr>
-        <p:txBody>
-          <a:bodyPr wrap="none" rtlCol="0">
-            <a:spAutoFit/>
-          </a:bodyPr>
-          <a:lstStyle/>
-          <a:p>
-            <a:r>
-              <a:rPr lang="en-US" smtClean="0"/>
-              <a:t>$</a:t>
-            </a:r>
-            <a:r>
-              <a:rPr lang="en-US" b="1" smtClean="0"/>
-              <a:t>buttonClose_Click</a:t>
-            </a:r>
-            <a:r>
-              <a:rPr lang="en-US" smtClean="0"/>
-              <a:t> = {</a:t>
-            </a:r>
-            <a:br>
-              <a:rPr lang="en-US" smtClean="0"/>
-            </a:br>
-            <a:r>
-              <a:rPr lang="en-US" smtClean="0"/>
-              <a:t>    $Form.Close()</a:t>
-            </a:r>
-            <a:br>
-              <a:rPr lang="en-US" smtClean="0"/>
-            </a:br>
-            <a:r>
-              <a:rPr lang="en-US" smtClean="0"/>
-              <a:t>}</a:t>
-            </a:r>
-            <a:endParaRPr lang="en-US"/>
-          </a:p>
-        </p:txBody>
-      </p:sp>
-      <p:pic>
-        <p:nvPicPr>
-          <p:cNvPr id="11" name="Picture 10"/>
-          <p:cNvPicPr>
-            <a:picLocks noChangeAspect="1"/>
-          </p:cNvPicPr>
-          <p:nvPr/>
-        </p:nvPicPr>
-        <p:blipFill>
-          <a:blip r:embed="rId2"/>
-          <a:stretch>
-            <a:fillRect/>
-          </a:stretch>
-        </p:blipFill>
-        <p:spPr>
-          <a:xfrm>
-            <a:off x="1097281" y="2826837"/>
-            <a:ext cx="2315979" cy="1090706"/>
-          </a:xfrm>
-          <a:prstGeom prst="rect">
-            <a:avLst/>
-          </a:prstGeom>
-        </p:spPr>
-      </p:pic>
-      <p:pic>
-        <p:nvPicPr>
-          <p:cNvPr id="14" name="Picture 13"/>
-          <p:cNvPicPr>
-            <a:picLocks noChangeAspect="1"/>
-          </p:cNvPicPr>
-          <p:nvPr/>
-        </p:nvPicPr>
-        <p:blipFill>
-          <a:blip r:embed="rId3"/>
-          <a:stretch>
-            <a:fillRect/>
-          </a:stretch>
-        </p:blipFill>
-        <p:spPr>
-          <a:xfrm>
-            <a:off x="8659364" y="4061013"/>
-            <a:ext cx="2152139" cy="1605426"/>
-          </a:xfrm>
-          <a:prstGeom prst="rect">
-            <a:avLst/>
-          </a:prstGeom>
-        </p:spPr>
-      </p:pic>
-      <p:sp>
-        <p:nvSpPr>
-          <p:cNvPr id="15" name="TextBox 14"/>
-          <p:cNvSpPr txBox="1"/>
-          <p:nvPr/>
-        </p:nvSpPr>
-        <p:spPr>
-          <a:xfrm>
-            <a:off x="4726460" y="3601634"/>
-            <a:ext cx="2665923" cy="369332"/>
-          </a:xfrm>
-          <a:prstGeom prst="rect">
-            <a:avLst/>
-          </a:prstGeom>
-          <a:noFill/>
-        </p:spPr>
-        <p:txBody>
-          <a:bodyPr wrap="none" rtlCol="0">
-            <a:spAutoFit/>
-          </a:bodyPr>
-          <a:lstStyle/>
-          <a:p>
-            <a:r>
-              <a:rPr lang="en-US" smtClean="0"/>
-              <a:t>Register the event handler</a:t>
-            </a:r>
-            <a:endParaRPr lang="en-US"/>
+          <a:p>
+            <a:pPr lvl="1">
+              <a:buFont typeface="Arial" panose="020B0604020202020204" pitchFamily="34" charset="0"/>
+              <a:buChar char="•"/>
+            </a:pPr>
+            <a:r>
+              <a:rPr lang="en-US" sz="3200" smtClean="0">
+                <a:solidFill>
+                  <a:srgbClr val="0070C0"/>
+                </a:solidFill>
+              </a:rPr>
+              <a:t>Terminating Errors : </a:t>
+            </a:r>
+            <a:r>
+              <a:rPr lang="en-US" sz="3200" smtClean="0">
+                <a:solidFill>
+                  <a:schemeClr val="tx1"/>
+                </a:solidFill>
+              </a:rPr>
+              <a:t>Serious errors. By default, write and error and stop the pipeline.</a:t>
+            </a:r>
+            <a:endParaRPr lang="en-US" sz="3200">
+              <a:solidFill>
+                <a:schemeClr val="tx1"/>
+              </a:solidFill>
+            </a:endParaRPr>
           </a:p>
         </p:txBody>
       </p:sp>
     </p:spTree>
     <p:extLst>
       <p:ext uri="{BB962C8B-B14F-4D97-AF65-F5344CB8AC3E}">
-        <p14:creationId xmlns:p14="http://schemas.microsoft.com/office/powerpoint/2010/main" val="4166689185"/>
+        <p14:creationId xmlns:p14="http://schemas.microsoft.com/office/powerpoint/2010/main" val="2175067507"/>
       </p:ext>
     </p:extLst>
   </p:cSld>
@@ -6055,7 +5402,12 @@
             <p:ph idx="1"/>
           </p:nvPr>
         </p:nvSpPr>
-        <p:spPr/>
+        <p:spPr>
+          <a:xfrm>
+            <a:off x="379525" y="1872995"/>
+            <a:ext cx="11183210" cy="4023360"/>
+          </a:xfrm>
+        </p:spPr>
         <p:txBody>
           <a:bodyPr>
             <a:normAutofit/>
@@ -6067,12 +5419,57 @@
               <a:buChar char="•"/>
             </a:pPr>
             <a:r>
+              <a:rPr lang="en-US" sz="3200" dirty="0" smtClean="0">
+                <a:solidFill>
+                  <a:srgbClr val="0070C0"/>
+                </a:solidFill>
+              </a:rPr>
+              <a:t>Non-Terminating Errors </a:t>
+            </a:r>
+            <a:r>
+              <a:rPr lang="en-US" sz="3200" dirty="0" smtClean="0">
+                <a:solidFill>
+                  <a:schemeClr val="tx1"/>
+                </a:solidFill>
+              </a:rPr>
+              <a:t>:  </a:t>
+            </a:r>
+          </a:p>
+          <a:p>
+            <a:pPr marL="201168" lvl="1" indent="0">
+              <a:buNone/>
+            </a:pPr>
+            <a:r>
+              <a:rPr lang="en-US" sz="2800" dirty="0">
+                <a:solidFill>
+                  <a:schemeClr val="tx1"/>
+                </a:solidFill>
+              </a:rPr>
+              <a:t>	</a:t>
+            </a:r>
+            <a:r>
+              <a:rPr lang="en-US" sz="3200" dirty="0" smtClean="0">
+                <a:solidFill>
+                  <a:schemeClr val="tx1"/>
+                </a:solidFill>
+              </a:rPr>
+              <a:t>if (-not (Get-Service </a:t>
+            </a:r>
+            <a:r>
+              <a:rPr lang="en-US" sz="3200" dirty="0" smtClean="0">
+                <a:solidFill>
+                  <a:srgbClr val="00B050"/>
+                </a:solidFill>
+              </a:rPr>
+              <a:t>-</a:t>
+            </a:r>
+            <a:r>
               <a:rPr lang="en-US" sz="3200" smtClean="0">
                 <a:solidFill>
-                  <a:srgbClr val="0070C0"/>
-                </a:solidFill>
-              </a:rPr>
-              <a:t>Non-Terminating Errors </a:t>
+                  <a:srgbClr val="00B050"/>
+                </a:solidFill>
+              </a:rPr>
+              <a:t>ServiceName</a:t>
             </a:r>
             <a:r>
               <a:rPr lang="en-US" sz="3200" smtClean="0">
@@ -6080,11 +5477,76 @@
                   <a:schemeClr val="tx1"/>
                 </a:solidFill>
               </a:rPr>
-              <a:t>:  Less serious errors. By default, write an error and continue.</a:t>
-            </a:r>
-          </a:p>
-          <a:p>
-            <a:endParaRPr lang="en-US" sz="3200" smtClean="0">
+              <a:t> foo </a:t>
+            </a:r>
+            <a:r>
+              <a:rPr lang="en-US" sz="3200" dirty="0" smtClean="0">
+                <a:solidFill>
+                  <a:schemeClr val="tx1"/>
+                </a:solidFill>
+              </a:rPr>
+              <a:t>`</a:t>
+            </a:r>
+          </a:p>
+          <a:p>
+            <a:pPr marL="201168" lvl="1" indent="0">
+              <a:buNone/>
+            </a:pPr>
+            <a:r>
+              <a:rPr lang="en-US" sz="3200" dirty="0">
+                <a:solidFill>
+                  <a:schemeClr val="tx1"/>
+                </a:solidFill>
+              </a:rPr>
+              <a:t>	</a:t>
+            </a:r>
+            <a:r>
+              <a:rPr lang="en-US" sz="3200" dirty="0" smtClean="0">
+                <a:solidFill>
+                  <a:schemeClr val="tx1"/>
+                </a:solidFill>
+              </a:rPr>
+              <a:t>	</a:t>
+            </a:r>
+            <a:r>
+              <a:rPr lang="en-US" sz="3200" dirty="0" smtClean="0">
+                <a:solidFill>
+                  <a:srgbClr val="FF0000"/>
+                </a:solidFill>
+              </a:rPr>
+              <a:t>–ErrorAction SilentlyContinue</a:t>
+            </a:r>
+            <a:r>
+              <a:rPr lang="en-US" sz="3200" dirty="0" smtClean="0">
+                <a:solidFill>
+                  <a:schemeClr val="tx1"/>
+                </a:solidFill>
+              </a:rPr>
+              <a:t>))</a:t>
+            </a:r>
+            <a:br>
+              <a:rPr lang="en-US" sz="3200" dirty="0" smtClean="0">
+                <a:solidFill>
+                  <a:schemeClr val="tx1"/>
+                </a:solidFill>
+              </a:rPr>
+            </a:br>
+            <a:r>
+              <a:rPr lang="en-US" sz="3200" dirty="0" smtClean="0">
+                <a:solidFill>
+                  <a:schemeClr val="tx1"/>
+                </a:solidFill>
+              </a:rPr>
+              <a:t>         { &lt;Handle the error }</a:t>
+            </a:r>
+            <a:br>
+              <a:rPr lang="en-US" sz="3200" dirty="0" smtClean="0">
+                <a:solidFill>
+                  <a:schemeClr val="tx1"/>
+                </a:solidFill>
+              </a:rPr>
+            </a:br>
+            <a:endParaRPr lang="en-US" sz="3200" dirty="0">
               <a:solidFill>
                 <a:srgbClr val="0070C0"/>
               </a:solidFill>
@@ -6096,22 +5558,90 @@
               <a:buChar char="•"/>
             </a:pPr>
             <a:r>
+              <a:rPr lang="en-US" sz="3200" dirty="0" smtClean="0">
+                <a:solidFill>
+                  <a:srgbClr val="0070C0"/>
+                </a:solidFill>
+              </a:rPr>
+              <a:t>Terminating Errors : </a:t>
+            </a:r>
+            <a:br>
+              <a:rPr lang="en-US" sz="3200" dirty="0" smtClean="0">
+                <a:solidFill>
+                  <a:srgbClr val="0070C0"/>
+                </a:solidFill>
+              </a:rPr>
+            </a:br>
+            <a:r>
+              <a:rPr lang="en-US" sz="3200" dirty="0">
+                <a:solidFill>
+                  <a:schemeClr val="tx1"/>
+                </a:solidFill>
+              </a:rPr>
+              <a:t>	try </a:t>
+            </a:r>
+            <a:r>
+              <a:rPr lang="en-US" sz="3200">
+                <a:solidFill>
+                  <a:schemeClr val="tx1"/>
+                </a:solidFill>
+              </a:rPr>
+              <a:t>{ </a:t>
+            </a:r>
+            <a:r>
               <a:rPr lang="en-US" sz="3200" smtClean="0">
                 <a:solidFill>
-                  <a:srgbClr val="0070C0"/>
-                </a:solidFill>
-              </a:rPr>
-              <a:t>Terminating Errors : </a:t>
+                  <a:schemeClr val="tx1"/>
+                </a:solidFill>
+              </a:rPr>
+              <a:t>Get-Service </a:t>
             </a:r>
             <a:r>
               <a:rPr lang="en-US" sz="3200" smtClean="0">
                 <a:solidFill>
+                  <a:srgbClr val="00B050"/>
+                </a:solidFill>
+              </a:rPr>
+              <a:t>-ComputerName</a:t>
+            </a:r>
+            <a:r>
+              <a:rPr lang="en-US" sz="3200" smtClean="0">
+                <a:solidFill>
                   <a:schemeClr val="tx1"/>
                 </a:solidFill>
               </a:rPr>
-              <a:t>Serious errors. By default, write and error and stop the pipeline.</a:t>
-            </a:r>
-            <a:endParaRPr lang="en-US" sz="3200">
+              <a:t> </a:t>
+            </a:r>
+            <a:r>
+              <a:rPr lang="en-US" sz="3200" dirty="0">
+                <a:solidFill>
+                  <a:schemeClr val="tx1"/>
+                </a:solidFill>
+              </a:rPr>
+              <a:t>foo }</a:t>
+            </a:r>
+            <a:br>
+              <a:rPr lang="en-US" sz="3200" dirty="0">
+                <a:solidFill>
+                  <a:schemeClr val="tx1"/>
+                </a:solidFill>
+              </a:rPr>
+            </a:br>
+            <a:r>
+              <a:rPr lang="en-US" sz="3200" dirty="0">
+                <a:solidFill>
+                  <a:schemeClr val="tx1"/>
+                </a:solidFill>
+              </a:rPr>
+              <a:t>	catch { &lt;Handle the error&gt;}</a:t>
+            </a:r>
+          </a:p>
+          <a:p>
+            <a:pPr lvl="1">
+              <a:buFont typeface="Arial" panose="020B0604020202020204" pitchFamily="34" charset="0"/>
+              <a:buChar char="•"/>
+            </a:pPr>
+            <a:endParaRPr lang="en-US" sz="3200" dirty="0">
               <a:solidFill>
                 <a:schemeClr val="tx1"/>
               </a:solidFill>
@@ -6122,7 +5652,7 @@
     </p:spTree>
     <p:extLst>
       <p:ext uri="{BB962C8B-B14F-4D97-AF65-F5344CB8AC3E}">
-        <p14:creationId xmlns:p14="http://schemas.microsoft.com/office/powerpoint/2010/main" val="2175067507"/>
+        <p14:creationId xmlns:p14="http://schemas.microsoft.com/office/powerpoint/2010/main" val="3385123494"/>
       </p:ext>
     </p:extLst>
   </p:cSld>
@@ -6173,7 +5703,7 @@
           <a:p>
             <a:r>
               <a:rPr lang="en-US" smtClean="0"/>
-              <a:t>Terminating / Non-Terminating Errors</a:t>
+              <a:t>Make a non-terminating error terminate</a:t>
             </a:r>
             <a:endParaRPr lang="en-US"/>
           </a:p>
@@ -6191,8 +5721,8 @@
         </p:nvSpPr>
         <p:spPr>
           <a:xfrm>
-            <a:off x="379525" y="1872995"/>
-            <a:ext cx="11183210" cy="4023360"/>
+            <a:off x="1097280" y="1804169"/>
+            <a:ext cx="10058400" cy="4023360"/>
           </a:xfrm>
         </p:spPr>
         <p:txBody>
@@ -6227,73 +5757,12 @@
               <a:buNone/>
             </a:pPr>
             <a:r>
-              <a:rPr lang="en-US" sz="2800" dirty="0">
+              <a:rPr lang="en-US" sz="3200" dirty="0" smtClean="0">
                 <a:solidFill>
                   <a:schemeClr val="tx1"/>
                 </a:solidFill>
               </a:rPr>
-              <a:t>	</a:t>
-            </a:r>
-            <a:r>
-              <a:rPr lang="en-US" sz="3200" dirty="0" smtClean="0">
-                <a:solidFill>
-                  <a:schemeClr val="tx1"/>
-                </a:solidFill>
-              </a:rPr>
-              <a:t>if (-not (Get-Service -</a:t>
-            </a:r>
-            <a:r>
-              <a:rPr lang="en-US" sz="3200" dirty="0" smtClean="0">
-                <a:solidFill>
-                  <a:schemeClr val="accent2"/>
-                </a:solidFill>
-              </a:rPr>
-              <a:t>ServiceName</a:t>
-            </a:r>
-            <a:r>
-              <a:rPr lang="en-US" sz="3200" dirty="0" smtClean="0">
-                <a:solidFill>
-                  <a:schemeClr val="tx1"/>
-                </a:solidFill>
-              </a:rPr>
-              <a:t> foo `</a:t>
-            </a:r>
-          </a:p>
-          <a:p>
-            <a:pPr marL="201168" lvl="1" indent="0">
-              <a:buNone/>
-            </a:pPr>
-            <a:r>
-              <a:rPr lang="en-US" sz="3200" dirty="0">
-                <a:solidFill>
-                  <a:schemeClr val="tx1"/>
-                </a:solidFill>
-              </a:rPr>
-              <a:t>	</a:t>
-            </a:r>
-            <a:r>
-              <a:rPr lang="en-US" sz="3200" dirty="0" smtClean="0">
-                <a:solidFill>
-                  <a:schemeClr val="tx1"/>
-                </a:solidFill>
-              </a:rPr>
-              <a:t>	</a:t>
-            </a:r>
-            <a:r>
-              <a:rPr lang="en-US" sz="3200" dirty="0" smtClean="0">
-                <a:solidFill>
-                  <a:srgbClr val="FF0000"/>
-                </a:solidFill>
-              </a:rPr>
-              <a:t>–ErrorAction SilentlyContinue</a:t>
-            </a:r>
-            <a:r>
-              <a:rPr lang="en-US" sz="3200" dirty="0" smtClean="0">
-                <a:solidFill>
-                  <a:schemeClr val="tx1"/>
-                </a:solidFill>
-              </a:rPr>
-              <a:t>))</a:t>
+              <a:t>	try {  Get-Service -ServiceName foo `</a:t>
             </a:r>
             <a:br>
               <a:rPr lang="en-US" sz="3200" dirty="0" smtClean="0">
@@ -6308,7 +5777,23 @@
                   <a:schemeClr val="tx1"/>
                 </a:solidFill>
               </a:rPr>
-              <a:t>         { &lt;Handle the error }</a:t>
+              <a:t>                  </a:t>
+            </a:r>
+            <a:r>
+              <a:rPr lang="en-US" sz="3200" dirty="0" smtClean="0">
+                <a:solidFill>
+                  <a:srgbClr val="FF0000"/>
+                </a:solidFill>
+              </a:rPr>
+              <a:t> -ErrorAction Stop</a:t>
+            </a:r>
+            <a:r>
+              <a:rPr lang="en-US" sz="3200" dirty="0" smtClean="0">
+                <a:solidFill>
+                  <a:schemeClr val="tx1"/>
+                </a:solidFill>
+              </a:rPr>
+              <a:t> }</a:t>
             </a:r>
             <a:br>
               <a:rPr lang="en-US" sz="3200" dirty="0" smtClean="0">
@@ -6317,77 +5802,14 @@
                 </a:solidFill>
               </a:rPr>
             </a:br>
-            <a:endParaRPr lang="en-US" sz="3200" dirty="0">
-              <a:solidFill>
-                <a:srgbClr val="0070C0"/>
-              </a:solidFill>
-            </a:endParaRPr>
-          </a:p>
-          <a:p>
-            <a:pPr lvl="1">
-              <a:buFont typeface="Arial" panose="020B0604020202020204" pitchFamily="34" charset="0"/>
-              <a:buChar char="•"/>
-            </a:pPr>
             <a:r>
               <a:rPr lang="en-US" sz="3200" dirty="0" smtClean="0">
                 <a:solidFill>
-                  <a:srgbClr val="0070C0"/>
-                </a:solidFill>
-              </a:rPr>
-              <a:t>Terminating Errors : </a:t>
-            </a:r>
-            <a:br>
-              <a:rPr lang="en-US" sz="3200" dirty="0" smtClean="0">
-                <a:solidFill>
-                  <a:srgbClr val="0070C0"/>
-                </a:solidFill>
-              </a:rPr>
-            </a:br>
-            <a:r>
-              <a:rPr lang="en-US" sz="3200" dirty="0">
-                <a:solidFill>
                   <a:schemeClr val="tx1"/>
                 </a:solidFill>
               </a:rPr>
-              <a:t>	try { Get-Service -</a:t>
-            </a:r>
-            <a:r>
-              <a:rPr lang="en-US" sz="3200" dirty="0">
-                <a:solidFill>
-                  <a:schemeClr val="accent2"/>
-                </a:solidFill>
-              </a:rPr>
-              <a:t>ComputerName</a:t>
-            </a:r>
-            <a:r>
-              <a:rPr lang="en-US" sz="3200" dirty="0">
-                <a:solidFill>
-                  <a:schemeClr val="tx1"/>
-                </a:solidFill>
-              </a:rPr>
-              <a:t> foo }</a:t>
-            </a:r>
-            <a:br>
-              <a:rPr lang="en-US" sz="3200" dirty="0">
-                <a:solidFill>
-                  <a:schemeClr val="tx1"/>
-                </a:solidFill>
-              </a:rPr>
-            </a:br>
-            <a:r>
-              <a:rPr lang="en-US" sz="3200" dirty="0">
-                <a:solidFill>
-                  <a:schemeClr val="tx1"/>
-                </a:solidFill>
-              </a:rPr>
-              <a:t>	catch { &lt;Handle the error&gt;}</a:t>
-            </a:r>
-          </a:p>
-          <a:p>
-            <a:pPr lvl="1">
-              <a:buFont typeface="Arial" panose="020B0604020202020204" pitchFamily="34" charset="0"/>
-              <a:buChar char="•"/>
-            </a:pPr>
+              <a:t>        catch { &lt;Handle the error }</a:t>
+            </a:r>
             <a:endParaRPr lang="en-US" sz="3200" dirty="0">
               <a:solidFill>
                 <a:schemeClr val="tx1"/>
@@ -6399,7 +5821,7 @@
     </p:spTree>
     <p:extLst>
       <p:ext uri="{BB962C8B-B14F-4D97-AF65-F5344CB8AC3E}">
-        <p14:creationId xmlns:p14="http://schemas.microsoft.com/office/powerpoint/2010/main" val="3385123494"/>
+        <p14:creationId xmlns:p14="http://schemas.microsoft.com/office/powerpoint/2010/main" val="992473636"/>
       </p:ext>
     </p:extLst>
   </p:cSld>
@@ -6449,16 +5871,16 @@
           <a:lstStyle/>
           <a:p>
             <a:r>
-              <a:rPr lang="en-US" smtClean="0"/>
-              <a:t>Make a non-terminating error terminate</a:t>
-            </a:r>
-            <a:endParaRPr lang="en-US"/>
-          </a:p>
-        </p:txBody>
-      </p:sp>
-      <p:sp>
-        <p:nvSpPr>
-          <p:cNvPr id="4" name="Content Placeholder 2"/>
+              <a:rPr lang="en-US" dirty="0" smtClean="0"/>
+              <a:t>Subexpression  $(…)</a:t>
+            </a:r>
+            <a:endParaRPr lang="en-US" dirty="0"/>
+          </a:p>
+        </p:txBody>
+      </p:sp>
+      <p:sp>
+        <p:nvSpPr>
+          <p:cNvPr id="3" name="Content Placeholder 2"/>
           <p:cNvSpPr>
             <a:spLocks noGrp="1"/>
           </p:cNvSpPr>
@@ -6468,107 +5890,133 @@
         </p:nvSpPr>
         <p:spPr>
           <a:xfrm>
-            <a:off x="1097280" y="1804169"/>
-            <a:ext cx="10058400" cy="4023360"/>
+            <a:off x="1097280" y="1845733"/>
+            <a:ext cx="10058400" cy="4427247"/>
           </a:xfrm>
         </p:spPr>
         <p:txBody>
           <a:bodyPr>
-            <a:normAutofit/>
+            <a:noAutofit/>
           </a:bodyPr>
           <a:lstStyle/>
           <a:p>
-            <a:pPr lvl="1">
+            <a:pPr>
               <a:buFont typeface="Arial" panose="020B0604020202020204" pitchFamily="34" charset="0"/>
               <a:buChar char="•"/>
             </a:pPr>
             <a:r>
-              <a:rPr lang="en-US" sz="3200" dirty="0" smtClean="0">
-                <a:solidFill>
-                  <a:srgbClr val="0070C0"/>
-                </a:solidFill>
-              </a:rPr>
-              <a:t>Non-Terminating Errors </a:t>
-            </a:r>
-            <a:r>
-              <a:rPr lang="en-US" sz="3200" dirty="0" smtClean="0">
-                <a:solidFill>
-                  <a:schemeClr val="tx1"/>
-                </a:solidFill>
-              </a:rPr>
-              <a:t>:  </a:t>
-            </a:r>
-          </a:p>
-          <a:p>
-            <a:pPr marL="201168" lvl="1" indent="0">
+              <a:rPr lang="en-US" sz="2800" dirty="0" smtClean="0"/>
+              <a:t> Evaluates the statements in parentheses</a:t>
+            </a:r>
+          </a:p>
+          <a:p>
+            <a:pPr>
+              <a:buFont typeface="Arial" panose="020B0604020202020204" pitchFamily="34" charset="0"/>
+              <a:buChar char="•"/>
+            </a:pPr>
+            <a:r>
+              <a:rPr lang="en-US" sz="2800" dirty="0" smtClean="0"/>
+              <a:t> Includes the output in the result.</a:t>
+            </a:r>
+          </a:p>
+          <a:p>
+            <a:pPr>
+              <a:buFont typeface="Arial" panose="020B0604020202020204" pitchFamily="34" charset="0"/>
+              <a:buChar char="•"/>
+            </a:pPr>
+            <a:r>
+              <a:rPr lang="en-US" sz="2800" dirty="0"/>
+              <a:t> </a:t>
+            </a:r>
+            <a:r>
+              <a:rPr lang="en-US" sz="2800" dirty="0" smtClean="0"/>
+              <a:t>Required for multiple statements and properties of an object.</a:t>
+            </a:r>
+          </a:p>
+          <a:p>
+            <a:pPr>
+              <a:buFont typeface="Arial" panose="020B0604020202020204" pitchFamily="34" charset="0"/>
+              <a:buChar char="•"/>
+            </a:pPr>
+            <a:r>
+              <a:rPr lang="en-US" sz="2800" dirty="0"/>
+              <a:t> </a:t>
+            </a:r>
+            <a:r>
+              <a:rPr lang="en-US" sz="2800" dirty="0" smtClean="0"/>
+              <a:t>Avoids intermediate variable</a:t>
+            </a:r>
+            <a:br>
+              <a:rPr lang="en-US" sz="2800" dirty="0" smtClean="0"/>
+            </a:br>
+            <a:endParaRPr lang="en-US" sz="2800" dirty="0" smtClean="0"/>
+          </a:p>
+          <a:p>
+            <a:pPr>
+              <a:buFont typeface="Arial" panose="020B0604020202020204" pitchFamily="34" charset="0"/>
+              <a:buChar char="•"/>
+            </a:pPr>
+            <a:r>
+              <a:rPr lang="en-US" sz="2800" dirty="0" smtClean="0">
+                <a:solidFill>
+                  <a:schemeClr val="accent2"/>
+                </a:solidFill>
+              </a:rPr>
+              <a:t>Try It!</a:t>
+            </a:r>
+            <a:r>
+              <a:rPr lang="en-US" sz="2800" dirty="0" smtClean="0"/>
+              <a:t> </a:t>
+            </a:r>
+          </a:p>
+          <a:p>
+            <a:pPr marL="0" indent="0">
               <a:buNone/>
             </a:pPr>
             <a:r>
-              <a:rPr lang="en-US" sz="3200" dirty="0" smtClean="0">
-                <a:solidFill>
-                  <a:schemeClr val="tx1"/>
-                </a:solidFill>
-              </a:rPr>
-              <a:t>	try {  Get-Service -ServiceName foo `</a:t>
-            </a:r>
-            <a:br>
-              <a:rPr lang="en-US" sz="3200" dirty="0" smtClean="0">
-                <a:solidFill>
-                  <a:schemeClr val="tx1"/>
-                </a:solidFill>
-              </a:rPr>
-            </a:br>
-            <a:r>
-              <a:rPr lang="en-US" sz="3200" dirty="0" smtClean="0">
-                <a:solidFill>
-                  <a:schemeClr val="tx1"/>
-                </a:solidFill>
-              </a:rPr>
-              <a:t>                  </a:t>
-            </a:r>
-            <a:r>
-              <a:rPr lang="en-US" sz="3200" dirty="0" smtClean="0">
-                <a:solidFill>
-                  <a:srgbClr val="FF0000"/>
-                </a:solidFill>
-              </a:rPr>
-              <a:t> -ErrorAction Stop</a:t>
-            </a:r>
-            <a:r>
-              <a:rPr lang="en-US" sz="3200" dirty="0" smtClean="0">
-                <a:solidFill>
-                  <a:schemeClr val="tx1"/>
-                </a:solidFill>
-              </a:rPr>
-              <a:t> }</a:t>
-            </a:r>
-            <a:br>
-              <a:rPr lang="en-US" sz="3200" dirty="0" smtClean="0">
-                <a:solidFill>
-                  <a:schemeClr val="tx1"/>
-                </a:solidFill>
-              </a:rPr>
-            </a:br>
-            <a:r>
-              <a:rPr lang="en-US" sz="3200" dirty="0" smtClean="0">
-                <a:solidFill>
-                  <a:schemeClr val="tx1"/>
-                </a:solidFill>
-              </a:rPr>
-              <a:t>        catch { &lt;Handle the error }</a:t>
-            </a:r>
-            <a:endParaRPr lang="en-US" sz="3200" dirty="0">
-              <a:solidFill>
-                <a:schemeClr val="tx1"/>
-              </a:solidFill>
-            </a:endParaRPr>
+              <a:rPr lang="en-US" sz="2800" dirty="0"/>
+              <a:t>"Hello from </a:t>
+            </a:r>
+            <a:r>
+              <a:rPr lang="en-US" sz="2800" dirty="0" smtClean="0"/>
+              <a:t>(</a:t>
+            </a:r>
+            <a:r>
+              <a:rPr lang="en-US" sz="2800" dirty="0"/>
+              <a:t>Get-Service </a:t>
+            </a:r>
+            <a:r>
+              <a:rPr lang="en-US" sz="2800" dirty="0" err="1" smtClean="0"/>
+              <a:t>WinRM</a:t>
+            </a:r>
+            <a:r>
+              <a:rPr lang="en-US" sz="2800" dirty="0" smtClean="0"/>
+              <a:t>).</a:t>
+            </a:r>
+            <a:r>
+              <a:rPr lang="en-US" sz="2800" dirty="0" err="1" smtClean="0"/>
+              <a:t>DisplayName</a:t>
+            </a:r>
+            <a:r>
+              <a:rPr lang="en-US" sz="2800" dirty="0" smtClean="0"/>
+              <a:t>"</a:t>
+            </a:r>
+          </a:p>
+          <a:p>
+            <a:pPr marL="0" indent="0">
+              <a:buNone/>
+            </a:pPr>
+            <a:r>
+              <a:rPr lang="en-US" sz="2800" dirty="0" smtClean="0"/>
+              <a:t>"Today's date is Get-Date."</a:t>
+            </a:r>
           </a:p>
         </p:txBody>
       </p:sp>
     </p:spTree>
     <p:extLst>
       <p:ext uri="{BB962C8B-B14F-4D97-AF65-F5344CB8AC3E}">
-        <p14:creationId xmlns:p14="http://schemas.microsoft.com/office/powerpoint/2010/main" val="992473636"/>
+        <p14:creationId xmlns:p14="http://schemas.microsoft.com/office/powerpoint/2010/main" val="2314421945"/>
       </p:ext>
     </p:extLst>
   </p:cSld>
@@ -6618,10 +6066,10 @@
           <a:lstStyle/>
           <a:p>
             <a:r>
-              <a:rPr lang="en-US" dirty="0" smtClean="0"/>
-              <a:t>Subexpression  $(…)</a:t>
-            </a:r>
-            <a:endParaRPr lang="en-US" dirty="0"/>
+              <a:rPr lang="en-US" smtClean="0"/>
+              <a:t>Important properties and methods</a:t>
+            </a:r>
+            <a:endParaRPr lang="en-US"/>
           </a:p>
         </p:txBody>
       </p:sp>
@@ -6635,25 +6083,111 @@
             <p:ph idx="1"/>
           </p:nvPr>
         </p:nvSpPr>
-        <p:spPr>
-          <a:xfrm>
-            <a:off x="1097280" y="1845733"/>
-            <a:ext cx="10058400" cy="4427247"/>
-          </a:xfrm>
-        </p:spPr>
-        <p:txBody>
-          <a:bodyPr>
-            <a:noAutofit/>
-          </a:bodyPr>
-          <a:lstStyle/>
+        <p:spPr/>
+        <p:txBody>
+          <a:bodyPr/>
+          <a:lstStyle/>
+          <a:p>
+            <a:r>
+              <a:rPr lang="en-US" sz="2400" b="1" smtClean="0">
+                <a:solidFill>
+                  <a:schemeClr val="accent2"/>
+                </a:solidFill>
+              </a:rPr>
+              <a:t>Text</a:t>
+            </a:r>
+            <a:r>
+              <a:rPr lang="en-US" sz="2400" smtClean="0"/>
+              <a:t>:  display</a:t>
+            </a:r>
+          </a:p>
+          <a:p>
+            <a:r>
+              <a:rPr lang="en-US" sz="2400" b="1" smtClean="0">
+                <a:solidFill>
+                  <a:schemeClr val="accent2"/>
+                </a:solidFill>
+              </a:rPr>
+              <a:t>Name</a:t>
+            </a:r>
+            <a:r>
+              <a:rPr lang="en-US" sz="2400" smtClean="0"/>
+              <a:t>: internal name, typically (type&lt;Name&gt;)</a:t>
+            </a:r>
+          </a:p>
+          <a:p>
+            <a:r>
+              <a:rPr lang="en-US" smtClean="0"/>
+              <a:t>-------------------</a:t>
+            </a:r>
+          </a:p>
+          <a:p>
+            <a:r>
+              <a:rPr lang="en-US" sz="2400" smtClean="0">
+                <a:solidFill>
+                  <a:schemeClr val="accent2"/>
+                </a:solidFill>
+              </a:rPr>
+              <a:t>Button</a:t>
+            </a:r>
+            <a:r>
+              <a:rPr lang="en-US" smtClean="0"/>
+              <a:t>:  </a:t>
+            </a:r>
+          </a:p>
           <a:p>
             <a:pPr>
               <a:buFont typeface="Arial" panose="020B0604020202020204" pitchFamily="34" charset="0"/>
               <a:buChar char="•"/>
             </a:pPr>
             <a:r>
-              <a:rPr lang="en-US" sz="2800" dirty="0" smtClean="0"/>
-              <a:t> Evaluates the statements in parentheses</a:t>
+              <a:rPr lang="en-US"/>
+              <a:t> </a:t>
+            </a:r>
+            <a:r>
+              <a:rPr lang="en-US" b="1" smtClean="0"/>
+              <a:t>DialogResult</a:t>
+            </a:r>
+            <a:r>
+              <a:rPr lang="en-US" smtClean="0"/>
+              <a:t>: Predetermines behavior. To control, set to </a:t>
+            </a:r>
+            <a:r>
+              <a:rPr lang="en-US" b="1" smtClean="0"/>
+              <a:t>None</a:t>
+            </a:r>
+            <a:r>
+              <a:rPr lang="en-US" smtClean="0"/>
+              <a:t>.</a:t>
+            </a:r>
+          </a:p>
+          <a:p>
+            <a:pPr marL="0" indent="0">
+              <a:buNone/>
+            </a:pPr>
+            <a:r>
+              <a:rPr lang="en-US" sz="2400" smtClean="0">
+                <a:solidFill>
+                  <a:schemeClr val="accent2"/>
+                </a:solidFill>
+              </a:rPr>
+              <a:t> Textbox</a:t>
+            </a:r>
+            <a:r>
+              <a:rPr lang="en-US" sz="2400">
+                <a:solidFill>
+                  <a:schemeClr val="accent2"/>
+                </a:solidFill>
+              </a:rPr>
+              <a:t>, </a:t>
+            </a:r>
+            <a:r>
+              <a:rPr lang="en-US" sz="2400" smtClean="0">
+                <a:solidFill>
+                  <a:schemeClr val="accent2"/>
+                </a:solidFill>
+              </a:rPr>
+              <a:t>RichTextBox: </a:t>
             </a:r>
           </a:p>
           <a:p>
@@ -6662,8 +6196,8 @@
               <a:buChar char="•"/>
             </a:pPr>
             <a:r>
-              <a:rPr lang="en-US" sz="2800" dirty="0" smtClean="0"/>
-              <a:t> Includes the output in the result.</a:t>
+              <a:rPr lang="en-US" b="1" smtClean="0"/>
+              <a:t> Multiline</a:t>
             </a:r>
           </a:p>
           <a:p>
@@ -6672,104 +6206,33 @@
               <a:buChar char="•"/>
             </a:pPr>
             <a:r>
-              <a:rPr lang="en-US" sz="2800" dirty="0"/>
-              <a:t> </a:t>
-            </a:r>
-            <a:r>
-              <a:rPr lang="en-US" sz="2800" dirty="0" smtClean="0"/>
-              <a:t>Required for multiple statements and properties of an object.</a:t>
-            </a:r>
-          </a:p>
-          <a:p>
-            <a:pPr>
-              <a:buFont typeface="Arial" panose="020B0604020202020204" pitchFamily="34" charset="0"/>
-              <a:buChar char="•"/>
-            </a:pPr>
-            <a:r>
-              <a:rPr lang="en-US" sz="2800" dirty="0"/>
-              <a:t> </a:t>
-            </a:r>
-            <a:r>
-              <a:rPr lang="en-US" sz="2800" dirty="0" smtClean="0"/>
-              <a:t>Avoids intermediate variable</a:t>
-            </a:r>
-            <a:br>
-              <a:rPr lang="en-US" sz="2800" dirty="0" smtClean="0"/>
-            </a:br>
-            <a:endParaRPr lang="en-US" sz="2800" dirty="0" smtClean="0"/>
-          </a:p>
-          <a:p>
-            <a:pPr>
-              <a:buFont typeface="Arial" panose="020B0604020202020204" pitchFamily="34" charset="0"/>
-              <a:buChar char="•"/>
-            </a:pPr>
-            <a:r>
-              <a:rPr lang="en-US" sz="2800" dirty="0" smtClean="0">
-                <a:solidFill>
-                  <a:schemeClr val="accent2"/>
-                </a:solidFill>
-              </a:rPr>
-              <a:t>Try It!</a:t>
-            </a:r>
-            <a:r>
-              <a:rPr lang="en-US" sz="2800" dirty="0" smtClean="0"/>
-              <a:t> </a:t>
-            </a:r>
-          </a:p>
-          <a:p>
-            <a:pPr marL="0" indent="0">
-              <a:buNone/>
-            </a:pPr>
-            <a:r>
-              <a:rPr lang="en-US" sz="2800" dirty="0"/>
-              <a:t>"Hello from </a:t>
-            </a:r>
-            <a:r>
-              <a:rPr lang="en-US" sz="2800" dirty="0" smtClean="0"/>
-              <a:t>(</a:t>
-            </a:r>
-            <a:r>
-              <a:rPr lang="en-US" sz="2800" dirty="0"/>
-              <a:t>Get-Service </a:t>
-            </a:r>
-            <a:r>
-              <a:rPr lang="en-US" sz="2800" dirty="0" err="1" smtClean="0"/>
-              <a:t>WinRM</a:t>
-            </a:r>
-            <a:r>
-              <a:rPr lang="en-US" sz="2800" dirty="0" smtClean="0"/>
-              <a:t>).</a:t>
-            </a:r>
-            <a:r>
-              <a:rPr lang="en-US" sz="2800" dirty="0" err="1" smtClean="0"/>
-              <a:t>DisplayName</a:t>
-            </a:r>
-            <a:r>
-              <a:rPr lang="en-US" sz="2800" dirty="0" smtClean="0"/>
-              <a:t>"</a:t>
-            </a:r>
-          </a:p>
-          <a:p>
-            <a:pPr marL="0" indent="0">
-              <a:buNone/>
-            </a:pPr>
-            <a:r>
-              <a:rPr lang="en-US" sz="2800" dirty="0" smtClean="0"/>
-              <a:t>"Today's date is Get-Date."</a:t>
-            </a:r>
+              <a:rPr lang="en-US" b="1" smtClean="0"/>
+              <a:t>ReadOnly</a:t>
+            </a:r>
+            <a:endParaRPr lang="en-US" b="1"/>
+          </a:p>
+          <a:p>
+            <a:endParaRPr lang="en-US"/>
           </a:p>
         </p:txBody>
       </p:sp>
     </p:spTree>
     <p:extLst>
       <p:ext uri="{BB962C8B-B14F-4D97-AF65-F5344CB8AC3E}">
-        <p14:creationId xmlns:p14="http://schemas.microsoft.com/office/powerpoint/2010/main" val="2562263826"/>
+        <p14:creationId xmlns:p14="http://schemas.microsoft.com/office/powerpoint/2010/main" val="2654660063"/>
       </p:ext>
     </p:extLst>
   </p:cSld>
   <p:clrMapOvr>
     <a:masterClrMapping/>
   </p:clrMapOvr>
+  <p:timing>
+    <p:tnLst>
+      <p:par>
+        <p:cTn id="1" dur="indefinite" restart="never" nodeType="tmRoot"/>
+      </p:par>
+    </p:tnLst>
+  </p:timing>
 </p:sld>
 </file>
 
@@ -6806,10 +6269,18 @@
           <a:lstStyle/>
           <a:p>
             <a:r>
-              <a:rPr lang="en-US" smtClean="0"/>
-              <a:t>Important properties and methods</a:t>
-            </a:r>
-            <a:endParaRPr lang="en-US"/>
+              <a:rPr lang="en-US" dirty="0" smtClean="0"/>
+              <a:t>GUI </a:t>
+            </a:r>
+            <a:r>
+              <a:rPr lang="en-US" dirty="0" err="1" smtClean="0"/>
+              <a:t>CheatSheet</a:t>
+            </a:r>
+            <a:r>
+              <a:rPr lang="en-US" dirty="0" smtClean="0"/>
+              <a:t>:</a:t>
+            </a:r>
+            <a:endParaRPr lang="en-US" dirty="0"/>
           </a:p>
         </p:txBody>
       </p:sp>
@@ -6823,111 +6294,35 @@
             <p:ph idx="1"/>
           </p:nvPr>
         </p:nvSpPr>
-        <p:spPr/>
+        <p:spPr>
+          <a:xfrm>
+            <a:off x="1083425" y="1845733"/>
+            <a:ext cx="10058400" cy="4319539"/>
+          </a:xfrm>
+        </p:spPr>
         <p:txBody>
           <a:bodyPr/>
           <a:lstStyle/>
-          <a:p>
-            <a:r>
-              <a:rPr lang="en-US" sz="2400" b="1" smtClean="0">
-                <a:solidFill>
-                  <a:schemeClr val="accent2"/>
-                </a:solidFill>
-              </a:rPr>
-              <a:t>Text</a:t>
-            </a:r>
-            <a:r>
-              <a:rPr lang="en-US" sz="2400" smtClean="0"/>
-              <a:t>:  display</a:t>
-            </a:r>
-          </a:p>
-          <a:p>
-            <a:r>
-              <a:rPr lang="en-US" sz="2400" b="1" smtClean="0">
-                <a:solidFill>
-                  <a:schemeClr val="accent2"/>
-                </a:solidFill>
-              </a:rPr>
-              <a:t>Name</a:t>
-            </a:r>
-            <a:r>
-              <a:rPr lang="en-US" sz="2400" smtClean="0"/>
-              <a:t>: internal name, typically (type&lt;Name&gt;)</a:t>
-            </a:r>
-          </a:p>
-          <a:p>
-            <a:r>
-              <a:rPr lang="en-US" smtClean="0"/>
-              <a:t>-------------------</a:t>
-            </a:r>
-          </a:p>
-          <a:p>
-            <a:r>
-              <a:rPr lang="en-US" sz="2400" smtClean="0">
-                <a:solidFill>
-                  <a:schemeClr val="accent2"/>
-                </a:solidFill>
-              </a:rPr>
-              <a:t>Button</a:t>
-            </a:r>
-            <a:r>
-              <a:rPr lang="en-US" smtClean="0"/>
-              <a:t>:  </a:t>
-            </a:r>
-          </a:p>
           <a:p>
             <a:pPr>
               <a:buFont typeface="Arial" panose="020B0604020202020204" pitchFamily="34" charset="0"/>
               <a:buChar char="•"/>
             </a:pPr>
             <a:r>
-              <a:rPr lang="en-US"/>
-              <a:t> </a:t>
-            </a:r>
-            <a:r>
-              <a:rPr lang="en-US" b="1" smtClean="0"/>
-              <a:t>DialogResult</a:t>
-            </a:r>
-            <a:r>
-              <a:rPr lang="en-US" smtClean="0"/>
-              <a:t>: Predetermines behavior. To control, set to </a:t>
-            </a:r>
-            <a:r>
-              <a:rPr lang="en-US" b="1" smtClean="0"/>
-              <a:t>None</a:t>
-            </a:r>
-            <a:r>
-              <a:rPr lang="en-US" smtClean="0"/>
-              <a:t>.</a:t>
-            </a:r>
-          </a:p>
-          <a:p>
-            <a:pPr marL="0" indent="0">
-              <a:buNone/>
-            </a:pPr>
-            <a:r>
-              <a:rPr lang="en-US" sz="2400" smtClean="0">
+              <a:rPr lang="en-US" dirty="0" smtClean="0"/>
+              <a:t>  </a:t>
+            </a:r>
+            <a:r>
+              <a:rPr lang="en-US" sz="2400" dirty="0" smtClean="0">
                 <a:solidFill>
                   <a:schemeClr val="accent2"/>
                 </a:solidFill>
               </a:rPr>
-              <a:t> Textbox</a:t>
-            </a:r>
-            <a:r>
-              <a:rPr lang="en-US" sz="2400">
-                <a:solidFill>
-                  <a:schemeClr val="accent2"/>
-                </a:solidFill>
-              </a:rPr>
-              <a:t>, </a:t>
-            </a:r>
-            <a:r>
-              <a:rPr lang="en-US" sz="2400" smtClean="0">
-                <a:solidFill>
-                  <a:schemeClr val="accent2"/>
-                </a:solidFill>
-              </a:rPr>
-              <a:t>RichTextBox: </a:t>
+              <a:t>Think in events</a:t>
+            </a:r>
+            <a:r>
+              <a:rPr lang="en-US" sz="2400" dirty="0" smtClean="0"/>
+              <a:t>: Place the code in the event that should trigger it.</a:t>
             </a:r>
           </a:p>
           <a:p>
@@ -6936,8 +6331,20 @@
               <a:buChar char="•"/>
             </a:pPr>
             <a:r>
-              <a:rPr lang="en-US" b="1" smtClean="0"/>
-              <a:t> Multiline</a:t>
+              <a:rPr lang="en-US" sz="2400" dirty="0"/>
+              <a:t> </a:t>
+            </a:r>
+            <a:r>
+              <a:rPr lang="en-US" sz="2400" dirty="0" smtClean="0">
+                <a:solidFill>
+                  <a:schemeClr val="accent2"/>
+                </a:solidFill>
+              </a:rPr>
+              <a:t>Control the output</a:t>
+            </a:r>
+            <a:r>
+              <a:rPr lang="en-US" sz="2400" dirty="0" smtClean="0"/>
+              <a:t>:  You manage the display</a:t>
             </a:r>
           </a:p>
           <a:p>
@@ -6946,20 +6353,172 @@
               <a:buChar char="•"/>
             </a:pPr>
             <a:r>
-              <a:rPr lang="en-US" b="1" smtClean="0"/>
-              <a:t>ReadOnly</a:t>
-            </a:r>
-            <a:endParaRPr lang="en-US" b="1"/>
-          </a:p>
-          <a:p>
-            <a:endParaRPr lang="en-US"/>
+              <a:rPr lang="en-US" sz="2400" dirty="0"/>
+              <a:t> </a:t>
+            </a:r>
+            <a:r>
+              <a:rPr lang="en-US" sz="2400" dirty="0" smtClean="0">
+                <a:solidFill>
+                  <a:schemeClr val="accent2"/>
+                </a:solidFill>
+              </a:rPr>
+              <a:t>Control errors</a:t>
+            </a:r>
+            <a:r>
+              <a:rPr lang="en-US" sz="2400" dirty="0" smtClean="0"/>
+              <a:t>: You manage the display :  </a:t>
+            </a:r>
+            <a:br>
+              <a:rPr lang="en-US" sz="2400" dirty="0" smtClean="0"/>
+            </a:br>
+            <a:r>
+              <a:rPr lang="en-US" sz="2400" dirty="0" smtClean="0"/>
+              <a:t>	Use </a:t>
+            </a:r>
+            <a:r>
+              <a:rPr lang="en-US" sz="2400" dirty="0" smtClean="0">
+                <a:solidFill>
+                  <a:schemeClr val="accent2"/>
+                </a:solidFill>
+              </a:rPr>
+              <a:t>msgbox, $error[0].</a:t>
+            </a:r>
+            <a:r>
+              <a:rPr lang="en-US" sz="2400" dirty="0" err="1" smtClean="0">
+                <a:solidFill>
+                  <a:schemeClr val="accent2"/>
+                </a:solidFill>
+              </a:rPr>
+              <a:t>Exception.Message</a:t>
+            </a:r>
+            <a:endParaRPr lang="en-US" sz="2400" dirty="0" smtClean="0">
+              <a:solidFill>
+                <a:schemeClr val="accent2"/>
+              </a:solidFill>
+            </a:endParaRPr>
+          </a:p>
+          <a:p>
+            <a:pPr>
+              <a:buFont typeface="Arial" panose="020B0604020202020204" pitchFamily="34" charset="0"/>
+              <a:buChar char="•"/>
+            </a:pPr>
+            <a:r>
+              <a:rPr lang="en-US" sz="2400" dirty="0"/>
+              <a:t> </a:t>
+            </a:r>
+            <a:r>
+              <a:rPr lang="en-US" sz="2400" dirty="0" smtClean="0">
+                <a:solidFill>
+                  <a:schemeClr val="accent2"/>
+                </a:solidFill>
+              </a:rPr>
+              <a:t>Dialog result</a:t>
+            </a:r>
+            <a:r>
+              <a:rPr lang="en-US" sz="2400" dirty="0" smtClean="0"/>
+              <a:t> button property:  To control the button, set it to </a:t>
+            </a:r>
+            <a:r>
+              <a:rPr lang="en-US" sz="2400" b="1" dirty="0" smtClean="0"/>
+              <a:t>None</a:t>
+            </a:r>
+            <a:r>
+              <a:rPr lang="en-US" sz="2400" dirty="0" smtClean="0"/>
+              <a:t>.</a:t>
+            </a:r>
+          </a:p>
+          <a:p>
+            <a:pPr>
+              <a:buFont typeface="Arial" panose="020B0604020202020204" pitchFamily="34" charset="0"/>
+              <a:buChar char="•"/>
+            </a:pPr>
+            <a:r>
+              <a:rPr lang="en-US" sz="2400" dirty="0" smtClean="0"/>
+              <a:t>To format strings, use </a:t>
+            </a:r>
+            <a:r>
+              <a:rPr lang="en-US" sz="2400" dirty="0" smtClean="0">
+                <a:solidFill>
+                  <a:schemeClr val="accent2"/>
+                </a:solidFill>
+              </a:rPr>
+              <a:t>Out-String</a:t>
+            </a:r>
+            <a:r>
+              <a:rPr lang="en-US" sz="2400" dirty="0" smtClean="0"/>
+              <a:t> (converts objects into a single string)</a:t>
+            </a:r>
+          </a:p>
+          <a:p>
+            <a:pPr>
+              <a:buFont typeface="Arial" panose="020B0604020202020204" pitchFamily="34" charset="0"/>
+              <a:buChar char="•"/>
+            </a:pPr>
+            <a:r>
+              <a:rPr lang="en-US" sz="2400" dirty="0" smtClean="0"/>
+              <a:t>To display properties as strings, use </a:t>
+            </a:r>
+            <a:r>
+              <a:rPr lang="en-US" sz="2400" dirty="0" smtClean="0">
+                <a:solidFill>
+                  <a:schemeClr val="accent2"/>
+                </a:solidFill>
+              </a:rPr>
+              <a:t>substring</a:t>
+            </a:r>
+            <a:r>
+              <a:rPr lang="en-US" sz="2400" dirty="0" smtClean="0"/>
+              <a:t> $(...)</a:t>
+            </a:r>
+          </a:p>
+          <a:p>
+            <a:pPr>
+              <a:buFont typeface="Arial" panose="020B0604020202020204" pitchFamily="34" charset="0"/>
+              <a:buChar char="•"/>
+            </a:pPr>
+            <a:r>
+              <a:rPr lang="en-US" sz="2400" dirty="0" smtClean="0"/>
+              <a:t>To display </a:t>
+            </a:r>
+            <a:r>
+              <a:rPr lang="en-US" sz="2400" dirty="0" smtClean="0">
+                <a:solidFill>
+                  <a:schemeClr val="accent2"/>
+                </a:solidFill>
+              </a:rPr>
+              <a:t>monospace font</a:t>
+            </a:r>
+            <a:r>
+              <a:rPr lang="en-US" sz="2400" dirty="0" smtClean="0"/>
+              <a:t> in a textbox:</a:t>
+            </a:r>
+            <a:br>
+              <a:rPr lang="en-US" sz="2400" dirty="0" smtClean="0"/>
+            </a:br>
+            <a:r>
+              <a:rPr lang="en-US" sz="2400" dirty="0" smtClean="0"/>
+              <a:t>            Right-Click </a:t>
+            </a:r>
+            <a:r>
+              <a:rPr lang="en-US" sz="2400" dirty="0" smtClean="0">
+                <a:sym typeface="Wingdings" panose="05000000000000000000" pitchFamily="2" charset="2"/>
+              </a:rPr>
+              <a:t> Apply Property Set / Apply Console Font</a:t>
+            </a:r>
+            <a:r>
+              <a:rPr lang="en-US" sz="2400" dirty="0" smtClean="0"/>
+              <a:t>  </a:t>
+            </a:r>
+          </a:p>
+          <a:p>
+            <a:endParaRPr lang="en-US" dirty="0"/>
           </a:p>
         </p:txBody>
       </p:sp>
     </p:spTree>
     <p:extLst>
       <p:ext uri="{BB962C8B-B14F-4D97-AF65-F5344CB8AC3E}">
-        <p14:creationId xmlns:p14="http://schemas.microsoft.com/office/powerpoint/2010/main" val="2654660063"/>
+        <p14:creationId xmlns:p14="http://schemas.microsoft.com/office/powerpoint/2010/main" val="3827705658"/>
       </p:ext>
     </p:extLst>
   </p:cSld>
@@ -7009,18 +6568,10 @@
           <a:lstStyle/>
           <a:p>
             <a:r>
-              <a:rPr lang="en-US" dirty="0" smtClean="0"/>
-              <a:t>GUI </a:t>
-            </a:r>
-            <a:r>
-              <a:rPr lang="en-US" dirty="0" err="1" smtClean="0"/>
-              <a:t>CheatSheet</a:t>
-            </a:r>
-            <a:r>
-              <a:rPr lang="en-US" dirty="0" smtClean="0"/>
-              <a:t>:</a:t>
-            </a:r>
-            <a:endParaRPr lang="en-US" dirty="0"/>
+              <a:rPr lang="en-US" smtClean="0"/>
+              <a:t>References:  Thinking in Events</a:t>
+            </a:r>
+            <a:endParaRPr lang="en-US"/>
           </a:p>
         </p:txBody>
       </p:sp>
@@ -7033,232 +6584,246 @@
           <p:nvPr>
             <p:ph idx="1"/>
           </p:nvPr>
+        </p:nvSpPr>
+        <p:spPr/>
+        <p:txBody>
+          <a:bodyPr/>
+          <a:lstStyle/>
+          <a:p>
+            <a:endParaRPr lang="en-US" smtClean="0"/>
+          </a:p>
+          <a:p>
+            <a:endParaRPr lang="en-US"/>
+          </a:p>
+        </p:txBody>
+      </p:sp>
+      <p:sp>
+        <p:nvSpPr>
+          <p:cNvPr id="4" name="TextBox 3"/>
+          <p:cNvSpPr txBox="1"/>
+          <p:nvPr/>
         </p:nvSpPr>
         <p:spPr>
           <a:xfrm>
-            <a:off x="1083425" y="1845733"/>
-            <a:ext cx="10058400" cy="4319539"/>
+            <a:off x="1210236" y="1845734"/>
+            <a:ext cx="9502588" cy="5416868"/>
           </a:xfrm>
+          <a:prstGeom prst="rect">
+            <a:avLst/>
+          </a:prstGeom>
+          <a:noFill/>
         </p:spPr>
         <p:txBody>
-          <a:bodyPr/>
-          <a:lstStyle/>
-          <a:p>
-            <a:pPr>
-              <a:buFont typeface="Arial" panose="020B0604020202020204" pitchFamily="34" charset="0"/>
-              <a:buChar char="•"/>
-            </a:pPr>
-            <a:r>
-              <a:rPr lang="en-US" dirty="0" smtClean="0"/>
-              <a:t>  </a:t>
-            </a:r>
-            <a:r>
-              <a:rPr lang="en-US" sz="2400" dirty="0" smtClean="0">
-                <a:solidFill>
-                  <a:schemeClr val="accent2"/>
-                </a:solidFill>
-              </a:rPr>
-              <a:t>Think in events</a:t>
-            </a:r>
-            <a:r>
-              <a:rPr lang="en-US" sz="2400" dirty="0" smtClean="0"/>
-              <a:t>: Place the code in the event that should trigger it.</a:t>
-            </a:r>
-          </a:p>
-          <a:p>
-            <a:pPr>
-              <a:buFont typeface="Arial" panose="020B0604020202020204" pitchFamily="34" charset="0"/>
-              <a:buChar char="•"/>
-            </a:pPr>
-            <a:r>
-              <a:rPr lang="en-US" sz="2400" dirty="0"/>
-              <a:t> </a:t>
-            </a:r>
-            <a:r>
-              <a:rPr lang="en-US" sz="2400" dirty="0" smtClean="0">
-                <a:solidFill>
-                  <a:schemeClr val="accent2"/>
-                </a:solidFill>
-              </a:rPr>
-              <a:t>Control the output</a:t>
-            </a:r>
-            <a:r>
-              <a:rPr lang="en-US" sz="2400" dirty="0" smtClean="0"/>
-              <a:t>:  You manage the display</a:t>
-            </a:r>
-          </a:p>
-          <a:p>
-            <a:pPr>
-              <a:buFont typeface="Arial" panose="020B0604020202020204" pitchFamily="34" charset="0"/>
-              <a:buChar char="•"/>
-            </a:pPr>
-            <a:r>
-              <a:rPr lang="en-US" sz="2400" dirty="0"/>
-              <a:t> </a:t>
-            </a:r>
-            <a:r>
-              <a:rPr lang="en-US" sz="2400" dirty="0" smtClean="0">
-                <a:solidFill>
-                  <a:schemeClr val="accent2"/>
-                </a:solidFill>
-              </a:rPr>
-              <a:t>Control errors</a:t>
-            </a:r>
-            <a:r>
-              <a:rPr lang="en-US" sz="2400" dirty="0" smtClean="0"/>
-              <a:t>: You manage the display :  </a:t>
+          <a:bodyPr wrap="square" rtlCol="0">
+            <a:spAutoFit/>
+          </a:bodyPr>
+          <a:lstStyle/>
+          <a:p>
+            <a:r>
+              <a:rPr lang="en-US" sz="2000">
+                <a:solidFill>
+                  <a:srgbClr val="002060"/>
+                </a:solidFill>
+              </a:rPr>
+              <a:t>About Face:  The Essentials of Interactive Design (Sept. 2014)</a:t>
+            </a:r>
+          </a:p>
+          <a:p>
+            <a:r>
+              <a:rPr lang="en-US" sz="2000" smtClean="0">
+                <a:solidFill>
+                  <a:srgbClr val="002060"/>
+                </a:solidFill>
+              </a:rPr>
+              <a:t>GUI App Tutorials and Basics</a:t>
+            </a:r>
+          </a:p>
+          <a:p>
+            <a:pPr lvl="1"/>
+            <a:r>
+              <a:rPr lang="en-US" smtClean="0">
+                <a:hlinkClick r:id="rId3"/>
+              </a:rPr>
+              <a:t>Creating </a:t>
+            </a:r>
+            <a:r>
+              <a:rPr lang="en-US">
+                <a:hlinkClick r:id="rId3"/>
+              </a:rPr>
+              <a:t>a Basic </a:t>
+            </a:r>
+            <a:r>
+              <a:rPr lang="en-US" smtClean="0">
+                <a:hlinkClick r:id="rId3"/>
+              </a:rPr>
+              <a:t>GUI</a:t>
+            </a:r>
+            <a:endParaRPr lang="en-US" smtClean="0"/>
+          </a:p>
+          <a:p>
+            <a:pPr lvl="1"/>
+            <a:r>
+              <a:rPr lang="en-US" smtClean="0">
+                <a:hlinkClick r:id="rId4"/>
+              </a:rPr>
+              <a:t>Create a PowerShell GUI with a Fixed-Size UI</a:t>
+            </a:r>
+            <a:r>
+              <a:rPr lang="en-US" smtClean="0"/>
+              <a:t> (video)</a:t>
+            </a:r>
+            <a:endParaRPr lang="en-US"/>
+          </a:p>
+          <a:p>
+            <a:pPr lvl="1"/>
+            <a:r>
+              <a:rPr lang="en-US">
+                <a:hlinkClick r:id="rId5"/>
+              </a:rPr>
+              <a:t>Displaying Output in a GUI Application</a:t>
+            </a:r>
+            <a:endParaRPr lang="en-US"/>
+          </a:p>
+          <a:p>
+            <a:pPr lvl="1"/>
+            <a:r>
+              <a:rPr lang="en-US" smtClean="0">
+                <a:hlinkClick r:id="rId6"/>
+              </a:rPr>
+              <a:t>Managing </a:t>
+            </a:r>
+            <a:r>
+              <a:rPr lang="en-US">
+                <a:hlinkClick r:id="rId6"/>
+              </a:rPr>
+              <a:t>Errors in a GUI Application</a:t>
+            </a:r>
+            <a:endParaRPr lang="en-US"/>
+          </a:p>
+          <a:p>
+            <a:pPr lvl="1"/>
+            <a:r>
+              <a:rPr lang="en-US" smtClean="0">
+                <a:hlinkClick r:id="rId7"/>
+              </a:rPr>
+              <a:t>Understanding Streams, Redirection, and Write-Host</a:t>
+            </a:r>
+            <a:r>
+              <a:rPr lang="en-US" smtClean="0"/>
+              <a:t>  (update July 4, 2015)</a:t>
+            </a:r>
+          </a:p>
+          <a:p>
+            <a:pPr lvl="1"/>
+            <a:r>
+              <a:rPr lang="en-US" smtClean="0">
+                <a:hlinkClick r:id="rId8"/>
+              </a:rPr>
+              <a:t>Passing and Returning Values Using Forms</a:t>
+            </a:r>
+            <a:endParaRPr lang="en-US"/>
+          </a:p>
+          <a:p>
+            <a:pPr lvl="1"/>
+            <a:r>
+              <a:rPr lang="en-US">
+                <a:hlinkClick r:id="rId9" tooltip="Permanent Link: Creating a GUI for CSV Data"/>
+              </a:rPr>
+              <a:t>Creating a GUI for CSV Data</a:t>
+            </a:r>
+            <a:endParaRPr lang="en-US"/>
+          </a:p>
+          <a:p>
+            <a:pPr lvl="1"/>
+            <a:r>
+              <a:rPr lang="en-US" smtClean="0">
+                <a:hlinkClick r:id="rId10" tooltip="Permanent Link to Adding auto-complete to an input textbox"/>
+              </a:rPr>
+              <a:t>Adding Auto-Complete to an Input Textbox</a:t>
+            </a:r>
+            <a:endParaRPr lang="en-US" smtClean="0"/>
+          </a:p>
+          <a:p>
+            <a:pPr lvl="1"/>
+            <a:r>
+              <a:rPr lang="en-US">
+                <a:hlinkClick r:id="rId11" tooltip="Permanent Link to Copy to Clipboard in a GUI Application"/>
+              </a:rPr>
+              <a:t>Copy to Clipboard in a GUI </a:t>
+            </a:r>
+            <a:r>
+              <a:rPr lang="en-US" smtClean="0">
+                <a:hlinkClick r:id="rId11" tooltip="Permanent Link to Copy to Clipboard in a GUI Application"/>
+              </a:rPr>
+              <a:t>Application</a:t>
+            </a:r>
+            <a:r>
+              <a:rPr lang="en-US" smtClean="0"/>
+              <a:t/>
             </a:r>
             <a:br>
-              <a:rPr lang="en-US" sz="2400" dirty="0" smtClean="0"/>
+              <a:rPr lang="en-US" smtClean="0"/>
             </a:br>
             <a:r>
-              <a:rPr lang="en-US" sz="2400" dirty="0" smtClean="0"/>
-              <a:t>	Use </a:t>
-            </a:r>
-            <a:r>
-              <a:rPr lang="en-US" sz="2400" dirty="0" smtClean="0">
-                <a:solidFill>
-                  <a:schemeClr val="accent2"/>
-                </a:solidFill>
-              </a:rPr>
-              <a:t>msgbox, $error[0].</a:t>
-            </a:r>
-            <a:r>
-              <a:rPr lang="en-US" sz="2400" dirty="0" err="1" smtClean="0">
-                <a:solidFill>
-                  <a:schemeClr val="accent2"/>
-                </a:solidFill>
-              </a:rPr>
-              <a:t>Exception.Message</a:t>
-            </a:r>
-            <a:endParaRPr lang="en-US" sz="2400" dirty="0" smtClean="0">
-              <a:solidFill>
-                <a:schemeClr val="accent2"/>
-              </a:solidFill>
-            </a:endParaRPr>
-          </a:p>
-          <a:p>
-            <a:pPr>
-              <a:buFont typeface="Arial" panose="020B0604020202020204" pitchFamily="34" charset="0"/>
-              <a:buChar char="•"/>
-            </a:pPr>
-            <a:r>
-              <a:rPr lang="en-US" sz="2400" dirty="0"/>
-              <a:t> </a:t>
-            </a:r>
-            <a:r>
-              <a:rPr lang="en-US" sz="2400" dirty="0" smtClean="0">
-                <a:solidFill>
-                  <a:schemeClr val="accent2"/>
-                </a:solidFill>
-              </a:rPr>
-              <a:t>Dialog result</a:t>
-            </a:r>
-            <a:r>
-              <a:rPr lang="en-US" sz="2400" dirty="0" smtClean="0"/>
-              <a:t> button property:  To control the button, set it to </a:t>
-            </a:r>
-            <a:r>
-              <a:rPr lang="en-US" sz="2400" b="1" dirty="0" smtClean="0"/>
-              <a:t>None</a:t>
-            </a:r>
-            <a:r>
-              <a:rPr lang="en-US" sz="2400" dirty="0" smtClean="0"/>
-              <a:t>.</a:t>
-            </a:r>
-          </a:p>
-          <a:p>
-            <a:pPr>
-              <a:buFont typeface="Arial" panose="020B0604020202020204" pitchFamily="34" charset="0"/>
-              <a:buChar char="•"/>
-            </a:pPr>
-            <a:r>
-              <a:rPr lang="en-US" sz="2400" dirty="0" smtClean="0"/>
-              <a:t>To format strings, use </a:t>
-            </a:r>
-            <a:r>
-              <a:rPr lang="en-US" sz="2400" dirty="0" smtClean="0">
-                <a:solidFill>
-                  <a:schemeClr val="accent2"/>
-                </a:solidFill>
-              </a:rPr>
-              <a:t>Out-String</a:t>
-            </a:r>
-            <a:r>
-              <a:rPr lang="en-US" sz="2400" dirty="0" smtClean="0"/>
-              <a:t> (converts objects into a single string)</a:t>
-            </a:r>
-          </a:p>
-          <a:p>
-            <a:pPr>
-              <a:buFont typeface="Arial" panose="020B0604020202020204" pitchFamily="34" charset="0"/>
-              <a:buChar char="•"/>
-            </a:pPr>
-            <a:r>
-              <a:rPr lang="en-US" sz="2400" dirty="0" smtClean="0"/>
-              <a:t>To display properties as strings, use </a:t>
-            </a:r>
-            <a:r>
-              <a:rPr lang="en-US" sz="2400" dirty="0" smtClean="0">
-                <a:solidFill>
-                  <a:schemeClr val="accent2"/>
-                </a:solidFill>
-              </a:rPr>
-              <a:t>subexpression</a:t>
-            </a:r>
-            <a:r>
-              <a:rPr lang="en-US" sz="2400" dirty="0" smtClean="0"/>
-              <a:t> $(...)</a:t>
-            </a:r>
-          </a:p>
-          <a:p>
-            <a:pPr>
-              <a:buFont typeface="Arial" panose="020B0604020202020204" pitchFamily="34" charset="0"/>
-              <a:buChar char="•"/>
-            </a:pPr>
-            <a:r>
-              <a:rPr lang="en-US" sz="2400" dirty="0" smtClean="0"/>
-              <a:t>To display </a:t>
-            </a:r>
-            <a:r>
-              <a:rPr lang="en-US" sz="2400" dirty="0" smtClean="0">
-                <a:solidFill>
-                  <a:schemeClr val="accent2"/>
-                </a:solidFill>
-              </a:rPr>
-              <a:t>monospace font</a:t>
-            </a:r>
-            <a:r>
-              <a:rPr lang="en-US" sz="2400" dirty="0" smtClean="0"/>
-              <a:t> in a textbox:</a:t>
+              <a:rPr lang="en-US" smtClean="0">
+                <a:hlinkClick r:id="rId12"/>
+              </a:rPr>
+              <a:t>Typing Enter Pushes a Button</a:t>
+            </a:r>
+            <a:r>
+              <a:rPr lang="en-US" smtClean="0"/>
+              <a:t/>
             </a:r>
             <a:br>
-              <a:rPr lang="en-US" sz="2400" dirty="0" smtClean="0"/>
+              <a:rPr lang="en-US" smtClean="0"/>
             </a:br>
             <a:r>
-              <a:rPr lang="en-US" sz="2400" dirty="0" smtClean="0"/>
-              <a:t>            Right-Click </a:t>
-            </a:r>
-            <a:r>
-              <a:rPr lang="en-US" sz="2400" dirty="0" smtClean="0">
-                <a:sym typeface="Wingdings" panose="05000000000000000000" pitchFamily="2" charset="2"/>
-              </a:rPr>
-              <a:t> Apply Property Set / Apply Console Font</a:t>
-            </a:r>
-            <a:r>
-              <a:rPr lang="en-US" sz="2400" dirty="0" smtClean="0"/>
-              <a:t>  </a:t>
-            </a:r>
-          </a:p>
-          <a:p>
-            <a:endParaRPr lang="en-US" dirty="0"/>
+              <a:rPr lang="en-US" smtClean="0">
+                <a:hlinkClick r:id="rId13"/>
+              </a:rPr>
+              <a:t>Scope in a PowerShell GUI App</a:t>
+            </a:r>
+            <a:endParaRPr lang="en-US" smtClean="0"/>
+          </a:p>
+          <a:p>
+            <a:pPr lvl="1"/>
+            <a:r>
+              <a:rPr lang="en-US" smtClean="0">
+                <a:hlinkClick r:id="rId14"/>
+              </a:rPr>
+              <a:t>The Methods That Register Events</a:t>
+            </a:r>
+            <a:endParaRPr lang="en-US" smtClean="0"/>
+          </a:p>
+          <a:p>
+            <a:pPr lvl="1"/>
+            <a:r>
+              <a:rPr lang="en-US">
+                <a:hlinkClick r:id="rId15" tooltip="Permanent Link: PowerShell GUI Debugging Tip: Duplicate Event Handlers"/>
+              </a:rPr>
+              <a:t>PowerShell GUI Debugging Tip: Duplicate Event Handlers</a:t>
+            </a:r>
+            <a:endParaRPr lang="en-US"/>
+          </a:p>
+          <a:p>
+            <a:pPr lvl="1"/>
+            <a:endParaRPr lang="en-US" smtClean="0"/>
+          </a:p>
+          <a:p>
+            <a:endParaRPr lang="en-US" smtClean="0"/>
+          </a:p>
+          <a:p>
+            <a:endParaRPr lang="en-US"/>
+          </a:p>
+          <a:p>
+            <a:endParaRPr lang="en-US"/>
           </a:p>
         </p:txBody>
       </p:sp>
     </p:spTree>
     <p:extLst>
       <p:ext uri="{BB962C8B-B14F-4D97-AF65-F5344CB8AC3E}">
-        <p14:creationId xmlns:p14="http://schemas.microsoft.com/office/powerpoint/2010/main" val="3827705658"/>
+        <p14:creationId xmlns:p14="http://schemas.microsoft.com/office/powerpoint/2010/main" val="3029466621"/>
       </p:ext>
     </p:extLst>
   </p:cSld>
@@ -7276,6 +6841,533 @@
 </file>
 
 <file path=ppt/slides/slide2.xml><?xml version="1.0" encoding="utf-8"?>
+<p:sld xmlns:a="http://schemas.openxmlformats.org/drawingml/2006/main" xmlns:r="http://schemas.openxmlformats.org/officeDocument/2006/relationships" xmlns:p="http://schemas.openxmlformats.org/presentationml/2006/main">
+  <p:cSld>
+    <p:spTree>
+      <p:nvGrpSpPr>
+        <p:cNvPr id="1" name=""/>
+        <p:cNvGrpSpPr/>
+        <p:nvPr/>
+      </p:nvGrpSpPr>
+      <p:grpSpPr>
+        <a:xfrm>
+          <a:off x="0" y="0"/>
+          <a:ext cx="0" cy="0"/>
+          <a:chOff x="0" y="0"/>
+          <a:chExt cx="0" cy="0"/>
+        </a:xfrm>
+      </p:grpSpPr>
+      <p:pic>
+        <p:nvPicPr>
+          <p:cNvPr id="2" name="Picture 1"/>
+          <p:cNvPicPr>
+            <a:picLocks noChangeAspect="1"/>
+          </p:cNvPicPr>
+          <p:nvPr/>
+        </p:nvPicPr>
+        <p:blipFill>
+          <a:blip r:embed="rId2"/>
+          <a:stretch>
+            <a:fillRect/>
+          </a:stretch>
+        </p:blipFill>
+        <p:spPr>
+          <a:xfrm>
+            <a:off x="2708788" y="161532"/>
+            <a:ext cx="8269288" cy="6058687"/>
+          </a:xfrm>
+          <a:prstGeom prst="rect">
+            <a:avLst/>
+          </a:prstGeom>
+        </p:spPr>
+      </p:pic>
+      <p:sp>
+        <p:nvSpPr>
+          <p:cNvPr id="3" name="TextBox 2"/>
+          <p:cNvSpPr txBox="1"/>
+          <p:nvPr/>
+        </p:nvSpPr>
+        <p:spPr>
+          <a:xfrm>
+            <a:off x="341110" y="981076"/>
+            <a:ext cx="1692771" cy="1661993"/>
+          </a:xfrm>
+          <a:prstGeom prst="rect">
+            <a:avLst/>
+          </a:prstGeom>
+          <a:noFill/>
+        </p:spPr>
+        <p:txBody>
+          <a:bodyPr wrap="none" lIns="0" tIns="0" rIns="0" bIns="0" rtlCol="0">
+            <a:spAutoFit/>
+          </a:bodyPr>
+          <a:lstStyle/>
+          <a:p>
+            <a:r>
+              <a:rPr lang="en-US" sz="3600" dirty="0">
+                <a:gradFill>
+                  <a:gsLst>
+                    <a:gs pos="0">
+                      <a:schemeClr val="tx1"/>
+                    </a:gs>
+                    <a:gs pos="86000">
+                      <a:schemeClr val="tx1"/>
+                    </a:gs>
+                  </a:gsLst>
+                  <a:lin ang="5400000" scaled="0"/>
+                </a:gradFill>
+                <a:latin typeface="Segoe Light" pitchFamily="34" charset="0"/>
+              </a:rPr>
+              <a:t>SAPIEN</a:t>
+            </a:r>
+            <a:br>
+              <a:rPr lang="en-US" sz="3600" dirty="0">
+                <a:gradFill>
+                  <a:gsLst>
+                    <a:gs pos="0">
+                      <a:schemeClr val="tx1"/>
+                    </a:gs>
+                    <a:gs pos="86000">
+                      <a:schemeClr val="tx1"/>
+                    </a:gs>
+                  </a:gsLst>
+                  <a:lin ang="5400000" scaled="0"/>
+                </a:gradFill>
+                <a:latin typeface="Segoe Light" pitchFamily="34" charset="0"/>
+              </a:rPr>
+            </a:br>
+            <a:r>
+              <a:rPr lang="en-US" sz="3600" dirty="0">
+                <a:gradFill>
+                  <a:gsLst>
+                    <a:gs pos="0">
+                      <a:schemeClr val="tx1"/>
+                    </a:gs>
+                    <a:gs pos="86000">
+                      <a:schemeClr val="tx1"/>
+                    </a:gs>
+                  </a:gsLst>
+                  <a:lin ang="5400000" scaled="0"/>
+                </a:gradFill>
+                <a:latin typeface="Segoe Light" pitchFamily="34" charset="0"/>
+              </a:rPr>
+              <a:t>USB</a:t>
+            </a:r>
+            <a:br>
+              <a:rPr lang="en-US" sz="3600" dirty="0">
+                <a:gradFill>
+                  <a:gsLst>
+                    <a:gs pos="0">
+                      <a:schemeClr val="tx1"/>
+                    </a:gs>
+                    <a:gs pos="86000">
+                      <a:schemeClr val="tx1"/>
+                    </a:gs>
+                  </a:gsLst>
+                  <a:lin ang="5400000" scaled="0"/>
+                </a:gradFill>
+                <a:latin typeface="Segoe Light" pitchFamily="34" charset="0"/>
+              </a:rPr>
+            </a:br>
+            <a:r>
+              <a:rPr lang="en-US" sz="3600" dirty="0">
+                <a:gradFill>
+                  <a:gsLst>
+                    <a:gs pos="0">
+                      <a:schemeClr val="tx1"/>
+                    </a:gs>
+                    <a:gs pos="86000">
+                      <a:schemeClr val="tx1"/>
+                    </a:gs>
+                  </a:gsLst>
+                  <a:lin ang="5400000" scaled="0"/>
+                </a:gradFill>
+                <a:latin typeface="Segoe Light" pitchFamily="34" charset="0"/>
+              </a:rPr>
+              <a:t>Key</a:t>
+            </a:r>
+          </a:p>
+        </p:txBody>
+      </p:sp>
+      <p:pic>
+        <p:nvPicPr>
+          <p:cNvPr id="4" name="Picture 3"/>
+          <p:cNvPicPr>
+            <a:picLocks noChangeAspect="1"/>
+          </p:cNvPicPr>
+          <p:nvPr/>
+        </p:nvPicPr>
+        <p:blipFill>
+          <a:blip r:embed="rId3"/>
+          <a:stretch>
+            <a:fillRect/>
+          </a:stretch>
+        </p:blipFill>
+        <p:spPr>
+          <a:xfrm>
+            <a:off x="341110" y="3075531"/>
+            <a:ext cx="1913594" cy="1920356"/>
+          </a:xfrm>
+          <a:prstGeom prst="rect">
+            <a:avLst/>
+          </a:prstGeom>
+        </p:spPr>
+      </p:pic>
+      <p:pic>
+        <p:nvPicPr>
+          <p:cNvPr id="5" name="Picture 4"/>
+          <p:cNvPicPr>
+            <a:picLocks noChangeAspect="1"/>
+          </p:cNvPicPr>
+          <p:nvPr/>
+        </p:nvPicPr>
+        <p:blipFill>
+          <a:blip r:embed="rId4"/>
+          <a:stretch>
+            <a:fillRect/>
+          </a:stretch>
+        </p:blipFill>
+        <p:spPr>
+          <a:xfrm>
+            <a:off x="413514" y="3190875"/>
+            <a:ext cx="682110" cy="724742"/>
+          </a:xfrm>
+          <a:prstGeom prst="rect">
+            <a:avLst/>
+          </a:prstGeom>
+        </p:spPr>
+      </p:pic>
+    </p:spTree>
+    <p:extLst>
+      <p:ext uri="{BB962C8B-B14F-4D97-AF65-F5344CB8AC3E}">
+        <p14:creationId xmlns:p14="http://schemas.microsoft.com/office/powerpoint/2010/main" val="1349119994"/>
+      </p:ext>
+    </p:extLst>
+  </p:cSld>
+  <p:clrMapOvr>
+    <a:masterClrMapping/>
+  </p:clrMapOvr>
+  <mc:AlternateContent xmlns:mc="http://schemas.openxmlformats.org/markup-compatibility/2006" xmlns:p14="http://schemas.microsoft.com/office/powerpoint/2010/main">
+    <mc:Choice Requires="p14">
+      <p:transition spd="slow" p14:dur="2000"/>
+    </mc:Choice>
+    <mc:Fallback xmlns="">
+      <p:transition spd="slow"/>
+    </mc:Fallback>
+  </mc:AlternateContent>
+  <p:timing>
+    <p:tnLst>
+      <p:par>
+        <p:cTn id="1" dur="indefinite" restart="never" nodeType="tmRoot"/>
+      </p:par>
+    </p:tnLst>
+  </p:timing>
+</p:sld>
+</file>
+
+<file path=ppt/slides/slide20.xml><?xml version="1.0" encoding="utf-8"?>
+<p:sld xmlns:a="http://schemas.openxmlformats.org/drawingml/2006/main" xmlns:r="http://schemas.openxmlformats.org/officeDocument/2006/relationships" xmlns:p="http://schemas.openxmlformats.org/presentationml/2006/main">
+  <p:cSld>
+    <p:spTree>
+      <p:nvGrpSpPr>
+        <p:cNvPr id="1" name=""/>
+        <p:cNvGrpSpPr/>
+        <p:nvPr/>
+      </p:nvGrpSpPr>
+      <p:grpSpPr>
+        <a:xfrm>
+          <a:off x="0" y="0"/>
+          <a:ext cx="0" cy="0"/>
+          <a:chOff x="0" y="0"/>
+          <a:chExt cx="0" cy="0"/>
+        </a:xfrm>
+      </p:grpSpPr>
+      <p:sp>
+        <p:nvSpPr>
+          <p:cNvPr id="2" name="Title 1"/>
+          <p:cNvSpPr>
+            <a:spLocks noGrp="1"/>
+          </p:cNvSpPr>
+          <p:nvPr>
+            <p:ph type="title"/>
+          </p:nvPr>
+        </p:nvSpPr>
+        <p:spPr>
+          <a:xfrm>
+            <a:off x="114055" y="188280"/>
+            <a:ext cx="10058400" cy="716287"/>
+          </a:xfrm>
+        </p:spPr>
+        <p:txBody>
+          <a:bodyPr/>
+          <a:lstStyle/>
+          <a:p>
+            <a:r>
+              <a:rPr lang="en-US" dirty="0" smtClean="0"/>
+              <a:t>PowerShell GUIs: Where do I start?</a:t>
+            </a:r>
+            <a:endParaRPr lang="en-US" dirty="0"/>
+          </a:p>
+        </p:txBody>
+      </p:sp>
+      <p:pic>
+        <p:nvPicPr>
+          <p:cNvPr id="5" name="Picture 4"/>
+          <p:cNvPicPr>
+            <a:picLocks noChangeAspect="1"/>
+          </p:cNvPicPr>
+          <p:nvPr/>
+        </p:nvPicPr>
+        <p:blipFill>
+          <a:blip r:embed="rId2"/>
+          <a:stretch>
+            <a:fillRect/>
+          </a:stretch>
+        </p:blipFill>
+        <p:spPr>
+          <a:xfrm>
+            <a:off x="368709" y="821607"/>
+            <a:ext cx="6400800" cy="5372100"/>
+          </a:xfrm>
+          <a:prstGeom prst="rect">
+            <a:avLst/>
+          </a:prstGeom>
+        </p:spPr>
+      </p:pic>
+      <p:sp>
+        <p:nvSpPr>
+          <p:cNvPr id="6" name="Rectangle 5"/>
+          <p:cNvSpPr/>
+          <p:nvPr/>
+        </p:nvSpPr>
+        <p:spPr>
+          <a:xfrm>
+            <a:off x="3362632" y="1277034"/>
+            <a:ext cx="8445910" cy="369332"/>
+          </a:xfrm>
+          <a:prstGeom prst="rect">
+            <a:avLst/>
+          </a:prstGeom>
+        </p:spPr>
+        <p:txBody>
+          <a:bodyPr wrap="square">
+            <a:spAutoFit/>
+          </a:bodyPr>
+          <a:lstStyle/>
+          <a:p>
+            <a:r>
+              <a:rPr lang="en-US" dirty="0">
+                <a:solidFill>
+                  <a:srgbClr val="000000"/>
+                </a:solidFill>
+                <a:latin typeface="Segoe UI" panose="020B0502040204020203" pitchFamily="34" charset="0"/>
+                <a:hlinkClick r:id="rId3"/>
+              </a:rPr>
+              <a:t>https://www.sapien.com/blog/2015/07/16/powershell-guis-where-do-i-start/</a:t>
+            </a:r>
+            <a:endParaRPr lang="en-US" dirty="0"/>
+          </a:p>
+        </p:txBody>
+      </p:sp>
+    </p:spTree>
+    <p:extLst>
+      <p:ext uri="{BB962C8B-B14F-4D97-AF65-F5344CB8AC3E}">
+        <p14:creationId xmlns:p14="http://schemas.microsoft.com/office/powerpoint/2010/main" val="750034505"/>
+      </p:ext>
+    </p:extLst>
+  </p:cSld>
+  <p:clrMapOvr>
+    <a:masterClrMapping/>
+  </p:clrMapOvr>
+  <p:timing>
+    <p:tnLst>
+      <p:par>
+        <p:cTn id="1" dur="indefinite" restart="never" nodeType="tmRoot"/>
+      </p:par>
+    </p:tnLst>
+  </p:timing>
+</p:sld>
+</file>
+
+<file path=ppt/slides/slide21.xml><?xml version="1.0" encoding="utf-8"?>
+<p:sld xmlns:a="http://schemas.openxmlformats.org/drawingml/2006/main" xmlns:r="http://schemas.openxmlformats.org/officeDocument/2006/relationships" xmlns:p="http://schemas.openxmlformats.org/presentationml/2006/main">
+  <p:cSld>
+    <p:spTree>
+      <p:nvGrpSpPr>
+        <p:cNvPr id="1" name=""/>
+        <p:cNvGrpSpPr/>
+        <p:nvPr/>
+      </p:nvGrpSpPr>
+      <p:grpSpPr>
+        <a:xfrm>
+          <a:off x="0" y="0"/>
+          <a:ext cx="0" cy="0"/>
+          <a:chOff x="0" y="0"/>
+          <a:chExt cx="0" cy="0"/>
+        </a:xfrm>
+      </p:grpSpPr>
+      <p:pic>
+        <p:nvPicPr>
+          <p:cNvPr id="2" name="Picture 1"/>
+          <p:cNvPicPr>
+            <a:picLocks noChangeAspect="1"/>
+          </p:cNvPicPr>
+          <p:nvPr/>
+        </p:nvPicPr>
+        <p:blipFill>
+          <a:blip r:embed="rId2"/>
+          <a:stretch>
+            <a:fillRect/>
+          </a:stretch>
+        </p:blipFill>
+        <p:spPr>
+          <a:xfrm>
+            <a:off x="163206" y="171306"/>
+            <a:ext cx="11654992" cy="5554245"/>
+          </a:xfrm>
+          <a:prstGeom prst="rect">
+            <a:avLst/>
+          </a:prstGeom>
+        </p:spPr>
+      </p:pic>
+    </p:spTree>
+    <p:extLst>
+      <p:ext uri="{BB962C8B-B14F-4D97-AF65-F5344CB8AC3E}">
+        <p14:creationId xmlns:p14="http://schemas.microsoft.com/office/powerpoint/2010/main" val="414181672"/>
+      </p:ext>
+    </p:extLst>
+  </p:cSld>
+  <p:clrMapOvr>
+    <a:masterClrMapping/>
+  </p:clrMapOvr>
+  <p:timing>
+    <p:tnLst>
+      <p:par>
+        <p:cTn id="1" dur="indefinite" restart="never" nodeType="tmRoot"/>
+      </p:par>
+    </p:tnLst>
+  </p:timing>
+</p:sld>
+</file>
+
+<file path=ppt/slides/slide22.xml><?xml version="1.0" encoding="utf-8"?>
+<p:sld xmlns:a="http://schemas.openxmlformats.org/drawingml/2006/main" xmlns:r="http://schemas.openxmlformats.org/officeDocument/2006/relationships" xmlns:p="http://schemas.openxmlformats.org/presentationml/2006/main">
+  <p:cSld>
+    <p:spTree>
+      <p:nvGrpSpPr>
+        <p:cNvPr id="1" name=""/>
+        <p:cNvGrpSpPr/>
+        <p:nvPr/>
+      </p:nvGrpSpPr>
+      <p:grpSpPr>
+        <a:xfrm>
+          <a:off x="0" y="0"/>
+          <a:ext cx="0" cy="0"/>
+          <a:chOff x="0" y="0"/>
+          <a:chExt cx="0" cy="0"/>
+        </a:xfrm>
+      </p:grpSpPr>
+      <p:sp>
+        <p:nvSpPr>
+          <p:cNvPr id="2" name="Title 1"/>
+          <p:cNvSpPr>
+            <a:spLocks noGrp="1"/>
+          </p:cNvSpPr>
+          <p:nvPr>
+            <p:ph type="ctrTitle"/>
+          </p:nvPr>
+        </p:nvSpPr>
+        <p:spPr/>
+        <p:txBody>
+          <a:bodyPr/>
+          <a:lstStyle/>
+          <a:p>
+            <a:r>
+              <a:rPr lang="en-US" smtClean="0"/>
+              <a:t>Thinking in Events</a:t>
+            </a:r>
+            <a:endParaRPr lang="en-US"/>
+          </a:p>
+        </p:txBody>
+      </p:sp>
+      <p:sp>
+        <p:nvSpPr>
+          <p:cNvPr id="3" name="Subtitle 2"/>
+          <p:cNvSpPr>
+            <a:spLocks noGrp="1"/>
+          </p:cNvSpPr>
+          <p:nvPr>
+            <p:ph type="subTitle" idx="1"/>
+          </p:nvPr>
+        </p:nvSpPr>
+        <p:spPr/>
+        <p:txBody>
+          <a:bodyPr>
+            <a:normAutofit fontScale="77500" lnSpcReduction="20000"/>
+          </a:bodyPr>
+          <a:lstStyle/>
+          <a:p>
+            <a:r>
+              <a:rPr lang="en-US" smtClean="0"/>
+              <a:t/>
+            </a:r>
+            <a:br>
+              <a:rPr lang="en-US" smtClean="0"/>
+            </a:br>
+            <a:r>
+              <a:rPr lang="en-US" smtClean="0"/>
+              <a:t>June Blender</a:t>
+            </a:r>
+            <a:br>
+              <a:rPr lang="en-US" smtClean="0"/>
+            </a:br>
+            <a:r>
+              <a:rPr lang="en-US" smtClean="0"/>
+              <a:t>Technology Evangelist</a:t>
+            </a:r>
+            <a:br>
+              <a:rPr lang="en-US" smtClean="0"/>
+            </a:br>
+            <a:r>
+              <a:rPr lang="en-US" smtClean="0"/>
+              <a:t>Sapien Technologies, Inc</a:t>
+            </a:r>
+            <a:br>
+              <a:rPr lang="en-US" smtClean="0"/>
+            </a:br>
+            <a:r>
+              <a:rPr lang="en-US" smtClean="0"/>
+              <a:t>juneb@Sapien.com, @</a:t>
+            </a:r>
+            <a:r>
+              <a:rPr lang="en-US" cap="none" smtClean="0"/>
+              <a:t>juneb_get_help</a:t>
+            </a:r>
+            <a:endParaRPr lang="en-US" smtClean="0"/>
+          </a:p>
+        </p:txBody>
+      </p:sp>
+    </p:spTree>
+    <p:extLst>
+      <p:ext uri="{BB962C8B-B14F-4D97-AF65-F5344CB8AC3E}">
+        <p14:creationId xmlns:p14="http://schemas.microsoft.com/office/powerpoint/2010/main" val="1271912163"/>
+      </p:ext>
+    </p:extLst>
+  </p:cSld>
+  <p:clrMapOvr>
+    <a:masterClrMapping/>
+  </p:clrMapOvr>
+  <p:timing>
+    <p:tnLst>
+      <p:par>
+        <p:cTn id="1" dur="indefinite" restart="never" nodeType="tmRoot"/>
+      </p:par>
+    </p:tnLst>
+  </p:timing>
+</p:sld>
+</file>
+
+<file path=ppt/slides/slide3.xml><?xml version="1.0" encoding="utf-8"?>
 <p:sld xmlns:a="http://schemas.openxmlformats.org/drawingml/2006/main" xmlns:r="http://schemas.openxmlformats.org/officeDocument/2006/relationships" xmlns:p="http://schemas.openxmlformats.org/presentationml/2006/main">
   <p:cSld>
     <p:spTree>
@@ -7556,1205 +7648,7 @@
 </p:sld>
 </file>
 
-<file path=ppt/slides/slide20.xml><?xml version="1.0" encoding="utf-8"?>
-<p:sld xmlns:a="http://schemas.openxmlformats.org/drawingml/2006/main" xmlns:r="http://schemas.openxmlformats.org/officeDocument/2006/relationships" xmlns:p="http://schemas.openxmlformats.org/presentationml/2006/main">
-  <p:cSld>
-    <p:spTree>
-      <p:nvGrpSpPr>
-        <p:cNvPr id="1" name=""/>
-        <p:cNvGrpSpPr/>
-        <p:nvPr/>
-      </p:nvGrpSpPr>
-      <p:grpSpPr>
-        <a:xfrm>
-          <a:off x="0" y="0"/>
-          <a:ext cx="0" cy="0"/>
-          <a:chOff x="0" y="0"/>
-          <a:chExt cx="0" cy="0"/>
-        </a:xfrm>
-      </p:grpSpPr>
-      <p:sp>
-        <p:nvSpPr>
-          <p:cNvPr id="2" name="Title 1"/>
-          <p:cNvSpPr>
-            <a:spLocks noGrp="1"/>
-          </p:cNvSpPr>
-          <p:nvPr>
-            <p:ph type="title"/>
-          </p:nvPr>
-        </p:nvSpPr>
-        <p:spPr/>
-        <p:txBody>
-          <a:bodyPr/>
-          <a:lstStyle/>
-          <a:p>
-            <a:r>
-              <a:rPr lang="en-US" smtClean="0"/>
-              <a:t>Part 1:  Simple GUI -&gt; Out-GridView</a:t>
-            </a:r>
-            <a:endParaRPr lang="en-US"/>
-          </a:p>
-        </p:txBody>
-      </p:sp>
-      <p:sp>
-        <p:nvSpPr>
-          <p:cNvPr id="3" name="Content Placeholder 2"/>
-          <p:cNvSpPr>
-            <a:spLocks noGrp="1"/>
-          </p:cNvSpPr>
-          <p:nvPr>
-            <p:ph idx="1"/>
-          </p:nvPr>
-        </p:nvSpPr>
-        <p:spPr/>
-        <p:txBody>
-          <a:bodyPr/>
-          <a:lstStyle/>
-          <a:p>
-            <a:endParaRPr lang="en-US" smtClean="0"/>
-          </a:p>
-          <a:p>
-            <a:r>
-              <a:rPr lang="en-US" sz="3200" smtClean="0">
-                <a:solidFill>
-                  <a:schemeClr val="tx2"/>
-                </a:solidFill>
-              </a:rPr>
-              <a:t>Input :		</a:t>
-            </a:r>
-            <a:r>
-              <a:rPr lang="en-US" sz="3200" smtClean="0">
-                <a:solidFill>
-                  <a:srgbClr val="0070C0"/>
-                </a:solidFill>
-              </a:rPr>
-              <a:t>Textbox, Buttons</a:t>
-            </a:r>
-          </a:p>
-          <a:p>
-            <a:r>
-              <a:rPr lang="en-US" sz="3200" smtClean="0">
-                <a:solidFill>
-                  <a:schemeClr val="tx2"/>
-                </a:solidFill>
-              </a:rPr>
-              <a:t>Processing: 	</a:t>
-            </a:r>
-            <a:r>
-              <a:rPr lang="en-US" sz="3200" smtClean="0">
-                <a:solidFill>
-                  <a:srgbClr val="0070C0"/>
-                </a:solidFill>
-              </a:rPr>
-              <a:t>Script</a:t>
-            </a:r>
-          </a:p>
-          <a:p>
-            <a:r>
-              <a:rPr lang="en-US" sz="3200" smtClean="0">
-                <a:solidFill>
-                  <a:schemeClr val="tx2"/>
-                </a:solidFill>
-              </a:rPr>
-              <a:t>Output: </a:t>
-            </a:r>
-            <a:r>
-              <a:rPr lang="en-US" sz="3200" smtClean="0"/>
-              <a:t>		</a:t>
-            </a:r>
-            <a:r>
-              <a:rPr lang="en-US" sz="3200" smtClean="0">
-                <a:solidFill>
-                  <a:srgbClr val="0070C0"/>
-                </a:solidFill>
-              </a:rPr>
-              <a:t>Out-GridView</a:t>
-            </a:r>
-          </a:p>
-          <a:p>
-            <a:endParaRPr lang="en-US"/>
-          </a:p>
-          <a:p>
-            <a:pPr marL="0" indent="0">
-              <a:buNone/>
-            </a:pPr>
-            <a:endParaRPr lang="en-US"/>
-          </a:p>
-        </p:txBody>
-      </p:sp>
-    </p:spTree>
-    <p:extLst>
-      <p:ext uri="{BB962C8B-B14F-4D97-AF65-F5344CB8AC3E}">
-        <p14:creationId xmlns:p14="http://schemas.microsoft.com/office/powerpoint/2010/main" val="3058146967"/>
-      </p:ext>
-    </p:extLst>
-  </p:cSld>
-  <p:clrMapOvr>
-    <a:masterClrMapping/>
-  </p:clrMapOvr>
-  <p:timing>
-    <p:tnLst>
-      <p:par>
-        <p:cTn id="1" dur="indefinite" restart="never" nodeType="tmRoot"/>
-      </p:par>
-    </p:tnLst>
-  </p:timing>
-</p:sld>
-</file>
-
-<file path=ppt/slides/slide21.xml><?xml version="1.0" encoding="utf-8"?>
-<p:sld xmlns:a="http://schemas.openxmlformats.org/drawingml/2006/main" xmlns:r="http://schemas.openxmlformats.org/officeDocument/2006/relationships" xmlns:p="http://schemas.openxmlformats.org/presentationml/2006/main">
-  <p:cSld>
-    <p:spTree>
-      <p:nvGrpSpPr>
-        <p:cNvPr id="1" name=""/>
-        <p:cNvGrpSpPr/>
-        <p:nvPr/>
-      </p:nvGrpSpPr>
-      <p:grpSpPr>
-        <a:xfrm>
-          <a:off x="0" y="0"/>
-          <a:ext cx="0" cy="0"/>
-          <a:chOff x="0" y="0"/>
-          <a:chExt cx="0" cy="0"/>
-        </a:xfrm>
-      </p:grpSpPr>
-      <p:sp>
-        <p:nvSpPr>
-          <p:cNvPr id="5" name="Title 1"/>
-          <p:cNvSpPr>
-            <a:spLocks noGrp="1"/>
-          </p:cNvSpPr>
-          <p:nvPr>
-            <p:ph type="title"/>
-          </p:nvPr>
-        </p:nvSpPr>
-        <p:spPr/>
-        <p:txBody>
-          <a:bodyPr/>
-          <a:lstStyle/>
-          <a:p>
-            <a:r>
-              <a:rPr lang="en-US" smtClean="0"/>
-              <a:t>Simple GUI -&gt; Out-GridView</a:t>
-            </a:r>
-            <a:endParaRPr lang="en-US"/>
-          </a:p>
-        </p:txBody>
-      </p:sp>
-      <p:pic>
-        <p:nvPicPr>
-          <p:cNvPr id="6" name="Picture 5"/>
-          <p:cNvPicPr>
-            <a:picLocks noChangeAspect="1"/>
-          </p:cNvPicPr>
-          <p:nvPr/>
-        </p:nvPicPr>
-        <p:blipFill>
-          <a:blip r:embed="rId3"/>
-          <a:stretch>
-            <a:fillRect/>
-          </a:stretch>
-        </p:blipFill>
-        <p:spPr>
-          <a:xfrm>
-            <a:off x="1266825" y="1939955"/>
-            <a:ext cx="6962775" cy="4239860"/>
-          </a:xfrm>
-          <a:prstGeom prst="rect">
-            <a:avLst/>
-          </a:prstGeom>
-        </p:spPr>
-      </p:pic>
-    </p:spTree>
-    <p:extLst>
-      <p:ext uri="{BB962C8B-B14F-4D97-AF65-F5344CB8AC3E}">
-        <p14:creationId xmlns:p14="http://schemas.microsoft.com/office/powerpoint/2010/main" val="111907185"/>
-      </p:ext>
-    </p:extLst>
-  </p:cSld>
-  <p:clrMapOvr>
-    <a:masterClrMapping/>
-  </p:clrMapOvr>
-  <p:timing>
-    <p:tnLst>
-      <p:par>
-        <p:cTn id="1" dur="indefinite" restart="never" nodeType="tmRoot"/>
-      </p:par>
-    </p:tnLst>
-  </p:timing>
-</p:sld>
-</file>
-
-<file path=ppt/slides/slide22.xml><?xml version="1.0" encoding="utf-8"?>
-<p:sld xmlns:a="http://schemas.openxmlformats.org/drawingml/2006/main" xmlns:r="http://schemas.openxmlformats.org/officeDocument/2006/relationships" xmlns:p="http://schemas.openxmlformats.org/presentationml/2006/main">
-  <p:cSld>
-    <p:spTree>
-      <p:nvGrpSpPr>
-        <p:cNvPr id="1" name=""/>
-        <p:cNvGrpSpPr/>
-        <p:nvPr/>
-      </p:nvGrpSpPr>
-      <p:grpSpPr>
-        <a:xfrm>
-          <a:off x="0" y="0"/>
-          <a:ext cx="0" cy="0"/>
-          <a:chOff x="0" y="0"/>
-          <a:chExt cx="0" cy="0"/>
-        </a:xfrm>
-      </p:grpSpPr>
-      <p:sp>
-        <p:nvSpPr>
-          <p:cNvPr id="2" name="Title 1"/>
-          <p:cNvSpPr>
-            <a:spLocks noGrp="1"/>
-          </p:cNvSpPr>
-          <p:nvPr>
-            <p:ph type="title"/>
-          </p:nvPr>
-        </p:nvSpPr>
-        <p:spPr/>
-        <p:txBody>
-          <a:bodyPr>
-            <a:normAutofit fontScale="90000"/>
-          </a:bodyPr>
-          <a:lstStyle/>
-          <a:p>
-            <a:r>
-              <a:rPr lang="en-US" dirty="0" smtClean="0"/>
-              <a:t>Slides &amp; Code: http://GitHub.com/juneb/ThinkingInEvents</a:t>
-            </a:r>
-            <a:endParaRPr lang="en-US" dirty="0"/>
-          </a:p>
-        </p:txBody>
-      </p:sp>
-      <p:pic>
-        <p:nvPicPr>
-          <p:cNvPr id="4" name="Content Placeholder 3"/>
-          <p:cNvPicPr>
-            <a:picLocks noGrp="1" noChangeAspect="1"/>
-          </p:cNvPicPr>
-          <p:nvPr>
-            <p:ph idx="1"/>
-          </p:nvPr>
-        </p:nvPicPr>
-        <p:blipFill>
-          <a:blip r:embed="rId2"/>
-          <a:stretch>
-            <a:fillRect/>
-          </a:stretch>
-        </p:blipFill>
-        <p:spPr>
-          <a:xfrm>
-            <a:off x="1097280" y="1860330"/>
-            <a:ext cx="7132320" cy="4245927"/>
-          </a:xfrm>
-          <a:prstGeom prst="rect">
-            <a:avLst/>
-          </a:prstGeom>
-        </p:spPr>
-      </p:pic>
-    </p:spTree>
-    <p:extLst>
-      <p:ext uri="{BB962C8B-B14F-4D97-AF65-F5344CB8AC3E}">
-        <p14:creationId xmlns:p14="http://schemas.microsoft.com/office/powerpoint/2010/main" val="3037600522"/>
-      </p:ext>
-    </p:extLst>
-  </p:cSld>
-  <p:clrMapOvr>
-    <a:masterClrMapping/>
-  </p:clrMapOvr>
-  <p:timing>
-    <p:tnLst>
-      <p:par>
-        <p:cTn id="1" dur="indefinite" restart="never" nodeType="tmRoot"/>
-      </p:par>
-    </p:tnLst>
-  </p:timing>
-</p:sld>
-</file>
-
-<file path=ppt/slides/slide23.xml><?xml version="1.0" encoding="utf-8"?>
-<p:sld xmlns:a="http://schemas.openxmlformats.org/drawingml/2006/main" xmlns:r="http://schemas.openxmlformats.org/officeDocument/2006/relationships" xmlns:p="http://schemas.openxmlformats.org/presentationml/2006/main">
-  <p:cSld>
-    <p:spTree>
-      <p:nvGrpSpPr>
-        <p:cNvPr id="1" name=""/>
-        <p:cNvGrpSpPr/>
-        <p:nvPr/>
-      </p:nvGrpSpPr>
-      <p:grpSpPr>
-        <a:xfrm>
-          <a:off x="0" y="0"/>
-          <a:ext cx="0" cy="0"/>
-          <a:chOff x="0" y="0"/>
-          <a:chExt cx="0" cy="0"/>
-        </a:xfrm>
-      </p:grpSpPr>
-      <p:sp>
-        <p:nvSpPr>
-          <p:cNvPr id="2" name="Title 1"/>
-          <p:cNvSpPr>
-            <a:spLocks noGrp="1"/>
-          </p:cNvSpPr>
-          <p:nvPr>
-            <p:ph type="title"/>
-          </p:nvPr>
-        </p:nvSpPr>
-        <p:spPr/>
-        <p:txBody>
-          <a:bodyPr/>
-          <a:lstStyle/>
-          <a:p>
-            <a:r>
-              <a:rPr lang="en-US" smtClean="0"/>
-              <a:t>References:  Thinking in Events</a:t>
-            </a:r>
-            <a:endParaRPr lang="en-US"/>
-          </a:p>
-        </p:txBody>
-      </p:sp>
-      <p:sp>
-        <p:nvSpPr>
-          <p:cNvPr id="3" name="Content Placeholder 2"/>
-          <p:cNvSpPr>
-            <a:spLocks noGrp="1"/>
-          </p:cNvSpPr>
-          <p:nvPr>
-            <p:ph idx="1"/>
-          </p:nvPr>
-        </p:nvSpPr>
-        <p:spPr/>
-        <p:txBody>
-          <a:bodyPr/>
-          <a:lstStyle/>
-          <a:p>
-            <a:endParaRPr lang="en-US" smtClean="0"/>
-          </a:p>
-          <a:p>
-            <a:endParaRPr lang="en-US"/>
-          </a:p>
-        </p:txBody>
-      </p:sp>
-      <p:sp>
-        <p:nvSpPr>
-          <p:cNvPr id="4" name="TextBox 3"/>
-          <p:cNvSpPr txBox="1"/>
-          <p:nvPr/>
-        </p:nvSpPr>
-        <p:spPr>
-          <a:xfrm>
-            <a:off x="1210236" y="2088776"/>
-            <a:ext cx="9502588" cy="5109091"/>
-          </a:xfrm>
-          <a:prstGeom prst="rect">
-            <a:avLst/>
-          </a:prstGeom>
-          <a:noFill/>
-        </p:spPr>
-        <p:txBody>
-          <a:bodyPr wrap="square" rtlCol="0">
-            <a:spAutoFit/>
-          </a:bodyPr>
-          <a:lstStyle/>
-          <a:p>
-            <a:r>
-              <a:rPr lang="en-US" sz="2000" smtClean="0">
-                <a:solidFill>
-                  <a:srgbClr val="002060"/>
-                </a:solidFill>
-              </a:rPr>
-              <a:t>GUI App Tutorials and Basics</a:t>
-            </a:r>
-          </a:p>
-          <a:p>
-            <a:pPr lvl="1"/>
-            <a:r>
-              <a:rPr lang="en-US" smtClean="0">
-                <a:hlinkClick r:id="rId3"/>
-              </a:rPr>
-              <a:t>Creating </a:t>
-            </a:r>
-            <a:r>
-              <a:rPr lang="en-US">
-                <a:hlinkClick r:id="rId3"/>
-              </a:rPr>
-              <a:t>a Basic GUI</a:t>
-            </a:r>
-            <a:endParaRPr lang="en-US"/>
-          </a:p>
-          <a:p>
-            <a:pPr lvl="1"/>
-            <a:r>
-              <a:rPr lang="en-US">
-                <a:hlinkClick r:id="rId4"/>
-              </a:rPr>
-              <a:t>Displaying Output in a GUI Application</a:t>
-            </a:r>
-            <a:endParaRPr lang="en-US"/>
-          </a:p>
-          <a:p>
-            <a:pPr lvl="1"/>
-            <a:r>
-              <a:rPr lang="en-US" smtClean="0">
-                <a:hlinkClick r:id="rId5"/>
-              </a:rPr>
-              <a:t>Managing </a:t>
-            </a:r>
-            <a:r>
-              <a:rPr lang="en-US">
-                <a:hlinkClick r:id="rId5"/>
-              </a:rPr>
-              <a:t>Errors in a GUI Application</a:t>
-            </a:r>
-            <a:endParaRPr lang="en-US"/>
-          </a:p>
-          <a:p>
-            <a:pPr lvl="1"/>
-            <a:r>
-              <a:rPr lang="en-US" smtClean="0">
-                <a:hlinkClick r:id="rId6"/>
-              </a:rPr>
-              <a:t>Understanding Streams, Redirection, and Write-Host</a:t>
-            </a:r>
-            <a:r>
-              <a:rPr lang="en-US" smtClean="0"/>
-              <a:t>  (update July 4, 2015)</a:t>
-            </a:r>
-          </a:p>
-          <a:p>
-            <a:pPr lvl="1"/>
-            <a:r>
-              <a:rPr lang="en-US" smtClean="0">
-                <a:hlinkClick r:id="rId7"/>
-              </a:rPr>
-              <a:t>Passing and Returning Values Using Forms</a:t>
-            </a:r>
-            <a:endParaRPr lang="en-US"/>
-          </a:p>
-          <a:p>
-            <a:pPr lvl="1"/>
-            <a:r>
-              <a:rPr lang="en-US">
-                <a:hlinkClick r:id="rId8" tooltip="Permanent Link: Creating a GUI for CSV Data"/>
-              </a:rPr>
-              <a:t>Creating a GUI for CSV Data</a:t>
-            </a:r>
-            <a:endParaRPr lang="en-US"/>
-          </a:p>
-          <a:p>
-            <a:pPr lvl="1"/>
-            <a:r>
-              <a:rPr lang="en-US" smtClean="0">
-                <a:hlinkClick r:id="rId9" tooltip="Permanent Link to Adding auto-complete to an input textbox"/>
-              </a:rPr>
-              <a:t>Adding Auto-Complete to an Input Textbox</a:t>
-            </a:r>
-            <a:endParaRPr lang="en-US" smtClean="0"/>
-          </a:p>
-          <a:p>
-            <a:pPr lvl="1"/>
-            <a:r>
-              <a:rPr lang="en-US">
-                <a:hlinkClick r:id="rId10" tooltip="Permanent Link to Copy to Clipboard in a GUI Application"/>
-              </a:rPr>
-              <a:t>Copy to Clipboard in a GUI </a:t>
-            </a:r>
-            <a:r>
-              <a:rPr lang="en-US" smtClean="0">
-                <a:hlinkClick r:id="rId10" tooltip="Permanent Link to Copy to Clipboard in a GUI Application"/>
-              </a:rPr>
-              <a:t>Application</a:t>
-            </a:r>
-            <a:r>
-              <a:rPr lang="en-US" smtClean="0"/>
-              <a:t/>
-            </a:r>
-            <a:br>
-              <a:rPr lang="en-US" smtClean="0"/>
-            </a:br>
-            <a:r>
-              <a:rPr lang="en-US" smtClean="0">
-                <a:hlinkClick r:id="rId11"/>
-              </a:rPr>
-              <a:t>Typing Enter Pushes a Button</a:t>
-            </a:r>
-            <a:r>
-              <a:rPr lang="en-US" smtClean="0"/>
-              <a:t/>
-            </a:r>
-            <a:br>
-              <a:rPr lang="en-US" smtClean="0"/>
-            </a:br>
-            <a:r>
-              <a:rPr lang="en-US" smtClean="0">
-                <a:hlinkClick r:id="rId12"/>
-              </a:rPr>
-              <a:t>Scope in a PowerShell GUI App</a:t>
-            </a:r>
-            <a:endParaRPr lang="en-US" smtClean="0"/>
-          </a:p>
-          <a:p>
-            <a:pPr lvl="1"/>
-            <a:r>
-              <a:rPr lang="en-US" smtClean="0">
-                <a:hlinkClick r:id="rId13"/>
-              </a:rPr>
-              <a:t>The Methods That Register Events</a:t>
-            </a:r>
-            <a:endParaRPr lang="en-US" smtClean="0"/>
-          </a:p>
-          <a:p>
-            <a:pPr lvl="1"/>
-            <a:r>
-              <a:rPr lang="en-US">
-                <a:hlinkClick r:id="rId14" tooltip="Permanent Link: PowerShell GUI Debugging Tip: Duplicate Event Handlers"/>
-              </a:rPr>
-              <a:t>PowerShell GUI Debugging Tip: Duplicate Event Handlers</a:t>
-            </a:r>
-            <a:endParaRPr lang="en-US"/>
-          </a:p>
-          <a:p>
-            <a:pPr lvl="1"/>
-            <a:endParaRPr lang="en-US" smtClean="0"/>
-          </a:p>
-          <a:p>
-            <a:r>
-              <a:rPr lang="en-US" smtClean="0">
-                <a:solidFill>
-                  <a:srgbClr val="002060"/>
-                </a:solidFill>
-              </a:rPr>
-              <a:t>About Face:  The Essentials of Interactive Design (Sept. 2014)</a:t>
-            </a:r>
-            <a:endParaRPr lang="en-US">
-              <a:solidFill>
-                <a:srgbClr val="002060"/>
-              </a:solidFill>
-            </a:endParaRPr>
-          </a:p>
-          <a:p>
-            <a:endParaRPr lang="en-US" smtClean="0"/>
-          </a:p>
-          <a:p>
-            <a:endParaRPr lang="en-US"/>
-          </a:p>
-          <a:p>
-            <a:endParaRPr lang="en-US"/>
-          </a:p>
-        </p:txBody>
-      </p:sp>
-    </p:spTree>
-    <p:extLst>
-      <p:ext uri="{BB962C8B-B14F-4D97-AF65-F5344CB8AC3E}">
-        <p14:creationId xmlns:p14="http://schemas.microsoft.com/office/powerpoint/2010/main" val="1154826808"/>
-      </p:ext>
-    </p:extLst>
-  </p:cSld>
-  <p:clrMapOvr>
-    <a:masterClrMapping/>
-  </p:clrMapOvr>
-  <p:timing>
-    <p:tnLst>
-      <p:par>
-        <p:cTn id="1" dur="indefinite" restart="never" nodeType="tmRoot"/>
-      </p:par>
-    </p:tnLst>
-  </p:timing>
-</p:sld>
-</file>
-
-<file path=ppt/slides/slide24.xml><?xml version="1.0" encoding="utf-8"?>
-<p:sld xmlns:a="http://schemas.openxmlformats.org/drawingml/2006/main" xmlns:r="http://schemas.openxmlformats.org/officeDocument/2006/relationships" xmlns:p="http://schemas.openxmlformats.org/presentationml/2006/main">
-  <p:cSld>
-    <p:spTree>
-      <p:nvGrpSpPr>
-        <p:cNvPr id="1" name=""/>
-        <p:cNvGrpSpPr/>
-        <p:nvPr/>
-      </p:nvGrpSpPr>
-      <p:grpSpPr>
-        <a:xfrm>
-          <a:off x="0" y="0"/>
-          <a:ext cx="0" cy="0"/>
-          <a:chOff x="0" y="0"/>
-          <a:chExt cx="0" cy="0"/>
-        </a:xfrm>
-      </p:grpSpPr>
-      <p:sp>
-        <p:nvSpPr>
-          <p:cNvPr id="2" name="Title 1"/>
-          <p:cNvSpPr>
-            <a:spLocks noGrp="1"/>
-          </p:cNvSpPr>
-          <p:nvPr>
-            <p:ph type="title"/>
-          </p:nvPr>
-        </p:nvSpPr>
-        <p:spPr>
-          <a:xfrm>
-            <a:off x="114055" y="188280"/>
-            <a:ext cx="10058400" cy="716287"/>
-          </a:xfrm>
-        </p:spPr>
-        <p:txBody>
-          <a:bodyPr/>
-          <a:lstStyle/>
-          <a:p>
-            <a:r>
-              <a:rPr lang="en-US" dirty="0" smtClean="0"/>
-              <a:t>PowerShell GUIs: Where do I start?</a:t>
-            </a:r>
-            <a:endParaRPr lang="en-US" dirty="0"/>
-          </a:p>
-        </p:txBody>
-      </p:sp>
-      <p:pic>
-        <p:nvPicPr>
-          <p:cNvPr id="5" name="Picture 4"/>
-          <p:cNvPicPr>
-            <a:picLocks noChangeAspect="1"/>
-          </p:cNvPicPr>
-          <p:nvPr/>
-        </p:nvPicPr>
-        <p:blipFill>
-          <a:blip r:embed="rId2"/>
-          <a:stretch>
-            <a:fillRect/>
-          </a:stretch>
-        </p:blipFill>
-        <p:spPr>
-          <a:xfrm>
-            <a:off x="368709" y="821607"/>
-            <a:ext cx="6400800" cy="5372100"/>
-          </a:xfrm>
-          <a:prstGeom prst="rect">
-            <a:avLst/>
-          </a:prstGeom>
-        </p:spPr>
-      </p:pic>
-      <p:sp>
-        <p:nvSpPr>
-          <p:cNvPr id="6" name="Rectangle 5"/>
-          <p:cNvSpPr/>
-          <p:nvPr/>
-        </p:nvSpPr>
-        <p:spPr>
-          <a:xfrm>
-            <a:off x="3362632" y="1277034"/>
-            <a:ext cx="8445910" cy="369332"/>
-          </a:xfrm>
-          <a:prstGeom prst="rect">
-            <a:avLst/>
-          </a:prstGeom>
-        </p:spPr>
-        <p:txBody>
-          <a:bodyPr wrap="square">
-            <a:spAutoFit/>
-          </a:bodyPr>
-          <a:lstStyle/>
-          <a:p>
-            <a:r>
-              <a:rPr lang="en-US" dirty="0">
-                <a:solidFill>
-                  <a:srgbClr val="000000"/>
-                </a:solidFill>
-                <a:latin typeface="Segoe UI" panose="020B0502040204020203" pitchFamily="34" charset="0"/>
-                <a:hlinkClick r:id="rId3"/>
-              </a:rPr>
-              <a:t>https://www.sapien.com/blog/2015/07/16/powershell-guis-where-do-i-start/</a:t>
-            </a:r>
-            <a:endParaRPr lang="en-US" dirty="0"/>
-          </a:p>
-        </p:txBody>
-      </p:sp>
-    </p:spTree>
-    <p:extLst>
-      <p:ext uri="{BB962C8B-B14F-4D97-AF65-F5344CB8AC3E}">
-        <p14:creationId xmlns:p14="http://schemas.microsoft.com/office/powerpoint/2010/main" val="750034505"/>
-      </p:ext>
-    </p:extLst>
-  </p:cSld>
-  <p:clrMapOvr>
-    <a:masterClrMapping/>
-  </p:clrMapOvr>
-</p:sld>
-</file>
-
-<file path=ppt/slides/slide25.xml><?xml version="1.0" encoding="utf-8"?>
-<p:sld xmlns:a="http://schemas.openxmlformats.org/drawingml/2006/main" xmlns:r="http://schemas.openxmlformats.org/officeDocument/2006/relationships" xmlns:p="http://schemas.openxmlformats.org/presentationml/2006/main">
-  <p:cSld>
-    <p:spTree>
-      <p:nvGrpSpPr>
-        <p:cNvPr id="1" name=""/>
-        <p:cNvGrpSpPr/>
-        <p:nvPr/>
-      </p:nvGrpSpPr>
-      <p:grpSpPr>
-        <a:xfrm>
-          <a:off x="0" y="0"/>
-          <a:ext cx="0" cy="0"/>
-          <a:chOff x="0" y="0"/>
-          <a:chExt cx="0" cy="0"/>
-        </a:xfrm>
-      </p:grpSpPr>
-      <p:pic>
-        <p:nvPicPr>
-          <p:cNvPr id="4" name="Picture 3"/>
-          <p:cNvPicPr>
-            <a:picLocks noChangeAspect="1"/>
-          </p:cNvPicPr>
-          <p:nvPr/>
-        </p:nvPicPr>
-        <p:blipFill>
-          <a:blip r:embed="rId2"/>
-          <a:stretch>
-            <a:fillRect/>
-          </a:stretch>
-        </p:blipFill>
-        <p:spPr>
-          <a:xfrm>
-            <a:off x="4027667" y="1595069"/>
-            <a:ext cx="6793761" cy="4680633"/>
-          </a:xfrm>
-          <a:prstGeom prst="rect">
-            <a:avLst/>
-          </a:prstGeom>
-        </p:spPr>
-      </p:pic>
-      <p:sp>
-        <p:nvSpPr>
-          <p:cNvPr id="5" name="TextBox 4"/>
-          <p:cNvSpPr txBox="1"/>
-          <p:nvPr/>
-        </p:nvSpPr>
-        <p:spPr>
-          <a:xfrm>
-            <a:off x="262295" y="329571"/>
-            <a:ext cx="11444398" cy="1107996"/>
-          </a:xfrm>
-          <a:prstGeom prst="rect">
-            <a:avLst/>
-          </a:prstGeom>
-          <a:noFill/>
-        </p:spPr>
-        <p:txBody>
-          <a:bodyPr wrap="square" lIns="0" tIns="0" rIns="0" bIns="0" rtlCol="0">
-            <a:spAutoFit/>
-          </a:bodyPr>
-          <a:lstStyle/>
-          <a:p>
-            <a:r>
-              <a:rPr lang="en-US" sz="4400" spc="-100" dirty="0">
-                <a:ln w="3175">
-                  <a:noFill/>
-                </a:ln>
-                <a:gradFill flip="none" rotWithShape="1">
-                  <a:gsLst>
-                    <a:gs pos="0">
-                      <a:schemeClr val="tx1"/>
-                    </a:gs>
-                    <a:gs pos="86000">
-                      <a:schemeClr val="tx1"/>
-                    </a:gs>
-                  </a:gsLst>
-                  <a:lin ang="5400000" scaled="0"/>
-                  <a:tileRect/>
-                </a:gradFill>
-                <a:latin typeface="Segoe Light" pitchFamily="34" charset="0"/>
-                <a:cs typeface="Arial" charset="0"/>
-              </a:rPr>
-              <a:t>PowerShell Page in MSDN</a:t>
-            </a:r>
-            <a:br>
-              <a:rPr lang="en-US" sz="4400" spc="-100" dirty="0">
-                <a:ln w="3175">
-                  <a:noFill/>
-                </a:ln>
-                <a:gradFill flip="none" rotWithShape="1">
-                  <a:gsLst>
-                    <a:gs pos="0">
-                      <a:schemeClr val="tx1"/>
-                    </a:gs>
-                    <a:gs pos="86000">
-                      <a:schemeClr val="tx1"/>
-                    </a:gs>
-                  </a:gsLst>
-                  <a:lin ang="5400000" scaled="0"/>
-                  <a:tileRect/>
-                </a:gradFill>
-                <a:latin typeface="Segoe Light" pitchFamily="34" charset="0"/>
-                <a:cs typeface="Arial" charset="0"/>
-              </a:rPr>
-            </a:br>
-            <a:r>
-              <a:rPr lang="en-US" sz="2800" spc="-100" dirty="0">
-                <a:ln w="3175">
-                  <a:noFill/>
-                </a:ln>
-                <a:gradFill flip="none" rotWithShape="1">
-                  <a:gsLst>
-                    <a:gs pos="0">
-                      <a:schemeClr val="tx1"/>
-                    </a:gs>
-                    <a:gs pos="86000">
-                      <a:schemeClr val="tx1"/>
-                    </a:gs>
-                  </a:gsLst>
-                  <a:lin ang="5400000" scaled="0"/>
-                  <a:tileRect/>
-                </a:gradFill>
-                <a:latin typeface="Segoe Light" pitchFamily="34" charset="0"/>
-                <a:cs typeface="Arial" charset="0"/>
-              </a:rPr>
-              <a:t>http://msdn.microsoft.com/PowerShell</a:t>
-            </a:r>
-            <a:endParaRPr lang="en-US" sz="2800" dirty="0">
-              <a:gradFill>
-                <a:gsLst>
-                  <a:gs pos="0">
-                    <a:schemeClr val="tx1"/>
-                  </a:gs>
-                  <a:gs pos="86000">
-                    <a:schemeClr val="tx1"/>
-                  </a:gs>
-                </a:gsLst>
-                <a:lin ang="5400000" scaled="0"/>
-              </a:gradFill>
-              <a:latin typeface="Segoe" pitchFamily="34" charset="0"/>
-            </a:endParaRPr>
-          </a:p>
-        </p:txBody>
-      </p:sp>
-      <p:sp>
-        <p:nvSpPr>
-          <p:cNvPr id="6" name="TextBox 5"/>
-          <p:cNvSpPr txBox="1"/>
-          <p:nvPr/>
-        </p:nvSpPr>
-        <p:spPr>
-          <a:xfrm>
-            <a:off x="9718561" y="329571"/>
-            <a:ext cx="1205458" cy="553998"/>
-          </a:xfrm>
-          <a:prstGeom prst="rect">
-            <a:avLst/>
-          </a:prstGeom>
-          <a:noFill/>
-        </p:spPr>
-        <p:txBody>
-          <a:bodyPr wrap="none" lIns="0" tIns="0" rIns="0" bIns="0" rtlCol="0">
-            <a:spAutoFit/>
-          </a:bodyPr>
-          <a:lstStyle/>
-          <a:p>
-            <a:r>
-              <a:rPr lang="en-US" sz="3600" dirty="0">
-                <a:solidFill>
-                  <a:srgbClr val="FFFF00"/>
-                </a:solidFill>
-                <a:latin typeface="Segoe Light" pitchFamily="34" charset="0"/>
-              </a:rPr>
-              <a:t>NEW!</a:t>
-            </a:r>
-          </a:p>
-        </p:txBody>
-      </p:sp>
-    </p:spTree>
-    <p:extLst>
-      <p:ext uri="{BB962C8B-B14F-4D97-AF65-F5344CB8AC3E}">
-        <p14:creationId xmlns:p14="http://schemas.microsoft.com/office/powerpoint/2010/main" val="1184943756"/>
-      </p:ext>
-    </p:extLst>
-  </p:cSld>
-  <p:clrMapOvr>
-    <a:masterClrMapping/>
-  </p:clrMapOvr>
-  <p:transition>
-    <p:fade/>
-  </p:transition>
-</p:sld>
-</file>
-
-<file path=ppt/slides/slide26.xml><?xml version="1.0" encoding="utf-8"?>
-<p:sld xmlns:a="http://schemas.openxmlformats.org/drawingml/2006/main" xmlns:r="http://schemas.openxmlformats.org/officeDocument/2006/relationships" xmlns:p="http://schemas.openxmlformats.org/presentationml/2006/main">
-  <p:cSld>
-    <p:spTree>
-      <p:nvGrpSpPr>
-        <p:cNvPr id="1" name=""/>
-        <p:cNvGrpSpPr/>
-        <p:nvPr/>
-      </p:nvGrpSpPr>
-      <p:grpSpPr>
-        <a:xfrm>
-          <a:off x="0" y="0"/>
-          <a:ext cx="0" cy="0"/>
-          <a:chOff x="0" y="0"/>
-          <a:chExt cx="0" cy="0"/>
-        </a:xfrm>
-      </p:grpSpPr>
-      <p:sp>
-        <p:nvSpPr>
-          <p:cNvPr id="4" name="TextBox 3"/>
-          <p:cNvSpPr txBox="1"/>
-          <p:nvPr/>
-        </p:nvSpPr>
-        <p:spPr>
-          <a:xfrm>
-            <a:off x="244366" y="123382"/>
-            <a:ext cx="11444398" cy="1107996"/>
-          </a:xfrm>
-          <a:prstGeom prst="rect">
-            <a:avLst/>
-          </a:prstGeom>
-          <a:noFill/>
-        </p:spPr>
-        <p:txBody>
-          <a:bodyPr wrap="square" lIns="0" tIns="0" rIns="0" bIns="0" rtlCol="0">
-            <a:spAutoFit/>
-          </a:bodyPr>
-          <a:lstStyle/>
-          <a:p>
-            <a:r>
-              <a:rPr lang="en-US" sz="4400" spc="-100" dirty="0">
-                <a:ln w="3175">
-                  <a:noFill/>
-                </a:ln>
-                <a:gradFill flip="none" rotWithShape="1">
-                  <a:gsLst>
-                    <a:gs pos="0">
-                      <a:schemeClr val="tx1"/>
-                    </a:gs>
-                    <a:gs pos="86000">
-                      <a:schemeClr val="tx1"/>
-                    </a:gs>
-                  </a:gsLst>
-                  <a:lin ang="5400000" scaled="0"/>
-                  <a:tileRect/>
-                </a:gradFill>
-                <a:latin typeface="Segoe Light" pitchFamily="34" charset="0"/>
-                <a:cs typeface="Arial" charset="0"/>
-              </a:rPr>
-              <a:t>File a Bug – Suggest a Change</a:t>
-            </a:r>
-            <a:r>
-              <a:rPr lang="en-US" sz="2800" dirty="0">
-                <a:gradFill>
-                  <a:gsLst>
-                    <a:gs pos="0">
-                      <a:schemeClr val="tx1"/>
-                    </a:gs>
-                    <a:gs pos="86000">
-                      <a:schemeClr val="tx1"/>
-                    </a:gs>
-                  </a:gsLst>
-                  <a:lin ang="5400000" scaled="0"/>
-                </a:gradFill>
-                <a:latin typeface="Segoe" pitchFamily="34" charset="0"/>
-              </a:rPr>
-              <a:t/>
-            </a:r>
-            <a:br>
-              <a:rPr lang="en-US" sz="2800" dirty="0">
-                <a:gradFill>
-                  <a:gsLst>
-                    <a:gs pos="0">
-                      <a:schemeClr val="tx1"/>
-                    </a:gs>
-                    <a:gs pos="86000">
-                      <a:schemeClr val="tx1"/>
-                    </a:gs>
-                  </a:gsLst>
-                  <a:lin ang="5400000" scaled="0"/>
-                </a:gradFill>
-                <a:latin typeface="Segoe" pitchFamily="34" charset="0"/>
-              </a:rPr>
-            </a:br>
-            <a:r>
-              <a:rPr lang="en-US" sz="2800" dirty="0">
-                <a:gradFill>
-                  <a:gsLst>
-                    <a:gs pos="0">
-                      <a:schemeClr val="tx1"/>
-                    </a:gs>
-                    <a:gs pos="86000">
-                      <a:schemeClr val="tx1"/>
-                    </a:gs>
-                  </a:gsLst>
-                  <a:lin ang="5400000" scaled="0"/>
-                </a:gradFill>
-                <a:latin typeface="Segoe" pitchFamily="34" charset="0"/>
-              </a:rPr>
-              <a:t>Microsoft Connect:    http://Connect.Microsoft.com/PowerShell</a:t>
-            </a:r>
-          </a:p>
-        </p:txBody>
-      </p:sp>
-      <p:pic>
-        <p:nvPicPr>
-          <p:cNvPr id="2" name="Picture 1"/>
-          <p:cNvPicPr>
-            <a:picLocks noChangeAspect="1"/>
-          </p:cNvPicPr>
-          <p:nvPr/>
-        </p:nvPicPr>
-        <p:blipFill>
-          <a:blip r:embed="rId2"/>
-          <a:stretch>
-            <a:fillRect/>
-          </a:stretch>
-        </p:blipFill>
-        <p:spPr>
-          <a:xfrm>
-            <a:off x="2018322" y="1771650"/>
-            <a:ext cx="8993188" cy="4472484"/>
-          </a:xfrm>
-          <a:prstGeom prst="rect">
-            <a:avLst/>
-          </a:prstGeom>
-        </p:spPr>
-      </p:pic>
-    </p:spTree>
-    <p:extLst>
-      <p:ext uri="{BB962C8B-B14F-4D97-AF65-F5344CB8AC3E}">
-        <p14:creationId xmlns:p14="http://schemas.microsoft.com/office/powerpoint/2010/main" val="617014910"/>
-      </p:ext>
-    </p:extLst>
-  </p:cSld>
-  <p:clrMapOvr>
-    <a:masterClrMapping/>
-  </p:clrMapOvr>
-  <p:transition>
-    <p:fade/>
-  </p:transition>
-  <p:timing>
-    <p:tnLst>
-      <p:par>
-        <p:cTn id="1" dur="indefinite" restart="never" nodeType="tmRoot"/>
-      </p:par>
-    </p:tnLst>
-  </p:timing>
-</p:sld>
-</file>
-
-<file path=ppt/slides/slide27.xml><?xml version="1.0" encoding="utf-8"?>
-<p:sld xmlns:a="http://schemas.openxmlformats.org/drawingml/2006/main" xmlns:r="http://schemas.openxmlformats.org/officeDocument/2006/relationships" xmlns:p="http://schemas.openxmlformats.org/presentationml/2006/main">
-  <p:cSld>
-    <p:spTree>
-      <p:nvGrpSpPr>
-        <p:cNvPr id="1" name=""/>
-        <p:cNvGrpSpPr/>
-        <p:nvPr/>
-      </p:nvGrpSpPr>
-      <p:grpSpPr>
-        <a:xfrm>
-          <a:off x="0" y="0"/>
-          <a:ext cx="0" cy="0"/>
-          <a:chOff x="0" y="0"/>
-          <a:chExt cx="0" cy="0"/>
-        </a:xfrm>
-      </p:grpSpPr>
-      <p:sp>
-        <p:nvSpPr>
-          <p:cNvPr id="2" name="Title 1"/>
-          <p:cNvSpPr>
-            <a:spLocks noGrp="1"/>
-          </p:cNvSpPr>
-          <p:nvPr>
-            <p:ph type="ctrTitle"/>
-          </p:nvPr>
-        </p:nvSpPr>
-        <p:spPr/>
-        <p:txBody>
-          <a:bodyPr/>
-          <a:lstStyle/>
-          <a:p>
-            <a:r>
-              <a:rPr lang="en-US" smtClean="0"/>
-              <a:t>Thinking in Events</a:t>
-            </a:r>
-            <a:endParaRPr lang="en-US"/>
-          </a:p>
-        </p:txBody>
-      </p:sp>
-      <p:sp>
-        <p:nvSpPr>
-          <p:cNvPr id="3" name="Subtitle 2"/>
-          <p:cNvSpPr>
-            <a:spLocks noGrp="1"/>
-          </p:cNvSpPr>
-          <p:nvPr>
-            <p:ph type="subTitle" idx="1"/>
-          </p:nvPr>
-        </p:nvSpPr>
-        <p:spPr/>
-        <p:txBody>
-          <a:bodyPr>
-            <a:normAutofit fontScale="77500" lnSpcReduction="20000"/>
-          </a:bodyPr>
-          <a:lstStyle/>
-          <a:p>
-            <a:r>
-              <a:rPr lang="en-US" smtClean="0"/>
-              <a:t/>
-            </a:r>
-            <a:br>
-              <a:rPr lang="en-US" smtClean="0"/>
-            </a:br>
-            <a:r>
-              <a:rPr lang="en-US" smtClean="0"/>
-              <a:t>June Blender</a:t>
-            </a:r>
-            <a:br>
-              <a:rPr lang="en-US" smtClean="0"/>
-            </a:br>
-            <a:r>
-              <a:rPr lang="en-US" smtClean="0"/>
-              <a:t>Technology Evangelist</a:t>
-            </a:r>
-            <a:br>
-              <a:rPr lang="en-US" smtClean="0"/>
-            </a:br>
-            <a:r>
-              <a:rPr lang="en-US" smtClean="0"/>
-              <a:t>Sapien Technologies, Inc</a:t>
-            </a:r>
-            <a:br>
-              <a:rPr lang="en-US" smtClean="0"/>
-            </a:br>
-            <a:r>
-              <a:rPr lang="en-US" smtClean="0"/>
-              <a:t>juneb@Sapien.com, @</a:t>
-            </a:r>
-            <a:r>
-              <a:rPr lang="en-US" cap="none" smtClean="0"/>
-              <a:t>juneb_get_help</a:t>
-            </a:r>
-            <a:endParaRPr lang="en-US" smtClean="0"/>
-          </a:p>
-        </p:txBody>
-      </p:sp>
-    </p:spTree>
-    <p:extLst>
-      <p:ext uri="{BB962C8B-B14F-4D97-AF65-F5344CB8AC3E}">
-        <p14:creationId xmlns:p14="http://schemas.microsoft.com/office/powerpoint/2010/main" val="1271912163"/>
-      </p:ext>
-    </p:extLst>
-  </p:cSld>
-  <p:clrMapOvr>
-    <a:masterClrMapping/>
-  </p:clrMapOvr>
-  <p:timing>
-    <p:tnLst>
-      <p:par>
-        <p:cTn id="1" dur="indefinite" restart="never" nodeType="tmRoot"/>
-      </p:par>
-    </p:tnLst>
-  </p:timing>
-</p:sld>
-</file>
-
-<file path=ppt/slides/slide3.xml><?xml version="1.0" encoding="utf-8"?>
+<file path=ppt/slides/slide4.xml><?xml version="1.0" encoding="utf-8"?>
 <p:sld xmlns:a="http://schemas.openxmlformats.org/drawingml/2006/main" xmlns:r="http://schemas.openxmlformats.org/officeDocument/2006/relationships" xmlns:p="http://schemas.openxmlformats.org/presentationml/2006/main">
   <p:cSld>
     <p:spTree>
@@ -8872,224 +7766,6 @@
 </p:sld>
 </file>
 
-<file path=ppt/slides/slide4.xml><?xml version="1.0" encoding="utf-8"?>
-<p:sld xmlns:a="http://schemas.openxmlformats.org/drawingml/2006/main" xmlns:r="http://schemas.openxmlformats.org/officeDocument/2006/relationships" xmlns:p="http://schemas.openxmlformats.org/presentationml/2006/main">
-  <p:cSld>
-    <p:spTree>
-      <p:nvGrpSpPr>
-        <p:cNvPr id="1" name=""/>
-        <p:cNvGrpSpPr/>
-        <p:nvPr/>
-      </p:nvGrpSpPr>
-      <p:grpSpPr>
-        <a:xfrm>
-          <a:off x="0" y="0"/>
-          <a:ext cx="0" cy="0"/>
-          <a:chOff x="0" y="0"/>
-          <a:chExt cx="0" cy="0"/>
-        </a:xfrm>
-      </p:grpSpPr>
-      <p:pic>
-        <p:nvPicPr>
-          <p:cNvPr id="2" name="Picture 1"/>
-          <p:cNvPicPr>
-            <a:picLocks noChangeAspect="1"/>
-          </p:cNvPicPr>
-          <p:nvPr/>
-        </p:nvPicPr>
-        <p:blipFill>
-          <a:blip r:embed="rId2"/>
-          <a:stretch>
-            <a:fillRect/>
-          </a:stretch>
-        </p:blipFill>
-        <p:spPr>
-          <a:xfrm>
-            <a:off x="2708788" y="161532"/>
-            <a:ext cx="8269288" cy="6058687"/>
-          </a:xfrm>
-          <a:prstGeom prst="rect">
-            <a:avLst/>
-          </a:prstGeom>
-        </p:spPr>
-      </p:pic>
-      <p:sp>
-        <p:nvSpPr>
-          <p:cNvPr id="3" name="TextBox 2"/>
-          <p:cNvSpPr txBox="1"/>
-          <p:nvPr/>
-        </p:nvSpPr>
-        <p:spPr>
-          <a:xfrm>
-            <a:off x="341110" y="981076"/>
-            <a:ext cx="1692771" cy="1661993"/>
-          </a:xfrm>
-          <a:prstGeom prst="rect">
-            <a:avLst/>
-          </a:prstGeom>
-          <a:noFill/>
-        </p:spPr>
-        <p:txBody>
-          <a:bodyPr wrap="none" lIns="0" tIns="0" rIns="0" bIns="0" rtlCol="0">
-            <a:spAutoFit/>
-          </a:bodyPr>
-          <a:lstStyle/>
-          <a:p>
-            <a:r>
-              <a:rPr lang="en-US" sz="3600" dirty="0">
-                <a:gradFill>
-                  <a:gsLst>
-                    <a:gs pos="0">
-                      <a:schemeClr val="tx1"/>
-                    </a:gs>
-                    <a:gs pos="86000">
-                      <a:schemeClr val="tx1"/>
-                    </a:gs>
-                  </a:gsLst>
-                  <a:lin ang="5400000" scaled="0"/>
-                </a:gradFill>
-                <a:latin typeface="Segoe Light" pitchFamily="34" charset="0"/>
-              </a:rPr>
-              <a:t>SAPIEN</a:t>
-            </a:r>
-            <a:br>
-              <a:rPr lang="en-US" sz="3600" dirty="0">
-                <a:gradFill>
-                  <a:gsLst>
-                    <a:gs pos="0">
-                      <a:schemeClr val="tx1"/>
-                    </a:gs>
-                    <a:gs pos="86000">
-                      <a:schemeClr val="tx1"/>
-                    </a:gs>
-                  </a:gsLst>
-                  <a:lin ang="5400000" scaled="0"/>
-                </a:gradFill>
-                <a:latin typeface="Segoe Light" pitchFamily="34" charset="0"/>
-              </a:rPr>
-            </a:br>
-            <a:r>
-              <a:rPr lang="en-US" sz="3600" dirty="0">
-                <a:gradFill>
-                  <a:gsLst>
-                    <a:gs pos="0">
-                      <a:schemeClr val="tx1"/>
-                    </a:gs>
-                    <a:gs pos="86000">
-                      <a:schemeClr val="tx1"/>
-                    </a:gs>
-                  </a:gsLst>
-                  <a:lin ang="5400000" scaled="0"/>
-                </a:gradFill>
-                <a:latin typeface="Segoe Light" pitchFamily="34" charset="0"/>
-              </a:rPr>
-              <a:t>USB</a:t>
-            </a:r>
-            <a:br>
-              <a:rPr lang="en-US" sz="3600" dirty="0">
-                <a:gradFill>
-                  <a:gsLst>
-                    <a:gs pos="0">
-                      <a:schemeClr val="tx1"/>
-                    </a:gs>
-                    <a:gs pos="86000">
-                      <a:schemeClr val="tx1"/>
-                    </a:gs>
-                  </a:gsLst>
-                  <a:lin ang="5400000" scaled="0"/>
-                </a:gradFill>
-                <a:latin typeface="Segoe Light" pitchFamily="34" charset="0"/>
-              </a:rPr>
-            </a:br>
-            <a:r>
-              <a:rPr lang="en-US" sz="3600" dirty="0">
-                <a:gradFill>
-                  <a:gsLst>
-                    <a:gs pos="0">
-                      <a:schemeClr val="tx1"/>
-                    </a:gs>
-                    <a:gs pos="86000">
-                      <a:schemeClr val="tx1"/>
-                    </a:gs>
-                  </a:gsLst>
-                  <a:lin ang="5400000" scaled="0"/>
-                </a:gradFill>
-                <a:latin typeface="Segoe Light" pitchFamily="34" charset="0"/>
-              </a:rPr>
-              <a:t>Key</a:t>
-            </a:r>
-          </a:p>
-        </p:txBody>
-      </p:sp>
-      <p:pic>
-        <p:nvPicPr>
-          <p:cNvPr id="4" name="Picture 3"/>
-          <p:cNvPicPr>
-            <a:picLocks noChangeAspect="1"/>
-          </p:cNvPicPr>
-          <p:nvPr/>
-        </p:nvPicPr>
-        <p:blipFill>
-          <a:blip r:embed="rId3"/>
-          <a:stretch>
-            <a:fillRect/>
-          </a:stretch>
-        </p:blipFill>
-        <p:spPr>
-          <a:xfrm>
-            <a:off x="341110" y="3075531"/>
-            <a:ext cx="1913594" cy="1920356"/>
-          </a:xfrm>
-          <a:prstGeom prst="rect">
-            <a:avLst/>
-          </a:prstGeom>
-        </p:spPr>
-      </p:pic>
-      <p:pic>
-        <p:nvPicPr>
-          <p:cNvPr id="5" name="Picture 4"/>
-          <p:cNvPicPr>
-            <a:picLocks noChangeAspect="1"/>
-          </p:cNvPicPr>
-          <p:nvPr/>
-        </p:nvPicPr>
-        <p:blipFill>
-          <a:blip r:embed="rId4"/>
-          <a:stretch>
-            <a:fillRect/>
-          </a:stretch>
-        </p:blipFill>
-        <p:spPr>
-          <a:xfrm>
-            <a:off x="413514" y="3190875"/>
-            <a:ext cx="682110" cy="724742"/>
-          </a:xfrm>
-          <a:prstGeom prst="rect">
-            <a:avLst/>
-          </a:prstGeom>
-        </p:spPr>
-      </p:pic>
-    </p:spTree>
-    <p:extLst>
-      <p:ext uri="{BB962C8B-B14F-4D97-AF65-F5344CB8AC3E}">
-        <p14:creationId xmlns:p14="http://schemas.microsoft.com/office/powerpoint/2010/main" val="1349119994"/>
-      </p:ext>
-    </p:extLst>
-  </p:cSld>
-  <p:clrMapOvr>
-    <a:masterClrMapping/>
-  </p:clrMapOvr>
-  <mc:AlternateContent xmlns:mc="http://schemas.openxmlformats.org/markup-compatibility/2006" xmlns:p14="http://schemas.microsoft.com/office/powerpoint/2010/main">
-    <mc:Choice Requires="p14">
-      <p:transition spd="slow" p14:dur="2000"/>
-    </mc:Choice>
-    <mc:Fallback xmlns="">
-      <p:transition spd="slow"/>
-    </mc:Fallback>
-  </mc:AlternateContent>
-</p:sld>
-</file>
-
 <file path=ppt/slides/slide5.xml><?xml version="1.0" encoding="utf-8"?>
 <p:sld xmlns:a="http://schemas.openxmlformats.org/drawingml/2006/main" xmlns:r="http://schemas.openxmlformats.org/officeDocument/2006/relationships" xmlns:p="http://schemas.openxmlformats.org/presentationml/2006/main">
   <p:cSld>
@@ -9143,7 +7819,7 @@
         <p:spPr/>
         <p:txBody>
           <a:bodyPr>
-            <a:normAutofit lnSpcReduction="10000"/>
+            <a:normAutofit fontScale="85000" lnSpcReduction="20000"/>
           </a:bodyPr>
           <a:lstStyle/>
           <a:p>
@@ -9211,7 +7887,34 @@
                 <a:latin typeface="+mj-lt"/>
                 <a:sym typeface="Wingdings" panose="05000000000000000000" pitchFamily="2" charset="2"/>
               </a:rPr>
-              <a:t>   Efficiency </a:t>
+              <a:t>   </a:t>
+            </a:r>
+          </a:p>
+          <a:p>
+            <a:pPr marL="201168" lvl="1" indent="0">
+              <a:buNone/>
+            </a:pPr>
+            <a:endParaRPr lang="en-US" sz="4800">
+              <a:solidFill>
+                <a:srgbClr val="0070C0"/>
+              </a:solidFill>
+              <a:latin typeface="+mj-lt"/>
+              <a:sym typeface="Wingdings" panose="05000000000000000000" pitchFamily="2" charset="2"/>
+            </a:endParaRPr>
+          </a:p>
+          <a:p>
+            <a:pPr marL="201168" lvl="1" indent="0">
+              <a:buNone/>
+            </a:pPr>
+            <a:r>
+              <a:rPr lang="en-US" sz="4800" smtClean="0">
+                <a:solidFill>
+                  <a:srgbClr val="0070C0"/>
+                </a:solidFill>
+                <a:latin typeface="+mj-lt"/>
+                <a:sym typeface="Wingdings" panose="05000000000000000000" pitchFamily="2" charset="2"/>
+              </a:rPr>
+              <a:t>			Efficiency </a:t>
             </a:r>
             <a:r>
               <a:rPr lang="en-US" sz="4800" smtClean="0">
@@ -9241,46 +7944,30 @@
           </a:p>
         </p:txBody>
       </p:sp>
-      <p:sp>
-        <p:nvSpPr>
-          <p:cNvPr id="6" name="Right Arrow 5"/>
-          <p:cNvSpPr/>
+      <p:pic>
+        <p:nvPicPr>
+          <p:cNvPr id="7" name="Picture 6"/>
+          <p:cNvPicPr>
+            <a:picLocks noChangeAspect="1"/>
+          </p:cNvPicPr>
           <p:nvPr/>
-        </p:nvSpPr>
+        </p:nvPicPr>
+        <p:blipFill>
+          <a:blip r:embed="rId2"/>
+          <a:stretch>
+            <a:fillRect/>
+          </a:stretch>
+        </p:blipFill>
         <p:spPr>
           <a:xfrm>
-            <a:off x="2945014" y="3857414"/>
-            <a:ext cx="5858634" cy="283221"/>
+            <a:off x="2968502" y="3495529"/>
+            <a:ext cx="4848225" cy="1104900"/>
           </a:xfrm>
-          <a:prstGeom prst="rightArrow">
+          <a:prstGeom prst="rect">
             <a:avLst/>
           </a:prstGeom>
         </p:spPr>
-        <p:style>
-          <a:lnRef idx="2">
-            <a:schemeClr val="dk1">
-              <a:shade val="50000"/>
-            </a:schemeClr>
-          </a:lnRef>
-          <a:fillRef idx="1">
-            <a:schemeClr val="dk1"/>
-          </a:fillRef>
-          <a:effectRef idx="0">
-            <a:schemeClr val="dk1"/>
-          </a:effectRef>
-          <a:fontRef idx="minor">
-            <a:schemeClr val="lt1"/>
-          </a:fontRef>
-        </p:style>
-        <p:txBody>
-          <a:bodyPr rtlCol="0" anchor="ctr"/>
-          <a:lstStyle/>
-          <a:p>
-            <a:pPr algn="ctr"/>
-            <a:endParaRPr lang="en-US"/>
-          </a:p>
-        </p:txBody>
-      </p:sp>
+      </p:pic>
     </p:spTree>
     <p:extLst>
       <p:ext uri="{BB962C8B-B14F-4D97-AF65-F5344CB8AC3E}">
@@ -9364,33 +8051,44 @@
             </a:pPr>
             <a:r>
               <a:rPr lang="en-US" sz="3600" smtClean="0"/>
-              <a:t> A </a:t>
+              <a:t> The script for a </a:t>
             </a:r>
             <a:r>
               <a:rPr lang="en-US" sz="3600" smtClean="0">
                 <a:solidFill>
+                  <a:schemeClr val="tx1"/>
+                </a:solidFill>
+              </a:rPr>
+              <a:t>GUI application</a:t>
+            </a:r>
+            <a:r>
+              <a:rPr lang="en-US" sz="3600" smtClean="0"/>
+              <a:t> consists of an </a:t>
+            </a:r>
+            <a:r>
+              <a:rPr lang="en-US" sz="3600" smtClean="0">
+                <a:solidFill>
                   <a:srgbClr val="0070C0"/>
                 </a:solidFill>
               </a:rPr>
-              <a:t>GUI application</a:t>
+              <a:t>unordered collection of event handlers</a:t>
             </a:r>
             <a:r>
               <a:rPr lang="en-US" sz="3600" smtClean="0"/>
-              <a:t> consists of an unordered collection of event handlers.</a:t>
-            </a:r>
+              <a:t>.</a:t>
+            </a:r>
+          </a:p>
+          <a:p>
+            <a:pPr marL="0" indent="0">
+              <a:buNone/>
+            </a:pPr>
+            <a:endParaRPr lang="en-US" sz="3600"/>
           </a:p>
           <a:p>
             <a:pPr>
               <a:buFont typeface="Arial" panose="020B0604020202020204" pitchFamily="34" charset="0"/>
               <a:buChar char="•"/>
             </a:pPr>
-            <a:endParaRPr lang="en-US" sz="3600"/>
-          </a:p>
-          <a:p>
-            <a:pPr>
-              <a:buFont typeface="Arial" panose="020B0604020202020204" pitchFamily="34" charset="0"/>
-              <a:buChar char="•"/>
-            </a:pPr>
             <a:r>
               <a:rPr lang="en-US" sz="3600" smtClean="0"/>
               <a:t> The </a:t>
@@ -9426,13 +8124,20 @@
     </p:spTree>
     <p:extLst>
       <p:ext uri="{BB962C8B-B14F-4D97-AF65-F5344CB8AC3E}">
-        <p14:creationId xmlns:p14="http://schemas.microsoft.com/office/powerpoint/2010/main" val="723009780"/>
+        <p14:creationId xmlns:p14="http://schemas.microsoft.com/office/powerpoint/2010/main" val="1447024143"/>
       </p:ext>
     </p:extLst>
   </p:cSld>
   <p:clrMapOvr>
     <a:masterClrMapping/>
   </p:clrMapOvr>
+  <p:timing>
+    <p:tnLst>
+      <p:par>
+        <p:cTn id="1" dur="indefinite" restart="never" nodeType="tmRoot"/>
+      </p:par>
+    </p:tnLst>
+  </p:timing>
 </p:sld>
 </file>
 
@@ -9472,7 +8177,7 @@
           <a:p>
             <a:r>
               <a:rPr lang="en-US" sz="4000" smtClean="0"/>
-              <a:t>In a GUI, you control the display</a:t>
+              <a:t>In a GUI app, you must control the display</a:t>
             </a:r>
             <a:endParaRPr lang="en-US" sz="4000"/>
           </a:p>
@@ -9488,19 +8193,31 @@
             <p:ph idx="1"/>
           </p:nvPr>
         </p:nvSpPr>
-        <p:spPr/>
+        <p:spPr>
+          <a:xfrm>
+            <a:off x="1097280" y="1845734"/>
+            <a:ext cx="10860258" cy="4023360"/>
+          </a:xfrm>
+        </p:spPr>
         <p:txBody>
           <a:bodyPr/>
           <a:lstStyle/>
           <a:p>
             <a:r>
-              <a:rPr lang="en-US" smtClean="0">
+              <a:rPr lang="en-US" sz="3200" smtClean="0">
                 <a:solidFill>
                   <a:srgbClr val="0070C0"/>
                 </a:solidFill>
               </a:rPr>
               <a:t>If the button gets objects, they go to the pipeline ... not displayed</a:t>
             </a:r>
+            <a:endParaRPr lang="en-US" sz="3200" smtClean="0">
+              <a:solidFill>
+                <a:srgbClr val="FF0000"/>
+              </a:solidFill>
+            </a:endParaRPr>
+          </a:p>
+          <a:p>
             <a:endParaRPr lang="en-US" smtClean="0">
               <a:solidFill>
                 <a:srgbClr val="FF0000"/>
@@ -9508,6 +8225,13 @@
             </a:endParaRPr>
           </a:p>
           <a:p>
+            <a:endParaRPr lang="en-US">
+              <a:solidFill>
+                <a:srgbClr val="FF0000"/>
+              </a:solidFill>
+            </a:endParaRPr>
+          </a:p>
+          <a:p>
             <a:endParaRPr lang="en-US" smtClean="0">
               <a:solidFill>
                 <a:srgbClr val="FF0000"/>
@@ -9515,20 +8239,6 @@
             </a:endParaRPr>
           </a:p>
           <a:p>
-            <a:endParaRPr lang="en-US">
-              <a:solidFill>
-                <a:srgbClr val="FF0000"/>
-              </a:solidFill>
-            </a:endParaRPr>
-          </a:p>
-          <a:p>
-            <a:endParaRPr lang="en-US" smtClean="0">
-              <a:solidFill>
-                <a:srgbClr val="FF0000"/>
-              </a:solidFill>
-            </a:endParaRPr>
-          </a:p>
-          <a:p>
             <a:endParaRPr lang="en-US" smtClean="0">
               <a:solidFill>
                 <a:srgbClr val="0070C0"/>
@@ -9537,14 +8247,14 @@
           </a:p>
           <a:p>
             <a:r>
-              <a:rPr lang="en-US" smtClean="0">
+              <a:rPr lang="en-US" sz="3200" smtClean="0">
                 <a:solidFill>
                   <a:srgbClr val="0070C0"/>
                 </a:solidFill>
               </a:rPr>
               <a:t>You have to display standard output and errors.</a:t>
             </a:r>
-            <a:endParaRPr lang="en-US">
+            <a:endParaRPr lang="en-US" sz="3200">
               <a:solidFill>
                 <a:srgbClr val="0070C0"/>
               </a:solidFill>
@@ -9568,7 +8278,7 @@
         </p:blipFill>
         <p:spPr>
           <a:xfrm>
-            <a:off x="1446904" y="2489608"/>
+            <a:off x="1706863" y="3036652"/>
             <a:ext cx="2552700" cy="1228725"/>
           </a:xfrm>
           <a:prstGeom prst="rect">
